--- a/DragonFriends Finished Draft.pptx
+++ b/DragonFriends Finished Draft.pptx
@@ -1,40 +1,40 @@
 
 <file path=ppt/presentation.xml><?xml version="1.0" encoding="utf-8"?>
-<p:presentation xmlns:a="http://schemas.openxmlformats.org/drawingml/2006/main" xmlns:r="http://schemas.openxmlformats.org/officeDocument/2006/relationships" xmlns:mc="http://schemas.openxmlformats.org/markup-compatibility/2006" xmlns:mv="urn:schemas-microsoft-com:mac:vml" xmlns:p="http://schemas.openxmlformats.org/presentationml/2006/main" xmlns:c="http://schemas.openxmlformats.org/drawingml/2006/chart" xmlns:dgm="http://schemas.openxmlformats.org/drawingml/2006/diagram" xmlns:o="urn:schemas-microsoft-com:office:office" xmlns:v="urn:schemas-microsoft-com:vml" xmlns:pvml="urn:schemas-microsoft-com:office:powerpoint" xmlns:com="http://schemas.openxmlformats.org/drawingml/2006/compatibility" xmlns:p14="http://schemas.microsoft.com/office/powerpoint/2010/main" xmlns:p15="http://schemas.microsoft.com/office/powerpoint/2012/main" autoCompressPictures="0" embedTrueTypeFonts="1" strictFirstAndLastChars="0" saveSubsetFonts="1">
+<p:presentation xmlns:a="http://schemas.openxmlformats.org/drawingml/2006/main" xmlns:r="http://schemas.openxmlformats.org/officeDocument/2006/relationships" xmlns:p="http://schemas.openxmlformats.org/presentationml/2006/main" strictFirstAndLastChars="0" embedTrueTypeFonts="1" saveSubsetFonts="1" autoCompressPictures="0">
   <p:sldMasterIdLst>
-    <p:sldMasterId id="2147483659" r:id="rId4"/>
+    <p:sldMasterId id="2147483659" r:id="rId1"/>
   </p:sldMasterIdLst>
   <p:notesMasterIdLst>
-    <p:notesMasterId r:id="rId5"/>
+    <p:notesMasterId r:id="rId10"/>
   </p:notesMasterIdLst>
   <p:sldIdLst>
-    <p:sldId id="256" r:id="rId6"/>
-    <p:sldId id="257" r:id="rId7"/>
-    <p:sldId id="258" r:id="rId8"/>
-    <p:sldId id="259" r:id="rId9"/>
-    <p:sldId id="260" r:id="rId10"/>
-    <p:sldId id="261" r:id="rId11"/>
-    <p:sldId id="262" r:id="rId12"/>
-    <p:sldId id="263" r:id="rId13"/>
+    <p:sldId id="256" r:id="rId2"/>
+    <p:sldId id="257" r:id="rId3"/>
+    <p:sldId id="258" r:id="rId4"/>
+    <p:sldId id="259" r:id="rId5"/>
+    <p:sldId id="260" r:id="rId6"/>
+    <p:sldId id="261" r:id="rId7"/>
+    <p:sldId id="262" r:id="rId8"/>
+    <p:sldId id="263" r:id="rId9"/>
   </p:sldIdLst>
-  <p:sldSz cy="5143500" cx="9144000"/>
+  <p:sldSz cx="9144000" cy="5143500" type="screen16x9"/>
   <p:notesSz cx="6858000" cy="9144000"/>
   <p:embeddedFontLst>
     <p:embeddedFont>
-      <p:font typeface="PT Sans Narrow"/>
-      <p:regular r:id="rId14"/>
-      <p:bold r:id="rId15"/>
+      <p:font typeface="PT Sans Narrow" panose="020B0604020202020204" charset="0"/>
+      <p:regular r:id="rId11"/>
+      <p:bold r:id="rId12"/>
     </p:embeddedFont>
     <p:embeddedFont>
-      <p:font typeface="Open Sans"/>
-      <p:regular r:id="rId16"/>
-      <p:bold r:id="rId17"/>
-      <p:italic r:id="rId18"/>
-      <p:boldItalic r:id="rId19"/>
+      <p:font typeface="Open Sans" panose="020B0604020202020204" charset="0"/>
+      <p:regular r:id="rId13"/>
+      <p:bold r:id="rId14"/>
+      <p:italic r:id="rId15"/>
+      <p:boldItalic r:id="rId16"/>
     </p:embeddedFont>
   </p:embeddedFontLst>
   <p:defaultTextStyle>
-    <a:defPPr lvl="0" marR="0" rtl="0" algn="l">
+    <a:defPPr marR="0" lvl="0" algn="l" rtl="0">
       <a:lnSpc>
         <a:spcPct val="100000"/>
       </a:lnSpc>
@@ -45,7 +45,7 @@
         <a:spcPts val="0"/>
       </a:spcAft>
     </a:defPPr>
-    <a:lvl1pPr lvl="0" marR="0" rtl="0" algn="l">
+    <a:lvl1pPr marR="0" lvl="0" algn="l" rtl="0">
       <a:lnSpc>
         <a:spcPct val="100000"/>
       </a:lnSpc>
@@ -59,7 +59,7 @@
         <a:srgbClr val="000000"/>
       </a:buClr>
       <a:buFont typeface="Arial"/>
-      <a:defRPr b="0" i="0" sz="1400" u="none" cap="none" strike="noStrike">
+      <a:defRPr sz="1400" b="0" i="0" u="none" strike="noStrike" cap="none">
         <a:solidFill>
           <a:srgbClr val="000000"/>
         </a:solidFill>
@@ -69,7 +69,7 @@
         <a:sym typeface="Arial"/>
       </a:defRPr>
     </a:lvl1pPr>
-    <a:lvl2pPr lvl="1" marR="0" rtl="0" algn="l">
+    <a:lvl2pPr marR="0" lvl="1" algn="l" rtl="0">
       <a:lnSpc>
         <a:spcPct val="100000"/>
       </a:lnSpc>
@@ -83,7 +83,7 @@
         <a:srgbClr val="000000"/>
       </a:buClr>
       <a:buFont typeface="Arial"/>
-      <a:defRPr b="0" i="0" sz="1400" u="none" cap="none" strike="noStrike">
+      <a:defRPr sz="1400" b="0" i="0" u="none" strike="noStrike" cap="none">
         <a:solidFill>
           <a:srgbClr val="000000"/>
         </a:solidFill>
@@ -93,7 +93,7 @@
         <a:sym typeface="Arial"/>
       </a:defRPr>
     </a:lvl2pPr>
-    <a:lvl3pPr lvl="2" marR="0" rtl="0" algn="l">
+    <a:lvl3pPr marR="0" lvl="2" algn="l" rtl="0">
       <a:lnSpc>
         <a:spcPct val="100000"/>
       </a:lnSpc>
@@ -107,7 +107,7 @@
         <a:srgbClr val="000000"/>
       </a:buClr>
       <a:buFont typeface="Arial"/>
-      <a:defRPr b="0" i="0" sz="1400" u="none" cap="none" strike="noStrike">
+      <a:defRPr sz="1400" b="0" i="0" u="none" strike="noStrike" cap="none">
         <a:solidFill>
           <a:srgbClr val="000000"/>
         </a:solidFill>
@@ -117,7 +117,7 @@
         <a:sym typeface="Arial"/>
       </a:defRPr>
     </a:lvl3pPr>
-    <a:lvl4pPr lvl="3" marR="0" rtl="0" algn="l">
+    <a:lvl4pPr marR="0" lvl="3" algn="l" rtl="0">
       <a:lnSpc>
         <a:spcPct val="100000"/>
       </a:lnSpc>
@@ -131,7 +131,7 @@
         <a:srgbClr val="000000"/>
       </a:buClr>
       <a:buFont typeface="Arial"/>
-      <a:defRPr b="0" i="0" sz="1400" u="none" cap="none" strike="noStrike">
+      <a:defRPr sz="1400" b="0" i="0" u="none" strike="noStrike" cap="none">
         <a:solidFill>
           <a:srgbClr val="000000"/>
         </a:solidFill>
@@ -141,7 +141,7 @@
         <a:sym typeface="Arial"/>
       </a:defRPr>
     </a:lvl4pPr>
-    <a:lvl5pPr lvl="4" marR="0" rtl="0" algn="l">
+    <a:lvl5pPr marR="0" lvl="4" algn="l" rtl="0">
       <a:lnSpc>
         <a:spcPct val="100000"/>
       </a:lnSpc>
@@ -155,7 +155,7 @@
         <a:srgbClr val="000000"/>
       </a:buClr>
       <a:buFont typeface="Arial"/>
-      <a:defRPr b="0" i="0" sz="1400" u="none" cap="none" strike="noStrike">
+      <a:defRPr sz="1400" b="0" i="0" u="none" strike="noStrike" cap="none">
         <a:solidFill>
           <a:srgbClr val="000000"/>
         </a:solidFill>
@@ -165,7 +165,7 @@
         <a:sym typeface="Arial"/>
       </a:defRPr>
     </a:lvl5pPr>
-    <a:lvl6pPr lvl="5" marR="0" rtl="0" algn="l">
+    <a:lvl6pPr marR="0" lvl="5" algn="l" rtl="0">
       <a:lnSpc>
         <a:spcPct val="100000"/>
       </a:lnSpc>
@@ -179,7 +179,7 @@
         <a:srgbClr val="000000"/>
       </a:buClr>
       <a:buFont typeface="Arial"/>
-      <a:defRPr b="0" i="0" sz="1400" u="none" cap="none" strike="noStrike">
+      <a:defRPr sz="1400" b="0" i="0" u="none" strike="noStrike" cap="none">
         <a:solidFill>
           <a:srgbClr val="000000"/>
         </a:solidFill>
@@ -189,7 +189,7 @@
         <a:sym typeface="Arial"/>
       </a:defRPr>
     </a:lvl6pPr>
-    <a:lvl7pPr lvl="6" marR="0" rtl="0" algn="l">
+    <a:lvl7pPr marR="0" lvl="6" algn="l" rtl="0">
       <a:lnSpc>
         <a:spcPct val="100000"/>
       </a:lnSpc>
@@ -203,7 +203,7 @@
         <a:srgbClr val="000000"/>
       </a:buClr>
       <a:buFont typeface="Arial"/>
-      <a:defRPr b="0" i="0" sz="1400" u="none" cap="none" strike="noStrike">
+      <a:defRPr sz="1400" b="0" i="0" u="none" strike="noStrike" cap="none">
         <a:solidFill>
           <a:srgbClr val="000000"/>
         </a:solidFill>
@@ -213,7 +213,7 @@
         <a:sym typeface="Arial"/>
       </a:defRPr>
     </a:lvl7pPr>
-    <a:lvl8pPr lvl="7" marR="0" rtl="0" algn="l">
+    <a:lvl8pPr marR="0" lvl="7" algn="l" rtl="0">
       <a:lnSpc>
         <a:spcPct val="100000"/>
       </a:lnSpc>
@@ -227,7 +227,7 @@
         <a:srgbClr val="000000"/>
       </a:buClr>
       <a:buFont typeface="Arial"/>
-      <a:defRPr b="0" i="0" sz="1400" u="none" cap="none" strike="noStrike">
+      <a:defRPr sz="1400" b="0" i="0" u="none" strike="noStrike" cap="none">
         <a:solidFill>
           <a:srgbClr val="000000"/>
         </a:solidFill>
@@ -237,7 +237,7 @@
         <a:sym typeface="Arial"/>
       </a:defRPr>
     </a:lvl8pPr>
-    <a:lvl9pPr lvl="8" marR="0" rtl="0" algn="l">
+    <a:lvl9pPr marR="0" lvl="8" algn="l" rtl="0">
       <a:lnSpc>
         <a:spcPct val="100000"/>
       </a:lnSpc>
@@ -251,7 +251,7 @@
         <a:srgbClr val="000000"/>
       </a:buClr>
       <a:buFont typeface="Arial"/>
-      <a:defRPr b="0" i="0" sz="1400" u="none" cap="none" strike="noStrike">
+      <a:defRPr sz="1400" b="0" i="0" u="none" strike="noStrike" cap="none">
         <a:solidFill>
           <a:srgbClr val="000000"/>
         </a:solidFill>
@@ -266,11 +266,16 @@
 </file>
 
 <file path=ppt/notesMasters/notesMaster1.xml><?xml version="1.0" encoding="utf-8"?>
-<p:notesMaster xmlns:a="http://schemas.openxmlformats.org/drawingml/2006/main" xmlns:r="http://schemas.openxmlformats.org/officeDocument/2006/relationships" xmlns:mc="http://schemas.openxmlformats.org/markup-compatibility/2006" xmlns:mv="urn:schemas-microsoft-com:mac:vml" xmlns:p="http://schemas.openxmlformats.org/presentationml/2006/main" xmlns:c="http://schemas.openxmlformats.org/drawingml/2006/chart" xmlns:dgm="http://schemas.openxmlformats.org/drawingml/2006/diagram" xmlns:o="urn:schemas-microsoft-com:office:office" xmlns:v="urn:schemas-microsoft-com:vml" xmlns:pvml="urn:schemas-microsoft-com:office:powerpoint" xmlns:com="http://schemas.openxmlformats.org/drawingml/2006/compatibility" xmlns:p14="http://schemas.microsoft.com/office/powerpoint/2010/main" xmlns:p15="http://schemas.microsoft.com/office/powerpoint/2012/main">
+<p:notesMaster xmlns:a="http://schemas.openxmlformats.org/drawingml/2006/main" xmlns:r="http://schemas.openxmlformats.org/officeDocument/2006/relationships" xmlns:p="http://schemas.openxmlformats.org/presentationml/2006/main">
   <p:cSld>
+    <p:bg>
+      <p:bgRef idx="1001">
+        <a:schemeClr val="bg1"/>
+      </p:bgRef>
+    </p:bg>
     <p:spTree>
       <p:nvGrpSpPr>
-        <p:cNvPr id="2" name="Shape 2"/>
+        <p:cNvPr id="1" name="Shape 2"/>
         <p:cNvGrpSpPr/>
         <p:nvPr/>
       </p:nvGrpSpPr>
@@ -285,9 +290,11 @@
       <p:sp>
         <p:nvSpPr>
           <p:cNvPr id="3" name="Shape 3"/>
-          <p:cNvSpPr/>
+          <p:cNvSpPr>
+            <a:spLocks noGrp="1" noRot="1" noChangeAspect="1"/>
+          </p:cNvSpPr>
           <p:nvPr>
-            <p:ph idx="2" type="sldImg"/>
+            <p:ph type="sldImg" idx="2"/>
           </p:nvPr>
         </p:nvSpPr>
         <p:spPr>
@@ -296,8 +303,13 @@
             <a:ext cx="6096075" cy="3429000"/>
           </a:xfrm>
           <a:custGeom>
+            <a:avLst/>
+            <a:gdLst/>
+            <a:ahLst/>
+            <a:cxnLst/>
+            <a:rect l="0" t="0" r="0" b="0"/>
             <a:pathLst>
-              <a:path extrusionOk="0" h="120000" w="120000">
+              <a:path w="120000" h="120000" extrusionOk="0">
                 <a:moveTo>
                   <a:pt x="0" y="0"/>
                 </a:moveTo>
@@ -315,23 +327,25 @@
             </a:pathLst>
           </a:custGeom>
           <a:noFill/>
-          <a:ln cap="flat" cmpd="sng" w="9525">
+          <a:ln w="9525" cap="flat" cmpd="sng">
             <a:solidFill>
               <a:srgbClr val="000000"/>
             </a:solidFill>
             <a:prstDash val="solid"/>
             <a:round/>
-            <a:headEnd len="med" w="med" type="none"/>
-            <a:tailEnd len="med" w="med" type="none"/>
+            <a:headEnd type="none" w="med" len="med"/>
+            <a:tailEnd type="none" w="med" len="med"/>
           </a:ln>
         </p:spPr>
       </p:sp>
       <p:sp>
         <p:nvSpPr>
           <p:cNvPr id="4" name="Shape 4"/>
-          <p:cNvSpPr txBox="1"/>
+          <p:cNvSpPr txBox="1">
+            <a:spLocks noGrp="1"/>
+          </p:cNvSpPr>
           <p:nvPr>
-            <p:ph idx="1" type="body"/>
+            <p:ph type="body" idx="1"/>
           </p:nvPr>
         </p:nvSpPr>
         <p:spPr>
@@ -348,9 +362,9 @@
           </a:ln>
         </p:spPr>
         <p:txBody>
-          <a:bodyPr anchorCtr="0" anchor="t" bIns="91425" lIns="91425" spcFirstLastPara="1" rIns="91425" wrap="square" tIns="91425"/>
+          <a:bodyPr spcFirstLastPara="1" wrap="square" lIns="91425" tIns="91425" rIns="91425" bIns="91425" anchor="t" anchorCtr="0"/>
           <a:lstStyle>
-            <a:lvl1pPr indent="-298450" lvl="0" marL="457200">
+            <a:lvl1pPr marL="457200" lvl="0" indent="-298450">
               <a:spcBef>
                 <a:spcPts val="0"/>
               </a:spcBef>
@@ -361,7 +375,7 @@
               <a:buChar char="●"/>
               <a:defRPr sz="1100"/>
             </a:lvl1pPr>
-            <a:lvl2pPr indent="-298450" lvl="1" marL="914400">
+            <a:lvl2pPr marL="914400" lvl="1" indent="-298450">
               <a:spcBef>
                 <a:spcPts val="0"/>
               </a:spcBef>
@@ -372,7 +386,7 @@
               <a:buChar char="○"/>
               <a:defRPr sz="1100"/>
             </a:lvl2pPr>
-            <a:lvl3pPr indent="-298450" lvl="2" marL="1371600">
+            <a:lvl3pPr marL="1371600" lvl="2" indent="-298450">
               <a:spcBef>
                 <a:spcPts val="0"/>
               </a:spcBef>
@@ -383,7 +397,7 @@
               <a:buChar char="■"/>
               <a:defRPr sz="1100"/>
             </a:lvl3pPr>
-            <a:lvl4pPr indent="-298450" lvl="3" marL="1828800">
+            <a:lvl4pPr marL="1828800" lvl="3" indent="-298450">
               <a:spcBef>
                 <a:spcPts val="0"/>
               </a:spcBef>
@@ -394,7 +408,7 @@
               <a:buChar char="●"/>
               <a:defRPr sz="1100"/>
             </a:lvl4pPr>
-            <a:lvl5pPr indent="-298450" lvl="4" marL="2286000">
+            <a:lvl5pPr marL="2286000" lvl="4" indent="-298450">
               <a:spcBef>
                 <a:spcPts val="0"/>
               </a:spcBef>
@@ -405,7 +419,7 @@
               <a:buChar char="○"/>
               <a:defRPr sz="1100"/>
             </a:lvl5pPr>
-            <a:lvl6pPr indent="-298450" lvl="5" marL="2743200">
+            <a:lvl6pPr marL="2743200" lvl="5" indent="-298450">
               <a:spcBef>
                 <a:spcPts val="0"/>
               </a:spcBef>
@@ -416,7 +430,7 @@
               <a:buChar char="■"/>
               <a:defRPr sz="1100"/>
             </a:lvl6pPr>
-            <a:lvl7pPr indent="-298450" lvl="6" marL="3200400">
+            <a:lvl7pPr marL="3200400" lvl="6" indent="-298450">
               <a:spcBef>
                 <a:spcPts val="0"/>
               </a:spcBef>
@@ -427,7 +441,7 @@
               <a:buChar char="●"/>
               <a:defRPr sz="1100"/>
             </a:lvl7pPr>
-            <a:lvl8pPr indent="-298450" lvl="7" marL="3657600">
+            <a:lvl8pPr marL="3657600" lvl="7" indent="-298450">
               <a:spcBef>
                 <a:spcPts val="0"/>
               </a:spcBef>
@@ -438,7 +452,7 @@
               <a:buChar char="○"/>
               <a:defRPr sz="1100"/>
             </a:lvl8pPr>
-            <a:lvl9pPr indent="-298450" lvl="8" marL="4114800">
+            <a:lvl9pPr marL="4114800" lvl="8" indent="-298450">
               <a:spcBef>
                 <a:spcPts val="0"/>
               </a:spcBef>
@@ -450,14 +464,16 @@
               <a:defRPr sz="1100"/>
             </a:lvl9pPr>
           </a:lstStyle>
-          <a:p/>
+          <a:p>
+            <a:endParaRPr/>
+          </a:p>
         </p:txBody>
       </p:sp>
     </p:spTree>
   </p:cSld>
-  <p:clrMap accent1="accent1" accent2="accent2" accent3="accent3" accent4="accent4" accent5="accent5" accent6="accent6" bg1="lt1" bg2="dk2" tx1="dk1" tx2="lt2" folHlink="folHlink" hlink="hlink"/>
+  <p:clrMap bg1="lt1" tx1="dk1" bg2="dk2" tx2="lt2" accent1="accent1" accent2="accent2" accent3="accent3" accent4="accent4" accent5="accent5" accent6="accent6" hlink="hlink" folHlink="folHlink"/>
   <p:notesStyle>
-    <a:defPPr lvl="0" marR="0" rtl="0" algn="l">
+    <a:defPPr marR="0" lvl="0" algn="l" rtl="0">
       <a:lnSpc>
         <a:spcPct val="100000"/>
       </a:lnSpc>
@@ -468,7 +484,7 @@
         <a:spcPts val="0"/>
       </a:spcAft>
     </a:defPPr>
-    <a:lvl1pPr lvl="0" marR="0" rtl="0" algn="l">
+    <a:lvl1pPr marR="0" lvl="0" algn="l" rtl="0">
       <a:lnSpc>
         <a:spcPct val="100000"/>
       </a:lnSpc>
@@ -482,7 +498,7 @@
         <a:srgbClr val="000000"/>
       </a:buClr>
       <a:buFont typeface="Arial"/>
-      <a:defRPr b="0" i="0" sz="1400" u="none" cap="none" strike="noStrike">
+      <a:defRPr sz="1400" b="0" i="0" u="none" strike="noStrike" cap="none">
         <a:solidFill>
           <a:srgbClr val="000000"/>
         </a:solidFill>
@@ -492,7 +508,7 @@
         <a:sym typeface="Arial"/>
       </a:defRPr>
     </a:lvl1pPr>
-    <a:lvl2pPr lvl="1" marR="0" rtl="0" algn="l">
+    <a:lvl2pPr marR="0" lvl="1" algn="l" rtl="0">
       <a:lnSpc>
         <a:spcPct val="100000"/>
       </a:lnSpc>
@@ -506,7 +522,7 @@
         <a:srgbClr val="000000"/>
       </a:buClr>
       <a:buFont typeface="Arial"/>
-      <a:defRPr b="0" i="0" sz="1400" u="none" cap="none" strike="noStrike">
+      <a:defRPr sz="1400" b="0" i="0" u="none" strike="noStrike" cap="none">
         <a:solidFill>
           <a:srgbClr val="000000"/>
         </a:solidFill>
@@ -516,7 +532,7 @@
         <a:sym typeface="Arial"/>
       </a:defRPr>
     </a:lvl2pPr>
-    <a:lvl3pPr lvl="2" marR="0" rtl="0" algn="l">
+    <a:lvl3pPr marR="0" lvl="2" algn="l" rtl="0">
       <a:lnSpc>
         <a:spcPct val="100000"/>
       </a:lnSpc>
@@ -530,7 +546,7 @@
         <a:srgbClr val="000000"/>
       </a:buClr>
       <a:buFont typeface="Arial"/>
-      <a:defRPr b="0" i="0" sz="1400" u="none" cap="none" strike="noStrike">
+      <a:defRPr sz="1400" b="0" i="0" u="none" strike="noStrike" cap="none">
         <a:solidFill>
           <a:srgbClr val="000000"/>
         </a:solidFill>
@@ -540,7 +556,7 @@
         <a:sym typeface="Arial"/>
       </a:defRPr>
     </a:lvl3pPr>
-    <a:lvl4pPr lvl="3" marR="0" rtl="0" algn="l">
+    <a:lvl4pPr marR="0" lvl="3" algn="l" rtl="0">
       <a:lnSpc>
         <a:spcPct val="100000"/>
       </a:lnSpc>
@@ -554,7 +570,7 @@
         <a:srgbClr val="000000"/>
       </a:buClr>
       <a:buFont typeface="Arial"/>
-      <a:defRPr b="0" i="0" sz="1400" u="none" cap="none" strike="noStrike">
+      <a:defRPr sz="1400" b="0" i="0" u="none" strike="noStrike" cap="none">
         <a:solidFill>
           <a:srgbClr val="000000"/>
         </a:solidFill>
@@ -564,7 +580,7 @@
         <a:sym typeface="Arial"/>
       </a:defRPr>
     </a:lvl4pPr>
-    <a:lvl5pPr lvl="4" marR="0" rtl="0" algn="l">
+    <a:lvl5pPr marR="0" lvl="4" algn="l" rtl="0">
       <a:lnSpc>
         <a:spcPct val="100000"/>
       </a:lnSpc>
@@ -578,7 +594,7 @@
         <a:srgbClr val="000000"/>
       </a:buClr>
       <a:buFont typeface="Arial"/>
-      <a:defRPr b="0" i="0" sz="1400" u="none" cap="none" strike="noStrike">
+      <a:defRPr sz="1400" b="0" i="0" u="none" strike="noStrike" cap="none">
         <a:solidFill>
           <a:srgbClr val="000000"/>
         </a:solidFill>
@@ -588,7 +604,7 @@
         <a:sym typeface="Arial"/>
       </a:defRPr>
     </a:lvl5pPr>
-    <a:lvl6pPr lvl="5" marR="0" rtl="0" algn="l">
+    <a:lvl6pPr marR="0" lvl="5" algn="l" rtl="0">
       <a:lnSpc>
         <a:spcPct val="100000"/>
       </a:lnSpc>
@@ -602,7 +618,7 @@
         <a:srgbClr val="000000"/>
       </a:buClr>
       <a:buFont typeface="Arial"/>
-      <a:defRPr b="0" i="0" sz="1400" u="none" cap="none" strike="noStrike">
+      <a:defRPr sz="1400" b="0" i="0" u="none" strike="noStrike" cap="none">
         <a:solidFill>
           <a:srgbClr val="000000"/>
         </a:solidFill>
@@ -612,7 +628,7 @@
         <a:sym typeface="Arial"/>
       </a:defRPr>
     </a:lvl6pPr>
-    <a:lvl7pPr lvl="6" marR="0" rtl="0" algn="l">
+    <a:lvl7pPr marR="0" lvl="6" algn="l" rtl="0">
       <a:lnSpc>
         <a:spcPct val="100000"/>
       </a:lnSpc>
@@ -626,7 +642,7 @@
         <a:srgbClr val="000000"/>
       </a:buClr>
       <a:buFont typeface="Arial"/>
-      <a:defRPr b="0" i="0" sz="1400" u="none" cap="none" strike="noStrike">
+      <a:defRPr sz="1400" b="0" i="0" u="none" strike="noStrike" cap="none">
         <a:solidFill>
           <a:srgbClr val="000000"/>
         </a:solidFill>
@@ -636,7 +652,7 @@
         <a:sym typeface="Arial"/>
       </a:defRPr>
     </a:lvl7pPr>
-    <a:lvl8pPr lvl="7" marR="0" rtl="0" algn="l">
+    <a:lvl8pPr marR="0" lvl="7" algn="l" rtl="0">
       <a:lnSpc>
         <a:spcPct val="100000"/>
       </a:lnSpc>
@@ -650,7 +666,7 @@
         <a:srgbClr val="000000"/>
       </a:buClr>
       <a:buFont typeface="Arial"/>
-      <a:defRPr b="0" i="0" sz="1400" u="none" cap="none" strike="noStrike">
+      <a:defRPr sz="1400" b="0" i="0" u="none" strike="noStrike" cap="none">
         <a:solidFill>
           <a:srgbClr val="000000"/>
         </a:solidFill>
@@ -660,7 +676,7 @@
         <a:sym typeface="Arial"/>
       </a:defRPr>
     </a:lvl8pPr>
-    <a:lvl9pPr lvl="8" marR="0" rtl="0" algn="l">
+    <a:lvl9pPr marR="0" lvl="8" algn="l" rtl="0">
       <a:lnSpc>
         <a:spcPct val="100000"/>
       </a:lnSpc>
@@ -674,7 +690,7 @@
         <a:srgbClr val="000000"/>
       </a:buClr>
       <a:buFont typeface="Arial"/>
-      <a:defRPr b="0" i="0" sz="1400" u="none" cap="none" strike="noStrike">
+      <a:defRPr sz="1400" b="0" i="0" u="none" strike="noStrike" cap="none">
         <a:solidFill>
           <a:srgbClr val="000000"/>
         </a:solidFill>
@@ -689,11 +705,11 @@
 </file>
 
 <file path=ppt/notesSlides/notesSlide1.xml><?xml version="1.0" encoding="utf-8"?>
-<p:notes xmlns:a="http://schemas.openxmlformats.org/drawingml/2006/main" xmlns:r="http://schemas.openxmlformats.org/officeDocument/2006/relationships" xmlns:mc="http://schemas.openxmlformats.org/markup-compatibility/2006" xmlns:mv="urn:schemas-microsoft-com:mac:vml" xmlns:p="http://schemas.openxmlformats.org/presentationml/2006/main" xmlns:c="http://schemas.openxmlformats.org/drawingml/2006/chart" xmlns:dgm="http://schemas.openxmlformats.org/drawingml/2006/diagram" xmlns:o="urn:schemas-microsoft-com:office:office" xmlns:v="urn:schemas-microsoft-com:vml" xmlns:pvml="urn:schemas-microsoft-com:office:powerpoint" xmlns:com="http://schemas.openxmlformats.org/drawingml/2006/compatibility" xmlns:p14="http://schemas.microsoft.com/office/powerpoint/2010/main" xmlns:p15="http://schemas.microsoft.com/office/powerpoint/2012/main" showMasterPhAnim="0" showMasterSp="0">
+<p:notes xmlns:a="http://schemas.openxmlformats.org/drawingml/2006/main" xmlns:r="http://schemas.openxmlformats.org/officeDocument/2006/relationships" xmlns:p="http://schemas.openxmlformats.org/presentationml/2006/main" showMasterSp="0" showMasterPhAnim="0">
   <p:cSld>
     <p:spTree>
       <p:nvGrpSpPr>
-        <p:cNvPr id="62" name="Shape 62"/>
+        <p:cNvPr id="1" name="Shape 62"/>
         <p:cNvGrpSpPr/>
         <p:nvPr/>
       </p:nvGrpSpPr>
@@ -708,9 +724,11 @@
       <p:sp>
         <p:nvSpPr>
           <p:cNvPr id="63" name="Shape 63"/>
-          <p:cNvSpPr/>
+          <p:cNvSpPr>
+            <a:spLocks noGrp="1" noRot="1" noChangeAspect="1"/>
+          </p:cNvSpPr>
           <p:nvPr>
-            <p:ph idx="2" type="sldImg"/>
+            <p:ph type="sldImg" idx="2"/>
           </p:nvPr>
         </p:nvSpPr>
         <p:spPr>
@@ -719,8 +737,13 @@
             <a:ext cx="6096075" cy="3429000"/>
           </a:xfrm>
           <a:custGeom>
+            <a:avLst/>
+            <a:gdLst/>
+            <a:ahLst/>
+            <a:cxnLst/>
+            <a:rect l="0" t="0" r="0" b="0"/>
             <a:pathLst>
-              <a:path extrusionOk="0" h="120000" w="120000">
+              <a:path w="120000" h="120000" extrusionOk="0">
                 <a:moveTo>
                   <a:pt x="0" y="0"/>
                 </a:moveTo>
@@ -742,9 +765,11 @@
       <p:sp>
         <p:nvSpPr>
           <p:cNvPr id="64" name="Shape 64"/>
-          <p:cNvSpPr txBox="1"/>
+          <p:cNvSpPr txBox="1">
+            <a:spLocks noGrp="1"/>
+          </p:cNvSpPr>
           <p:nvPr>
-            <p:ph idx="1" type="body"/>
+            <p:ph type="body" idx="1"/>
           </p:nvPr>
         </p:nvSpPr>
         <p:spPr>
@@ -757,12 +782,12 @@
           </a:prstGeom>
         </p:spPr>
         <p:txBody>
-          <a:bodyPr anchorCtr="0" anchor="t" bIns="91425" lIns="91425" spcFirstLastPara="1" rIns="91425" wrap="square" tIns="91425">
+          <a:bodyPr spcFirstLastPara="1" wrap="square" lIns="91425" tIns="91425" rIns="91425" bIns="91425" anchor="t" anchorCtr="0">
             <a:noAutofit/>
           </a:bodyPr>
           <a:lstStyle/>
           <a:p>
-            <a:pPr indent="0" lvl="0" marL="0">
+            <a:pPr marL="0" lvl="0" indent="0">
               <a:spcBef>
                 <a:spcPts val="0"/>
               </a:spcBef>
@@ -771,9 +796,6 @@
               </a:spcAft>
               <a:buNone/>
             </a:pPr>
-            <a:r>
-              <a:t/>
-            </a:r>
             <a:endParaRPr/>
           </a:p>
         </p:txBody>
@@ -787,11 +809,11 @@
 </file>
 
 <file path=ppt/notesSlides/notesSlide2.xml><?xml version="1.0" encoding="utf-8"?>
-<p:notes xmlns:a="http://schemas.openxmlformats.org/drawingml/2006/main" xmlns:r="http://schemas.openxmlformats.org/officeDocument/2006/relationships" xmlns:mc="http://schemas.openxmlformats.org/markup-compatibility/2006" xmlns:mv="urn:schemas-microsoft-com:mac:vml" xmlns:p="http://schemas.openxmlformats.org/presentationml/2006/main" xmlns:c="http://schemas.openxmlformats.org/drawingml/2006/chart" xmlns:dgm="http://schemas.openxmlformats.org/drawingml/2006/diagram" xmlns:o="urn:schemas-microsoft-com:office:office" xmlns:v="urn:schemas-microsoft-com:vml" xmlns:pvml="urn:schemas-microsoft-com:office:powerpoint" xmlns:com="http://schemas.openxmlformats.org/drawingml/2006/compatibility" xmlns:p14="http://schemas.microsoft.com/office/powerpoint/2010/main" xmlns:p15="http://schemas.microsoft.com/office/powerpoint/2012/main" showMasterPhAnim="0" showMasterSp="0">
+<p:notes xmlns:a="http://schemas.openxmlformats.org/drawingml/2006/main" xmlns:r="http://schemas.openxmlformats.org/officeDocument/2006/relationships" xmlns:p="http://schemas.openxmlformats.org/presentationml/2006/main" showMasterSp="0" showMasterPhAnim="0">
   <p:cSld>
     <p:spTree>
       <p:nvGrpSpPr>
-        <p:cNvPr id="68" name="Shape 68"/>
+        <p:cNvPr id="1" name="Shape 68"/>
         <p:cNvGrpSpPr/>
         <p:nvPr/>
       </p:nvGrpSpPr>
@@ -806,19 +828,26 @@
       <p:sp>
         <p:nvSpPr>
           <p:cNvPr id="69" name="Shape 69"/>
-          <p:cNvSpPr/>
+          <p:cNvSpPr>
+            <a:spLocks noGrp="1" noRot="1" noChangeAspect="1"/>
+          </p:cNvSpPr>
           <p:nvPr>
-            <p:ph idx="2" type="sldImg"/>
+            <p:ph type="sldImg" idx="2"/>
           </p:nvPr>
         </p:nvSpPr>
         <p:spPr>
           <a:xfrm>
-            <a:off x="381300" y="685800"/>
+            <a:off x="381000" y="685800"/>
             <a:ext cx="6096000" cy="3429000"/>
           </a:xfrm>
           <a:custGeom>
+            <a:avLst/>
+            <a:gdLst/>
+            <a:ahLst/>
+            <a:cxnLst/>
+            <a:rect l="0" t="0" r="0" b="0"/>
             <a:pathLst>
-              <a:path extrusionOk="0" h="120000" w="120000">
+              <a:path w="120000" h="120000" extrusionOk="0">
                 <a:moveTo>
                   <a:pt x="0" y="0"/>
                 </a:moveTo>
@@ -840,9 +869,11 @@
       <p:sp>
         <p:nvSpPr>
           <p:cNvPr id="70" name="Shape 70"/>
-          <p:cNvSpPr txBox="1"/>
+          <p:cNvSpPr txBox="1">
+            <a:spLocks noGrp="1"/>
+          </p:cNvSpPr>
           <p:nvPr>
-            <p:ph idx="1" type="body"/>
+            <p:ph type="body" idx="1"/>
           </p:nvPr>
         </p:nvSpPr>
         <p:spPr>
@@ -855,12 +886,12 @@
           </a:prstGeom>
         </p:spPr>
         <p:txBody>
-          <a:bodyPr anchorCtr="0" anchor="t" bIns="91425" lIns="91425" spcFirstLastPara="1" rIns="91425" wrap="square" tIns="91425">
+          <a:bodyPr spcFirstLastPara="1" wrap="square" lIns="91425" tIns="91425" rIns="91425" bIns="91425" anchor="t" anchorCtr="0">
             <a:noAutofit/>
           </a:bodyPr>
           <a:lstStyle/>
           <a:p>
-            <a:pPr indent="0" lvl="0" marL="0">
+            <a:pPr marL="0" lvl="0" indent="0">
               <a:spcBef>
                 <a:spcPts val="0"/>
               </a:spcBef>
@@ -869,9 +900,6 @@
               </a:spcAft>
               <a:buNone/>
             </a:pPr>
-            <a:r>
-              <a:t/>
-            </a:r>
             <a:endParaRPr/>
           </a:p>
         </p:txBody>
@@ -885,11 +913,11 @@
 </file>
 
 <file path=ppt/notesSlides/notesSlide3.xml><?xml version="1.0" encoding="utf-8"?>
-<p:notes xmlns:a="http://schemas.openxmlformats.org/drawingml/2006/main" xmlns:r="http://schemas.openxmlformats.org/officeDocument/2006/relationships" xmlns:mc="http://schemas.openxmlformats.org/markup-compatibility/2006" xmlns:mv="urn:schemas-microsoft-com:mac:vml" xmlns:p="http://schemas.openxmlformats.org/presentationml/2006/main" xmlns:c="http://schemas.openxmlformats.org/drawingml/2006/chart" xmlns:dgm="http://schemas.openxmlformats.org/drawingml/2006/diagram" xmlns:o="urn:schemas-microsoft-com:office:office" xmlns:v="urn:schemas-microsoft-com:vml" xmlns:pvml="urn:schemas-microsoft-com:office:powerpoint" xmlns:com="http://schemas.openxmlformats.org/drawingml/2006/compatibility" xmlns:p14="http://schemas.microsoft.com/office/powerpoint/2010/main" xmlns:p15="http://schemas.microsoft.com/office/powerpoint/2012/main" showMasterPhAnim="0" showMasterSp="0">
+<p:notes xmlns:a="http://schemas.openxmlformats.org/drawingml/2006/main" xmlns:r="http://schemas.openxmlformats.org/officeDocument/2006/relationships" xmlns:p="http://schemas.openxmlformats.org/presentationml/2006/main" showMasterSp="0" showMasterPhAnim="0">
   <p:cSld>
     <p:spTree>
       <p:nvGrpSpPr>
-        <p:cNvPr id="78" name="Shape 78"/>
+        <p:cNvPr id="1" name="Shape 78"/>
         <p:cNvGrpSpPr/>
         <p:nvPr/>
       </p:nvGrpSpPr>
@@ -904,9 +932,11 @@
       <p:sp>
         <p:nvSpPr>
           <p:cNvPr id="79" name="Shape 79"/>
-          <p:cNvSpPr/>
+          <p:cNvSpPr>
+            <a:spLocks noGrp="1" noRot="1" noChangeAspect="1"/>
+          </p:cNvSpPr>
           <p:nvPr>
-            <p:ph idx="2" type="sldImg"/>
+            <p:ph type="sldImg" idx="2"/>
           </p:nvPr>
         </p:nvSpPr>
         <p:spPr>
@@ -915,8 +945,13 @@
             <a:ext cx="6096000" cy="3429000"/>
           </a:xfrm>
           <a:custGeom>
+            <a:avLst/>
+            <a:gdLst/>
+            <a:ahLst/>
+            <a:cxnLst/>
+            <a:rect l="0" t="0" r="0" b="0"/>
             <a:pathLst>
-              <a:path extrusionOk="0" h="120000" w="120000">
+              <a:path w="120000" h="120000" extrusionOk="0">
                 <a:moveTo>
                   <a:pt x="0" y="0"/>
                 </a:moveTo>
@@ -938,9 +973,11 @@
       <p:sp>
         <p:nvSpPr>
           <p:cNvPr id="80" name="Shape 80"/>
-          <p:cNvSpPr txBox="1"/>
+          <p:cNvSpPr txBox="1">
+            <a:spLocks noGrp="1"/>
+          </p:cNvSpPr>
           <p:nvPr>
-            <p:ph idx="1" type="body"/>
+            <p:ph type="body" idx="1"/>
           </p:nvPr>
         </p:nvSpPr>
         <p:spPr>
@@ -953,12 +990,12 @@
           </a:prstGeom>
         </p:spPr>
         <p:txBody>
-          <a:bodyPr anchorCtr="0" anchor="t" bIns="91425" lIns="91425" spcFirstLastPara="1" rIns="91425" wrap="square" tIns="91425">
+          <a:bodyPr spcFirstLastPara="1" wrap="square" lIns="91425" tIns="91425" rIns="91425" bIns="91425" anchor="t" anchorCtr="0">
             <a:noAutofit/>
           </a:bodyPr>
           <a:lstStyle/>
           <a:p>
-            <a:pPr indent="0" lvl="0" marL="0">
+            <a:pPr marL="0" lvl="0" indent="0">
               <a:spcBef>
                 <a:spcPts val="0"/>
               </a:spcBef>
@@ -967,9 +1004,6 @@
               </a:spcAft>
               <a:buNone/>
             </a:pPr>
-            <a:r>
-              <a:t/>
-            </a:r>
             <a:endParaRPr/>
           </a:p>
         </p:txBody>
@@ -983,11 +1017,11 @@
 </file>
 
 <file path=ppt/notesSlides/notesSlide4.xml><?xml version="1.0" encoding="utf-8"?>
-<p:notes xmlns:a="http://schemas.openxmlformats.org/drawingml/2006/main" xmlns:r="http://schemas.openxmlformats.org/officeDocument/2006/relationships" xmlns:mc="http://schemas.openxmlformats.org/markup-compatibility/2006" xmlns:mv="urn:schemas-microsoft-com:mac:vml" xmlns:p="http://schemas.openxmlformats.org/presentationml/2006/main" xmlns:c="http://schemas.openxmlformats.org/drawingml/2006/chart" xmlns:dgm="http://schemas.openxmlformats.org/drawingml/2006/diagram" xmlns:o="urn:schemas-microsoft-com:office:office" xmlns:v="urn:schemas-microsoft-com:vml" xmlns:pvml="urn:schemas-microsoft-com:office:powerpoint" xmlns:com="http://schemas.openxmlformats.org/drawingml/2006/compatibility" xmlns:p14="http://schemas.microsoft.com/office/powerpoint/2010/main" xmlns:p15="http://schemas.microsoft.com/office/powerpoint/2012/main" showMasterPhAnim="0" showMasterSp="0">
+<p:notes xmlns:a="http://schemas.openxmlformats.org/drawingml/2006/main" xmlns:r="http://schemas.openxmlformats.org/officeDocument/2006/relationships" xmlns:p="http://schemas.openxmlformats.org/presentationml/2006/main" showMasterSp="0" showMasterPhAnim="0">
   <p:cSld>
     <p:spTree>
       <p:nvGrpSpPr>
-        <p:cNvPr id="84" name="Shape 84"/>
+        <p:cNvPr id="1" name="Shape 84"/>
         <p:cNvGrpSpPr/>
         <p:nvPr/>
       </p:nvGrpSpPr>
@@ -1002,9 +1036,11 @@
       <p:sp>
         <p:nvSpPr>
           <p:cNvPr id="85" name="Shape 85"/>
-          <p:cNvSpPr/>
+          <p:cNvSpPr>
+            <a:spLocks noGrp="1" noRot="1" noChangeAspect="1"/>
+          </p:cNvSpPr>
           <p:nvPr>
-            <p:ph idx="2" type="sldImg"/>
+            <p:ph type="sldImg" idx="2"/>
           </p:nvPr>
         </p:nvSpPr>
         <p:spPr>
@@ -1013,8 +1049,13 @@
             <a:ext cx="6096000" cy="3429000"/>
           </a:xfrm>
           <a:custGeom>
+            <a:avLst/>
+            <a:gdLst/>
+            <a:ahLst/>
+            <a:cxnLst/>
+            <a:rect l="0" t="0" r="0" b="0"/>
             <a:pathLst>
-              <a:path extrusionOk="0" h="120000" w="120000">
+              <a:path w="120000" h="120000" extrusionOk="0">
                 <a:moveTo>
                   <a:pt x="0" y="0"/>
                 </a:moveTo>
@@ -1036,9 +1077,11 @@
       <p:sp>
         <p:nvSpPr>
           <p:cNvPr id="86" name="Shape 86"/>
-          <p:cNvSpPr txBox="1"/>
+          <p:cNvSpPr txBox="1">
+            <a:spLocks noGrp="1"/>
+          </p:cNvSpPr>
           <p:nvPr>
-            <p:ph idx="1" type="body"/>
+            <p:ph type="body" idx="1"/>
           </p:nvPr>
         </p:nvSpPr>
         <p:spPr>
@@ -1051,12 +1094,12 @@
           </a:prstGeom>
         </p:spPr>
         <p:txBody>
-          <a:bodyPr anchorCtr="0" anchor="t" bIns="91425" lIns="91425" spcFirstLastPara="1" rIns="91425" wrap="square" tIns="91425">
+          <a:bodyPr spcFirstLastPara="1" wrap="square" lIns="91425" tIns="91425" rIns="91425" bIns="91425" anchor="t" anchorCtr="0">
             <a:noAutofit/>
           </a:bodyPr>
           <a:lstStyle/>
           <a:p>
-            <a:pPr indent="0" lvl="0" marL="0">
+            <a:pPr marL="0" lvl="0" indent="0">
               <a:spcBef>
                 <a:spcPts val="0"/>
               </a:spcBef>
@@ -1065,9 +1108,6 @@
               </a:spcAft>
               <a:buNone/>
             </a:pPr>
-            <a:r>
-              <a:t/>
-            </a:r>
             <a:endParaRPr/>
           </a:p>
         </p:txBody>
@@ -1081,11 +1121,11 @@
 </file>
 
 <file path=ppt/notesSlides/notesSlide5.xml><?xml version="1.0" encoding="utf-8"?>
-<p:notes xmlns:a="http://schemas.openxmlformats.org/drawingml/2006/main" xmlns:r="http://schemas.openxmlformats.org/officeDocument/2006/relationships" xmlns:mc="http://schemas.openxmlformats.org/markup-compatibility/2006" xmlns:mv="urn:schemas-microsoft-com:mac:vml" xmlns:p="http://schemas.openxmlformats.org/presentationml/2006/main" xmlns:c="http://schemas.openxmlformats.org/drawingml/2006/chart" xmlns:dgm="http://schemas.openxmlformats.org/drawingml/2006/diagram" xmlns:o="urn:schemas-microsoft-com:office:office" xmlns:v="urn:schemas-microsoft-com:vml" xmlns:pvml="urn:schemas-microsoft-com:office:powerpoint" xmlns:com="http://schemas.openxmlformats.org/drawingml/2006/compatibility" xmlns:p14="http://schemas.microsoft.com/office/powerpoint/2010/main" xmlns:p15="http://schemas.microsoft.com/office/powerpoint/2012/main" showMasterPhAnim="0" showMasterSp="0">
+<p:notes xmlns:a="http://schemas.openxmlformats.org/drawingml/2006/main" xmlns:r="http://schemas.openxmlformats.org/officeDocument/2006/relationships" xmlns:p="http://schemas.openxmlformats.org/presentationml/2006/main" showMasterSp="0" showMasterPhAnim="0">
   <p:cSld>
     <p:spTree>
       <p:nvGrpSpPr>
-        <p:cNvPr id="90" name="Shape 90"/>
+        <p:cNvPr id="1" name="Shape 90"/>
         <p:cNvGrpSpPr/>
         <p:nvPr/>
       </p:nvGrpSpPr>
@@ -1100,9 +1140,11 @@
       <p:sp>
         <p:nvSpPr>
           <p:cNvPr id="91" name="Shape 91"/>
-          <p:cNvSpPr/>
+          <p:cNvSpPr>
+            <a:spLocks noGrp="1" noRot="1" noChangeAspect="1"/>
+          </p:cNvSpPr>
           <p:nvPr>
-            <p:ph idx="2" type="sldImg"/>
+            <p:ph type="sldImg" idx="2"/>
           </p:nvPr>
         </p:nvSpPr>
         <p:spPr>
@@ -1111,8 +1153,13 @@
             <a:ext cx="6096000" cy="3429000"/>
           </a:xfrm>
           <a:custGeom>
+            <a:avLst/>
+            <a:gdLst/>
+            <a:ahLst/>
+            <a:cxnLst/>
+            <a:rect l="0" t="0" r="0" b="0"/>
             <a:pathLst>
-              <a:path extrusionOk="0" h="120000" w="120000">
+              <a:path w="120000" h="120000" extrusionOk="0">
                 <a:moveTo>
                   <a:pt x="0" y="0"/>
                 </a:moveTo>
@@ -1134,9 +1181,11 @@
       <p:sp>
         <p:nvSpPr>
           <p:cNvPr id="92" name="Shape 92"/>
-          <p:cNvSpPr txBox="1"/>
+          <p:cNvSpPr txBox="1">
+            <a:spLocks noGrp="1"/>
+          </p:cNvSpPr>
           <p:nvPr>
-            <p:ph idx="1" type="body"/>
+            <p:ph type="body" idx="1"/>
           </p:nvPr>
         </p:nvSpPr>
         <p:spPr>
@@ -1149,12 +1198,12 @@
           </a:prstGeom>
         </p:spPr>
         <p:txBody>
-          <a:bodyPr anchorCtr="0" anchor="t" bIns="91425" lIns="91425" spcFirstLastPara="1" rIns="91425" wrap="square" tIns="91425">
+          <a:bodyPr spcFirstLastPara="1" wrap="square" lIns="91425" tIns="91425" rIns="91425" bIns="91425" anchor="t" anchorCtr="0">
             <a:noAutofit/>
           </a:bodyPr>
           <a:lstStyle/>
           <a:p>
-            <a:pPr indent="0" lvl="0" marL="0">
+            <a:pPr marL="0" lvl="0" indent="0">
               <a:spcBef>
                 <a:spcPts val="0"/>
               </a:spcBef>
@@ -1163,9 +1212,6 @@
               </a:spcAft>
               <a:buNone/>
             </a:pPr>
-            <a:r>
-              <a:t/>
-            </a:r>
             <a:endParaRPr/>
           </a:p>
         </p:txBody>
@@ -1179,11 +1225,11 @@
 </file>
 
 <file path=ppt/notesSlides/notesSlide6.xml><?xml version="1.0" encoding="utf-8"?>
-<p:notes xmlns:a="http://schemas.openxmlformats.org/drawingml/2006/main" xmlns:r="http://schemas.openxmlformats.org/officeDocument/2006/relationships" xmlns:mc="http://schemas.openxmlformats.org/markup-compatibility/2006" xmlns:mv="urn:schemas-microsoft-com:mac:vml" xmlns:p="http://schemas.openxmlformats.org/presentationml/2006/main" xmlns:c="http://schemas.openxmlformats.org/drawingml/2006/chart" xmlns:dgm="http://schemas.openxmlformats.org/drawingml/2006/diagram" xmlns:o="urn:schemas-microsoft-com:office:office" xmlns:v="urn:schemas-microsoft-com:vml" xmlns:pvml="urn:schemas-microsoft-com:office:powerpoint" xmlns:com="http://schemas.openxmlformats.org/drawingml/2006/compatibility" xmlns:p14="http://schemas.microsoft.com/office/powerpoint/2010/main" xmlns:p15="http://schemas.microsoft.com/office/powerpoint/2012/main" showMasterPhAnim="0" showMasterSp="0">
+<p:notes xmlns:a="http://schemas.openxmlformats.org/drawingml/2006/main" xmlns:r="http://schemas.openxmlformats.org/officeDocument/2006/relationships" xmlns:p="http://schemas.openxmlformats.org/presentationml/2006/main" showMasterSp="0" showMasterPhAnim="0">
   <p:cSld>
     <p:spTree>
       <p:nvGrpSpPr>
-        <p:cNvPr id="96" name="Shape 96"/>
+        <p:cNvPr id="1" name="Shape 96"/>
         <p:cNvGrpSpPr/>
         <p:nvPr/>
       </p:nvGrpSpPr>
@@ -1198,9 +1244,11 @@
       <p:sp>
         <p:nvSpPr>
           <p:cNvPr id="97" name="Shape 97"/>
-          <p:cNvSpPr/>
+          <p:cNvSpPr>
+            <a:spLocks noGrp="1" noRot="1" noChangeAspect="1"/>
+          </p:cNvSpPr>
           <p:nvPr>
-            <p:ph idx="2" type="sldImg"/>
+            <p:ph type="sldImg" idx="2"/>
           </p:nvPr>
         </p:nvSpPr>
         <p:spPr>
@@ -1209,8 +1257,13 @@
             <a:ext cx="6096000" cy="3429000"/>
           </a:xfrm>
           <a:custGeom>
+            <a:avLst/>
+            <a:gdLst/>
+            <a:ahLst/>
+            <a:cxnLst/>
+            <a:rect l="0" t="0" r="0" b="0"/>
             <a:pathLst>
-              <a:path extrusionOk="0" h="120000" w="120000">
+              <a:path w="120000" h="120000" extrusionOk="0">
                 <a:moveTo>
                   <a:pt x="0" y="0"/>
                 </a:moveTo>
@@ -1232,9 +1285,11 @@
       <p:sp>
         <p:nvSpPr>
           <p:cNvPr id="98" name="Shape 98"/>
-          <p:cNvSpPr txBox="1"/>
+          <p:cNvSpPr txBox="1">
+            <a:spLocks noGrp="1"/>
+          </p:cNvSpPr>
           <p:nvPr>
-            <p:ph idx="1" type="body"/>
+            <p:ph type="body" idx="1"/>
           </p:nvPr>
         </p:nvSpPr>
         <p:spPr>
@@ -1247,12 +1302,12 @@
           </a:prstGeom>
         </p:spPr>
         <p:txBody>
-          <a:bodyPr anchorCtr="0" anchor="t" bIns="91425" lIns="91425" spcFirstLastPara="1" rIns="91425" wrap="square" tIns="91425">
+          <a:bodyPr spcFirstLastPara="1" wrap="square" lIns="91425" tIns="91425" rIns="91425" bIns="91425" anchor="t" anchorCtr="0">
             <a:noAutofit/>
           </a:bodyPr>
           <a:lstStyle/>
           <a:p>
-            <a:pPr indent="0" lvl="0" marL="0">
+            <a:pPr marL="0" lvl="0" indent="0">
               <a:spcBef>
                 <a:spcPts val="0"/>
               </a:spcBef>
@@ -1261,9 +1316,6 @@
               </a:spcAft>
               <a:buNone/>
             </a:pPr>
-            <a:r>
-              <a:t/>
-            </a:r>
             <a:endParaRPr/>
           </a:p>
         </p:txBody>
@@ -1277,11 +1329,11 @@
 </file>
 
 <file path=ppt/notesSlides/notesSlide7.xml><?xml version="1.0" encoding="utf-8"?>
-<p:notes xmlns:a="http://schemas.openxmlformats.org/drawingml/2006/main" xmlns:r="http://schemas.openxmlformats.org/officeDocument/2006/relationships" xmlns:mc="http://schemas.openxmlformats.org/markup-compatibility/2006" xmlns:mv="urn:schemas-microsoft-com:mac:vml" xmlns:p="http://schemas.openxmlformats.org/presentationml/2006/main" xmlns:c="http://schemas.openxmlformats.org/drawingml/2006/chart" xmlns:dgm="http://schemas.openxmlformats.org/drawingml/2006/diagram" xmlns:o="urn:schemas-microsoft-com:office:office" xmlns:v="urn:schemas-microsoft-com:vml" xmlns:pvml="urn:schemas-microsoft-com:office:powerpoint" xmlns:com="http://schemas.openxmlformats.org/drawingml/2006/compatibility" xmlns:p14="http://schemas.microsoft.com/office/powerpoint/2010/main" xmlns:p15="http://schemas.microsoft.com/office/powerpoint/2012/main" showMasterPhAnim="0" showMasterSp="0">
+<p:notes xmlns:a="http://schemas.openxmlformats.org/drawingml/2006/main" xmlns:r="http://schemas.openxmlformats.org/officeDocument/2006/relationships" xmlns:p="http://schemas.openxmlformats.org/presentationml/2006/main" showMasterSp="0" showMasterPhAnim="0">
   <p:cSld>
     <p:spTree>
       <p:nvGrpSpPr>
-        <p:cNvPr id="102" name="Shape 102"/>
+        <p:cNvPr id="1" name="Shape 102"/>
         <p:cNvGrpSpPr/>
         <p:nvPr/>
       </p:nvGrpSpPr>
@@ -1296,9 +1348,11 @@
       <p:sp>
         <p:nvSpPr>
           <p:cNvPr id="103" name="Shape 103"/>
-          <p:cNvSpPr/>
+          <p:cNvSpPr>
+            <a:spLocks noGrp="1" noRot="1" noChangeAspect="1"/>
+          </p:cNvSpPr>
           <p:nvPr>
-            <p:ph idx="2" type="sldImg"/>
+            <p:ph type="sldImg" idx="2"/>
           </p:nvPr>
         </p:nvSpPr>
         <p:spPr>
@@ -1307,8 +1361,13 @@
             <a:ext cx="6096000" cy="3429000"/>
           </a:xfrm>
           <a:custGeom>
+            <a:avLst/>
+            <a:gdLst/>
+            <a:ahLst/>
+            <a:cxnLst/>
+            <a:rect l="0" t="0" r="0" b="0"/>
             <a:pathLst>
-              <a:path extrusionOk="0" h="120000" w="120000">
+              <a:path w="120000" h="120000" extrusionOk="0">
                 <a:moveTo>
                   <a:pt x="0" y="0"/>
                 </a:moveTo>
@@ -1330,9 +1389,11 @@
       <p:sp>
         <p:nvSpPr>
           <p:cNvPr id="104" name="Shape 104"/>
-          <p:cNvSpPr txBox="1"/>
+          <p:cNvSpPr txBox="1">
+            <a:spLocks noGrp="1"/>
+          </p:cNvSpPr>
           <p:nvPr>
-            <p:ph idx="1" type="body"/>
+            <p:ph type="body" idx="1"/>
           </p:nvPr>
         </p:nvSpPr>
         <p:spPr>
@@ -1345,12 +1406,12 @@
           </a:prstGeom>
         </p:spPr>
         <p:txBody>
-          <a:bodyPr anchorCtr="0" anchor="t" bIns="91425" lIns="91425" spcFirstLastPara="1" rIns="91425" wrap="square" tIns="91425">
+          <a:bodyPr spcFirstLastPara="1" wrap="square" lIns="91425" tIns="91425" rIns="91425" bIns="91425" anchor="t" anchorCtr="0">
             <a:noAutofit/>
           </a:bodyPr>
           <a:lstStyle/>
           <a:p>
-            <a:pPr indent="0" lvl="0" marL="0">
+            <a:pPr marL="0" lvl="0" indent="0">
               <a:spcBef>
                 <a:spcPts val="0"/>
               </a:spcBef>
@@ -1359,9 +1420,6 @@
               </a:spcAft>
               <a:buNone/>
             </a:pPr>
-            <a:r>
-              <a:t/>
-            </a:r>
             <a:endParaRPr/>
           </a:p>
         </p:txBody>
@@ -1375,11 +1433,11 @@
 </file>
 
 <file path=ppt/notesSlides/notesSlide8.xml><?xml version="1.0" encoding="utf-8"?>
-<p:notes xmlns:a="http://schemas.openxmlformats.org/drawingml/2006/main" xmlns:r="http://schemas.openxmlformats.org/officeDocument/2006/relationships" xmlns:mc="http://schemas.openxmlformats.org/markup-compatibility/2006" xmlns:mv="urn:schemas-microsoft-com:mac:vml" xmlns:p="http://schemas.openxmlformats.org/presentationml/2006/main" xmlns:c="http://schemas.openxmlformats.org/drawingml/2006/chart" xmlns:dgm="http://schemas.openxmlformats.org/drawingml/2006/diagram" xmlns:o="urn:schemas-microsoft-com:office:office" xmlns:v="urn:schemas-microsoft-com:vml" xmlns:pvml="urn:schemas-microsoft-com:office:powerpoint" xmlns:com="http://schemas.openxmlformats.org/drawingml/2006/compatibility" xmlns:p14="http://schemas.microsoft.com/office/powerpoint/2010/main" xmlns:p15="http://schemas.microsoft.com/office/powerpoint/2012/main" showMasterPhAnim="0" showMasterSp="0">
+<p:notes xmlns:a="http://schemas.openxmlformats.org/drawingml/2006/main" xmlns:r="http://schemas.openxmlformats.org/officeDocument/2006/relationships" xmlns:p="http://schemas.openxmlformats.org/presentationml/2006/main" showMasterSp="0" showMasterPhAnim="0">
   <p:cSld>
     <p:spTree>
       <p:nvGrpSpPr>
-        <p:cNvPr id="108" name="Shape 108"/>
+        <p:cNvPr id="1" name="Shape 108"/>
         <p:cNvGrpSpPr/>
         <p:nvPr/>
       </p:nvGrpSpPr>
@@ -1394,9 +1452,11 @@
       <p:sp>
         <p:nvSpPr>
           <p:cNvPr id="109" name="Shape 109"/>
-          <p:cNvSpPr/>
+          <p:cNvSpPr>
+            <a:spLocks noGrp="1" noRot="1" noChangeAspect="1"/>
+          </p:cNvSpPr>
           <p:nvPr>
-            <p:ph idx="2" type="sldImg"/>
+            <p:ph type="sldImg" idx="2"/>
           </p:nvPr>
         </p:nvSpPr>
         <p:spPr>
@@ -1405,8 +1465,13 @@
             <a:ext cx="6096000" cy="3429000"/>
           </a:xfrm>
           <a:custGeom>
+            <a:avLst/>
+            <a:gdLst/>
+            <a:ahLst/>
+            <a:cxnLst/>
+            <a:rect l="0" t="0" r="0" b="0"/>
             <a:pathLst>
-              <a:path extrusionOk="0" h="120000" w="120000">
+              <a:path w="120000" h="120000" extrusionOk="0">
                 <a:moveTo>
                   <a:pt x="0" y="0"/>
                 </a:moveTo>
@@ -1428,9 +1493,11 @@
       <p:sp>
         <p:nvSpPr>
           <p:cNvPr id="110" name="Shape 110"/>
-          <p:cNvSpPr txBox="1"/>
+          <p:cNvSpPr txBox="1">
+            <a:spLocks noGrp="1"/>
+          </p:cNvSpPr>
           <p:nvPr>
-            <p:ph idx="1" type="body"/>
+            <p:ph type="body" idx="1"/>
           </p:nvPr>
         </p:nvSpPr>
         <p:spPr>
@@ -1443,12 +1510,12 @@
           </a:prstGeom>
         </p:spPr>
         <p:txBody>
-          <a:bodyPr anchorCtr="0" anchor="t" bIns="91425" lIns="91425" spcFirstLastPara="1" rIns="91425" wrap="square" tIns="91425">
+          <a:bodyPr spcFirstLastPara="1" wrap="square" lIns="91425" tIns="91425" rIns="91425" bIns="91425" anchor="t" anchorCtr="0">
             <a:noAutofit/>
           </a:bodyPr>
           <a:lstStyle/>
           <a:p>
-            <a:pPr indent="0" lvl="0" marL="0">
+            <a:pPr marL="0" lvl="0" indent="0">
               <a:spcBef>
                 <a:spcPts val="0"/>
               </a:spcBef>
@@ -1457,9 +1524,6 @@
               </a:spcAft>
               <a:buNone/>
             </a:pPr>
-            <a:r>
-              <a:t/>
-            </a:r>
             <a:endParaRPr/>
           </a:p>
         </p:txBody>
@@ -1473,11 +1537,11 @@
 </file>
 
 <file path=ppt/slideLayouts/slideLayout1.xml><?xml version="1.0" encoding="utf-8"?>
-<p:sldLayout xmlns:a="http://schemas.openxmlformats.org/drawingml/2006/main" xmlns:r="http://schemas.openxmlformats.org/officeDocument/2006/relationships" xmlns:mc="http://schemas.openxmlformats.org/markup-compatibility/2006" xmlns:mv="urn:schemas-microsoft-com:mac:vml" xmlns:p="http://schemas.openxmlformats.org/presentationml/2006/main" xmlns:c="http://schemas.openxmlformats.org/drawingml/2006/chart" xmlns:dgm="http://schemas.openxmlformats.org/drawingml/2006/diagram" xmlns:o="urn:schemas-microsoft-com:office:office" xmlns:v="urn:schemas-microsoft-com:vml" xmlns:pvml="urn:schemas-microsoft-com:office:powerpoint" xmlns:com="http://schemas.openxmlformats.org/drawingml/2006/compatibility" xmlns:p14="http://schemas.microsoft.com/office/powerpoint/2010/main" xmlns:p15="http://schemas.microsoft.com/office/powerpoint/2012/main" matchingName="Title slide" type="title">
+<p:sldLayout xmlns:a="http://schemas.openxmlformats.org/drawingml/2006/main" xmlns:r="http://schemas.openxmlformats.org/officeDocument/2006/relationships" xmlns:p="http://schemas.openxmlformats.org/presentationml/2006/main" matchingName="Title slide" type="title">
   <p:cSld name="TITLE">
     <p:spTree>
       <p:nvGrpSpPr>
-        <p:cNvPr id="9" name="Shape 9"/>
+        <p:cNvPr id="1" name="Shape 9"/>
         <p:cNvGrpSpPr/>
         <p:nvPr/>
       </p:nvGrpSpPr>
@@ -1504,14 +1568,14 @@
             <a:avLst/>
           </a:prstGeom>
           <a:noFill/>
-          <a:ln cap="flat" cmpd="sng" w="76200">
+          <a:ln w="76200" cap="flat" cmpd="sng">
             <a:solidFill>
               <a:schemeClr val="lt2"/>
             </a:solidFill>
             <a:prstDash val="solid"/>
             <a:round/>
-            <a:headEnd len="med" w="med" type="none"/>
-            <a:tailEnd len="med" w="med" type="none"/>
+            <a:headEnd type="none" w="med" len="med"/>
+            <a:tailEnd type="none" w="med" len="med"/>
           </a:ln>
         </p:spPr>
       </p:cxnSp>
@@ -1530,14 +1594,14 @@
             <a:avLst/>
           </a:prstGeom>
           <a:noFill/>
-          <a:ln cap="flat" cmpd="sng" w="76200">
+          <a:ln w="76200" cap="flat" cmpd="sng">
             <a:solidFill>
               <a:schemeClr val="lt2"/>
             </a:solidFill>
             <a:prstDash val="solid"/>
             <a:round/>
-            <a:headEnd len="med" w="med" type="none"/>
-            <a:tailEnd len="med" w="med" type="none"/>
+            <a:headEnd type="none" w="med" len="med"/>
+            <a:tailEnd type="none" w="med" len="med"/>
           </a:ln>
         </p:spPr>
       </p:cxnSp>
@@ -1570,14 +1634,14 @@
               <a:avLst/>
             </a:prstGeom>
             <a:noFill/>
-            <a:ln cap="flat" cmpd="sng" w="76200">
+            <a:ln w="76200" cap="flat" cmpd="sng">
               <a:solidFill>
                 <a:schemeClr val="accent3"/>
               </a:solidFill>
               <a:prstDash val="solid"/>
               <a:round/>
-              <a:headEnd len="med" w="med" type="none"/>
-              <a:tailEnd len="med" w="med" type="none"/>
+              <a:headEnd type="none" w="med" len="med"/>
+              <a:tailEnd type="none" w="med" len="med"/>
             </a:ln>
           </p:spPr>
         </p:cxnSp>
@@ -1596,14 +1660,14 @@
               <a:avLst/>
             </a:prstGeom>
             <a:noFill/>
-            <a:ln cap="flat" cmpd="sng" w="9525">
+            <a:ln w="9525" cap="flat" cmpd="sng">
               <a:solidFill>
                 <a:schemeClr val="accent3"/>
               </a:solidFill>
               <a:prstDash val="solid"/>
               <a:round/>
-              <a:headEnd len="med" w="med" type="none"/>
-              <a:tailEnd len="med" w="med" type="none"/>
+              <a:headEnd type="none" w="med" len="med"/>
+              <a:tailEnd type="none" w="med" len="med"/>
             </a:ln>
           </p:spPr>
         </p:cxnSp>
@@ -1637,14 +1701,14 @@
               <a:avLst/>
             </a:prstGeom>
             <a:noFill/>
-            <a:ln cap="flat" cmpd="sng" w="76200">
+            <a:ln w="76200" cap="flat" cmpd="sng">
               <a:solidFill>
                 <a:schemeClr val="accent3"/>
               </a:solidFill>
               <a:prstDash val="solid"/>
               <a:round/>
-              <a:headEnd len="med" w="med" type="none"/>
-              <a:tailEnd len="med" w="med" type="none"/>
+              <a:headEnd type="none" w="med" len="med"/>
+              <a:tailEnd type="none" w="med" len="med"/>
             </a:ln>
           </p:spPr>
         </p:cxnSp>
@@ -1663,14 +1727,14 @@
               <a:avLst/>
             </a:prstGeom>
             <a:noFill/>
-            <a:ln cap="flat" cmpd="sng" w="9525">
+            <a:ln w="9525" cap="flat" cmpd="sng">
               <a:solidFill>
                 <a:schemeClr val="accent3"/>
               </a:solidFill>
               <a:prstDash val="solid"/>
               <a:round/>
-              <a:headEnd len="med" w="med" type="none"/>
-              <a:tailEnd len="med" w="med" type="none"/>
+              <a:headEnd type="none" w="med" len="med"/>
+              <a:tailEnd type="none" w="med" len="med"/>
             </a:ln>
           </p:spPr>
         </p:cxnSp>
@@ -1678,7 +1742,9 @@
       <p:sp>
         <p:nvSpPr>
           <p:cNvPr id="18" name="Shape 18"/>
-          <p:cNvSpPr txBox="1"/>
+          <p:cNvSpPr txBox="1">
+            <a:spLocks noGrp="1"/>
+          </p:cNvSpPr>
           <p:nvPr>
             <p:ph type="ctrTitle"/>
           </p:nvPr>
@@ -1693,7 +1759,7 @@
           </a:prstGeom>
         </p:spPr>
         <p:txBody>
-          <a:bodyPr anchorCtr="0" anchor="b" bIns="91425" lIns="91425" spcFirstLastPara="1" rIns="91425" wrap="square" tIns="91425"/>
+          <a:bodyPr spcFirstLastPara="1" wrap="square" lIns="91425" tIns="91425" rIns="91425" bIns="91425" anchor="b" anchorCtr="0"/>
           <a:lstStyle>
             <a:lvl1pPr lvl="0" algn="ctr">
               <a:spcBef>
@@ -1795,15 +1861,19 @@
               <a:defRPr sz="5400"/>
             </a:lvl9pPr>
           </a:lstStyle>
-          <a:p/>
+          <a:p>
+            <a:endParaRPr/>
+          </a:p>
         </p:txBody>
       </p:sp>
       <p:sp>
         <p:nvSpPr>
           <p:cNvPr id="19" name="Shape 19"/>
-          <p:cNvSpPr txBox="1"/>
+          <p:cNvSpPr txBox="1">
+            <a:spLocks noGrp="1"/>
+          </p:cNvSpPr>
           <p:nvPr>
-            <p:ph idx="1" type="subTitle"/>
+            <p:ph type="subTitle" idx="1"/>
           </p:nvPr>
         </p:nvSpPr>
         <p:spPr>
@@ -1816,7 +1886,7 @@
           </a:prstGeom>
         </p:spPr>
         <p:txBody>
-          <a:bodyPr anchorCtr="0" anchor="t" bIns="91425" lIns="91425" spcFirstLastPara="1" rIns="91425" wrap="square" tIns="91425"/>
+          <a:bodyPr spcFirstLastPara="1" wrap="square" lIns="91425" tIns="91425" rIns="91425" bIns="91425" anchor="t" anchorCtr="0"/>
           <a:lstStyle>
             <a:lvl1pPr lvl="0" algn="ctr">
               <a:lnSpc>
@@ -1945,15 +2015,19 @@
               <a:defRPr sz="2400"/>
             </a:lvl9pPr>
           </a:lstStyle>
-          <a:p/>
+          <a:p>
+            <a:endParaRPr/>
+          </a:p>
         </p:txBody>
       </p:sp>
       <p:sp>
         <p:nvSpPr>
           <p:cNvPr id="20" name="Shape 20"/>
-          <p:cNvSpPr txBox="1"/>
+          <p:cNvSpPr txBox="1">
+            <a:spLocks noGrp="1"/>
+          </p:cNvSpPr>
           <p:nvPr>
-            <p:ph idx="12" type="sldNum"/>
+            <p:ph type="sldNum" idx="12"/>
           </p:nvPr>
         </p:nvSpPr>
         <p:spPr>
@@ -1966,7 +2040,7 @@
           </a:prstGeom>
         </p:spPr>
         <p:txBody>
-          <a:bodyPr anchorCtr="0" anchor="ctr" bIns="91425" lIns="91425" spcFirstLastPara="1" rIns="91425" wrap="square" tIns="91425">
+          <a:bodyPr spcFirstLastPara="1" wrap="square" lIns="91425" tIns="91425" rIns="91425" bIns="91425" anchor="ctr" anchorCtr="0">
             <a:noAutofit/>
           </a:bodyPr>
           <a:lstStyle>
@@ -2035,7 +2109,7 @@
             </a:lvl9pPr>
           </a:lstStyle>
           <a:p>
-            <a:pPr indent="0" lvl="0" marL="0">
+            <a:pPr marL="0" lvl="0" indent="0">
               <a:spcBef>
                 <a:spcPts val="0"/>
               </a:spcBef>
@@ -2061,11 +2135,11 @@
 </file>
 
 <file path=ppt/slideLayouts/slideLayout10.xml><?xml version="1.0" encoding="utf-8"?>
-<p:sldLayout xmlns:a="http://schemas.openxmlformats.org/drawingml/2006/main" xmlns:r="http://schemas.openxmlformats.org/officeDocument/2006/relationships" xmlns:mc="http://schemas.openxmlformats.org/markup-compatibility/2006" xmlns:mv="urn:schemas-microsoft-com:mac:vml" xmlns:p="http://schemas.openxmlformats.org/presentationml/2006/main" xmlns:c="http://schemas.openxmlformats.org/drawingml/2006/chart" xmlns:dgm="http://schemas.openxmlformats.org/drawingml/2006/diagram" xmlns:o="urn:schemas-microsoft-com:office:office" xmlns:v="urn:schemas-microsoft-com:vml" xmlns:pvml="urn:schemas-microsoft-com:office:powerpoint" xmlns:com="http://schemas.openxmlformats.org/drawingml/2006/compatibility" xmlns:p14="http://schemas.microsoft.com/office/powerpoint/2010/main" xmlns:p15="http://schemas.microsoft.com/office/powerpoint/2012/main" matchingName="Big number">
+<p:sldLayout xmlns:a="http://schemas.openxmlformats.org/drawingml/2006/main" xmlns:r="http://schemas.openxmlformats.org/officeDocument/2006/relationships" xmlns:p="http://schemas.openxmlformats.org/presentationml/2006/main" matchingName="Big number">
   <p:cSld name="BIG_NUMBER">
     <p:spTree>
       <p:nvGrpSpPr>
-        <p:cNvPr id="55" name="Shape 55"/>
+        <p:cNvPr id="1" name="Shape 55"/>
         <p:cNvGrpSpPr/>
         <p:nvPr/>
       </p:nvGrpSpPr>
@@ -2099,12 +2173,12 @@
           </a:ln>
         </p:spPr>
         <p:txBody>
-          <a:bodyPr anchorCtr="0" anchor="ctr" bIns="91425" lIns="91425" spcFirstLastPara="1" rIns="91425" wrap="square" tIns="91425">
+          <a:bodyPr spcFirstLastPara="1" wrap="square" lIns="91425" tIns="91425" rIns="91425" bIns="91425" anchor="ctr" anchorCtr="0">
             <a:noAutofit/>
           </a:bodyPr>
           <a:lstStyle/>
           <a:p>
-            <a:pPr indent="0" lvl="0" marL="0">
+            <a:pPr marL="0" lvl="0" indent="0">
               <a:spcBef>
                 <a:spcPts val="0"/>
               </a:spcBef>
@@ -2113,9 +2187,6 @@
               </a:spcAft>
               <a:buNone/>
             </a:pPr>
-            <a:r>
-              <a:t/>
-            </a:r>
             <a:endParaRPr/>
           </a:p>
         </p:txBody>
@@ -2123,7 +2194,9 @@
       <p:sp>
         <p:nvSpPr>
           <p:cNvPr id="57" name="Shape 57"/>
-          <p:cNvSpPr txBox="1"/>
+          <p:cNvSpPr txBox="1">
+            <a:spLocks noGrp="1"/>
+          </p:cNvSpPr>
           <p:nvPr>
             <p:ph type="title"/>
           </p:nvPr>
@@ -2138,7 +2211,7 @@
           </a:prstGeom>
         </p:spPr>
         <p:txBody>
-          <a:bodyPr anchorCtr="0" anchor="ctr" bIns="91425" lIns="91425" spcFirstLastPara="1" rIns="91425" wrap="square" tIns="91425"/>
+          <a:bodyPr spcFirstLastPara="1" wrap="square" lIns="91425" tIns="91425" rIns="91425" bIns="91425" anchor="ctr" anchorCtr="0"/>
           <a:lstStyle>
             <a:lvl1pPr lvl="0" algn="ctr">
               <a:spcBef>
@@ -2303,15 +2376,19 @@
               </a:defRPr>
             </a:lvl9pPr>
           </a:lstStyle>
-          <a:p/>
+          <a:p>
+            <a:endParaRPr/>
+          </a:p>
         </p:txBody>
       </p:sp>
       <p:sp>
         <p:nvSpPr>
           <p:cNvPr id="58" name="Shape 58"/>
-          <p:cNvSpPr txBox="1"/>
+          <p:cNvSpPr txBox="1">
+            <a:spLocks noGrp="1"/>
+          </p:cNvSpPr>
           <p:nvPr>
-            <p:ph idx="1" type="body"/>
+            <p:ph type="body" idx="1"/>
           </p:nvPr>
         </p:nvSpPr>
         <p:spPr>
@@ -2324,9 +2401,9 @@
           </a:prstGeom>
         </p:spPr>
         <p:txBody>
-          <a:bodyPr anchorCtr="0" anchor="t" bIns="91425" lIns="91425" spcFirstLastPara="1" rIns="91425" wrap="square" tIns="91425"/>
+          <a:bodyPr spcFirstLastPara="1" wrap="square" lIns="91425" tIns="91425" rIns="91425" bIns="91425" anchor="t" anchorCtr="0"/>
           <a:lstStyle>
-            <a:lvl1pPr indent="-342900" lvl="0" marL="457200" algn="ctr">
+            <a:lvl1pPr marL="457200" lvl="0" indent="-342900" algn="ctr">
               <a:spcBef>
                 <a:spcPts val="0"/>
               </a:spcBef>
@@ -2337,7 +2414,7 @@
               <a:buChar char="●"/>
               <a:defRPr/>
             </a:lvl1pPr>
-            <a:lvl2pPr indent="-317500" lvl="1" marL="914400" algn="ctr">
+            <a:lvl2pPr marL="914400" lvl="1" indent="-317500" algn="ctr">
               <a:spcBef>
                 <a:spcPts val="1600"/>
               </a:spcBef>
@@ -2348,7 +2425,7 @@
               <a:buChar char="○"/>
               <a:defRPr/>
             </a:lvl2pPr>
-            <a:lvl3pPr indent="-317500" lvl="2" marL="1371600" algn="ctr">
+            <a:lvl3pPr marL="1371600" lvl="2" indent="-317500" algn="ctr">
               <a:spcBef>
                 <a:spcPts val="1600"/>
               </a:spcBef>
@@ -2359,7 +2436,7 @@
               <a:buChar char="■"/>
               <a:defRPr/>
             </a:lvl3pPr>
-            <a:lvl4pPr indent="-317500" lvl="3" marL="1828800" algn="ctr">
+            <a:lvl4pPr marL="1828800" lvl="3" indent="-317500" algn="ctr">
               <a:spcBef>
                 <a:spcPts val="1600"/>
               </a:spcBef>
@@ -2370,7 +2447,7 @@
               <a:buChar char="●"/>
               <a:defRPr/>
             </a:lvl4pPr>
-            <a:lvl5pPr indent="-317500" lvl="4" marL="2286000" algn="ctr">
+            <a:lvl5pPr marL="2286000" lvl="4" indent="-317500" algn="ctr">
               <a:spcBef>
                 <a:spcPts val="1600"/>
               </a:spcBef>
@@ -2381,7 +2458,7 @@
               <a:buChar char="○"/>
               <a:defRPr/>
             </a:lvl5pPr>
-            <a:lvl6pPr indent="-317500" lvl="5" marL="2743200" algn="ctr">
+            <a:lvl6pPr marL="2743200" lvl="5" indent="-317500" algn="ctr">
               <a:spcBef>
                 <a:spcPts val="1600"/>
               </a:spcBef>
@@ -2392,7 +2469,7 @@
               <a:buChar char="■"/>
               <a:defRPr/>
             </a:lvl6pPr>
-            <a:lvl7pPr indent="-317500" lvl="6" marL="3200400" algn="ctr">
+            <a:lvl7pPr marL="3200400" lvl="6" indent="-317500" algn="ctr">
               <a:spcBef>
                 <a:spcPts val="1600"/>
               </a:spcBef>
@@ -2403,7 +2480,7 @@
               <a:buChar char="●"/>
               <a:defRPr/>
             </a:lvl7pPr>
-            <a:lvl8pPr indent="-317500" lvl="7" marL="3657600" algn="ctr">
+            <a:lvl8pPr marL="3657600" lvl="7" indent="-317500" algn="ctr">
               <a:spcBef>
                 <a:spcPts val="1600"/>
               </a:spcBef>
@@ -2414,7 +2491,7 @@
               <a:buChar char="○"/>
               <a:defRPr/>
             </a:lvl8pPr>
-            <a:lvl9pPr indent="-317500" lvl="8" marL="4114800" algn="ctr">
+            <a:lvl9pPr marL="4114800" lvl="8" indent="-317500" algn="ctr">
               <a:spcBef>
                 <a:spcPts val="1600"/>
               </a:spcBef>
@@ -2426,15 +2503,19 @@
               <a:defRPr/>
             </a:lvl9pPr>
           </a:lstStyle>
-          <a:p/>
+          <a:p>
+            <a:endParaRPr/>
+          </a:p>
         </p:txBody>
       </p:sp>
       <p:sp>
         <p:nvSpPr>
           <p:cNvPr id="59" name="Shape 59"/>
-          <p:cNvSpPr txBox="1"/>
+          <p:cNvSpPr txBox="1">
+            <a:spLocks noGrp="1"/>
+          </p:cNvSpPr>
           <p:nvPr>
-            <p:ph idx="12" type="sldNum"/>
+            <p:ph type="sldNum" idx="12"/>
           </p:nvPr>
         </p:nvSpPr>
         <p:spPr>
@@ -2447,7 +2528,7 @@
           </a:prstGeom>
         </p:spPr>
         <p:txBody>
-          <a:bodyPr anchorCtr="0" anchor="ctr" bIns="91425" lIns="91425" spcFirstLastPara="1" rIns="91425" wrap="square" tIns="91425">
+          <a:bodyPr spcFirstLastPara="1" wrap="square" lIns="91425" tIns="91425" rIns="91425" bIns="91425" anchor="ctr" anchorCtr="0">
             <a:noAutofit/>
           </a:bodyPr>
           <a:lstStyle>
@@ -2516,7 +2597,7 @@
             </a:lvl9pPr>
           </a:lstStyle>
           <a:p>
-            <a:pPr indent="0" lvl="0" marL="0">
+            <a:pPr marL="0" lvl="0" indent="0">
               <a:spcBef>
                 <a:spcPts val="0"/>
               </a:spcBef>
@@ -2542,11 +2623,11 @@
 </file>
 
 <file path=ppt/slideLayouts/slideLayout11.xml><?xml version="1.0" encoding="utf-8"?>
-<p:sldLayout xmlns:a="http://schemas.openxmlformats.org/drawingml/2006/main" xmlns:r="http://schemas.openxmlformats.org/officeDocument/2006/relationships" xmlns:mc="http://schemas.openxmlformats.org/markup-compatibility/2006" xmlns:mv="urn:schemas-microsoft-com:mac:vml" xmlns:p="http://schemas.openxmlformats.org/presentationml/2006/main" xmlns:c="http://schemas.openxmlformats.org/drawingml/2006/chart" xmlns:dgm="http://schemas.openxmlformats.org/drawingml/2006/diagram" xmlns:o="urn:schemas-microsoft-com:office:office" xmlns:v="urn:schemas-microsoft-com:vml" xmlns:pvml="urn:schemas-microsoft-com:office:powerpoint" xmlns:com="http://schemas.openxmlformats.org/drawingml/2006/compatibility" xmlns:p14="http://schemas.microsoft.com/office/powerpoint/2010/main" xmlns:p15="http://schemas.microsoft.com/office/powerpoint/2012/main" matchingName="Blank" type="blank">
+<p:sldLayout xmlns:a="http://schemas.openxmlformats.org/drawingml/2006/main" xmlns:r="http://schemas.openxmlformats.org/officeDocument/2006/relationships" xmlns:p="http://schemas.openxmlformats.org/presentationml/2006/main" matchingName="Blank" type="blank">
   <p:cSld name="BLANK">
     <p:spTree>
       <p:nvGrpSpPr>
-        <p:cNvPr id="60" name="Shape 60"/>
+        <p:cNvPr id="1" name="Shape 60"/>
         <p:cNvGrpSpPr/>
         <p:nvPr/>
       </p:nvGrpSpPr>
@@ -2561,9 +2642,11 @@
       <p:sp>
         <p:nvSpPr>
           <p:cNvPr id="61" name="Shape 61"/>
-          <p:cNvSpPr txBox="1"/>
+          <p:cNvSpPr txBox="1">
+            <a:spLocks noGrp="1"/>
+          </p:cNvSpPr>
           <p:nvPr>
-            <p:ph idx="12" type="sldNum"/>
+            <p:ph type="sldNum" idx="12"/>
           </p:nvPr>
         </p:nvSpPr>
         <p:spPr>
@@ -2576,7 +2659,7 @@
           </a:prstGeom>
         </p:spPr>
         <p:txBody>
-          <a:bodyPr anchorCtr="0" anchor="ctr" bIns="91425" lIns="91425" spcFirstLastPara="1" rIns="91425" wrap="square" tIns="91425">
+          <a:bodyPr spcFirstLastPara="1" wrap="square" lIns="91425" tIns="91425" rIns="91425" bIns="91425" anchor="ctr" anchorCtr="0">
             <a:noAutofit/>
           </a:bodyPr>
           <a:lstStyle>
@@ -2645,7 +2728,7 @@
             </a:lvl9pPr>
           </a:lstStyle>
           <a:p>
-            <a:pPr indent="0" lvl="0" marL="0">
+            <a:pPr marL="0" lvl="0" indent="0">
               <a:spcBef>
                 <a:spcPts val="0"/>
               </a:spcBef>
@@ -2671,11 +2754,11 @@
 </file>
 
 <file path=ppt/slideLayouts/slideLayout2.xml><?xml version="1.0" encoding="utf-8"?>
-<p:sldLayout xmlns:a="http://schemas.openxmlformats.org/drawingml/2006/main" xmlns:r="http://schemas.openxmlformats.org/officeDocument/2006/relationships" xmlns:mc="http://schemas.openxmlformats.org/markup-compatibility/2006" xmlns:mv="urn:schemas-microsoft-com:mac:vml" xmlns:p="http://schemas.openxmlformats.org/presentationml/2006/main" xmlns:c="http://schemas.openxmlformats.org/drawingml/2006/chart" xmlns:dgm="http://schemas.openxmlformats.org/drawingml/2006/diagram" xmlns:o="urn:schemas-microsoft-com:office:office" xmlns:v="urn:schemas-microsoft-com:vml" xmlns:pvml="urn:schemas-microsoft-com:office:powerpoint" xmlns:com="http://schemas.openxmlformats.org/drawingml/2006/compatibility" xmlns:p14="http://schemas.microsoft.com/office/powerpoint/2010/main" xmlns:p15="http://schemas.microsoft.com/office/powerpoint/2012/main" matchingName="Section header" type="secHead">
+<p:sldLayout xmlns:a="http://schemas.openxmlformats.org/drawingml/2006/main" xmlns:r="http://schemas.openxmlformats.org/officeDocument/2006/relationships" xmlns:p="http://schemas.openxmlformats.org/presentationml/2006/main" matchingName="Section header" type="secHead">
   <p:cSld name="SECTION_HEADER">
     <p:spTree>
       <p:nvGrpSpPr>
-        <p:cNvPr id="21" name="Shape 21"/>
+        <p:cNvPr id="1" name="Shape 21"/>
         <p:cNvGrpSpPr/>
         <p:nvPr/>
       </p:nvGrpSpPr>
@@ -2709,12 +2792,12 @@
           </a:ln>
         </p:spPr>
         <p:txBody>
-          <a:bodyPr anchorCtr="0" anchor="ctr" bIns="91425" lIns="91425" spcFirstLastPara="1" rIns="91425" wrap="square" tIns="91425">
+          <a:bodyPr spcFirstLastPara="1" wrap="square" lIns="91425" tIns="91425" rIns="91425" bIns="91425" anchor="ctr" anchorCtr="0">
             <a:noAutofit/>
           </a:bodyPr>
           <a:lstStyle/>
           <a:p>
-            <a:pPr indent="0" lvl="0" marL="0">
+            <a:pPr marL="0" lvl="0" indent="0">
               <a:spcBef>
                 <a:spcPts val="0"/>
               </a:spcBef>
@@ -2723,9 +2806,6 @@
               </a:spcAft>
               <a:buNone/>
             </a:pPr>
-            <a:r>
-              <a:t/>
-            </a:r>
             <a:endParaRPr/>
           </a:p>
         </p:txBody>
@@ -2733,7 +2813,9 @@
       <p:sp>
         <p:nvSpPr>
           <p:cNvPr id="23" name="Shape 23"/>
-          <p:cNvSpPr txBox="1"/>
+          <p:cNvSpPr txBox="1">
+            <a:spLocks noGrp="1"/>
+          </p:cNvSpPr>
           <p:nvPr>
             <p:ph type="title"/>
           </p:nvPr>
@@ -2748,7 +2830,7 @@
           </a:prstGeom>
         </p:spPr>
         <p:txBody>
-          <a:bodyPr anchorCtr="0" anchor="ctr" bIns="91425" lIns="91425" spcFirstLastPara="1" rIns="91425" wrap="square" tIns="91425"/>
+          <a:bodyPr spcFirstLastPara="1" wrap="square" lIns="91425" tIns="91425" rIns="91425" bIns="91425" anchor="ctr" anchorCtr="0"/>
           <a:lstStyle>
             <a:lvl1pPr lvl="0" algn="ctr">
               <a:spcBef>
@@ -2850,15 +2932,19 @@
               <a:defRPr/>
             </a:lvl9pPr>
           </a:lstStyle>
-          <a:p/>
+          <a:p>
+            <a:endParaRPr/>
+          </a:p>
         </p:txBody>
       </p:sp>
       <p:sp>
         <p:nvSpPr>
           <p:cNvPr id="24" name="Shape 24"/>
-          <p:cNvSpPr txBox="1"/>
+          <p:cNvSpPr txBox="1">
+            <a:spLocks noGrp="1"/>
+          </p:cNvSpPr>
           <p:nvPr>
-            <p:ph idx="12" type="sldNum"/>
+            <p:ph type="sldNum" idx="12"/>
           </p:nvPr>
         </p:nvSpPr>
         <p:spPr>
@@ -2871,7 +2957,7 @@
           </a:prstGeom>
         </p:spPr>
         <p:txBody>
-          <a:bodyPr anchorCtr="0" anchor="ctr" bIns="91425" lIns="91425" spcFirstLastPara="1" rIns="91425" wrap="square" tIns="91425">
+          <a:bodyPr spcFirstLastPara="1" wrap="square" lIns="91425" tIns="91425" rIns="91425" bIns="91425" anchor="ctr" anchorCtr="0">
             <a:noAutofit/>
           </a:bodyPr>
           <a:lstStyle>
@@ -2976,7 +3062,7 @@
             </a:lvl9pPr>
           </a:lstStyle>
           <a:p>
-            <a:pPr indent="0" lvl="0" marL="0">
+            <a:pPr marL="0" lvl="0" indent="0">
               <a:spcBef>
                 <a:spcPts val="0"/>
               </a:spcBef>
@@ -3002,11 +3088,11 @@
 </file>
 
 <file path=ppt/slideLayouts/slideLayout3.xml><?xml version="1.0" encoding="utf-8"?>
-<p:sldLayout xmlns:a="http://schemas.openxmlformats.org/drawingml/2006/main" xmlns:r="http://schemas.openxmlformats.org/officeDocument/2006/relationships" xmlns:mc="http://schemas.openxmlformats.org/markup-compatibility/2006" xmlns:mv="urn:schemas-microsoft-com:mac:vml" xmlns:p="http://schemas.openxmlformats.org/presentationml/2006/main" xmlns:c="http://schemas.openxmlformats.org/drawingml/2006/chart" xmlns:dgm="http://schemas.openxmlformats.org/drawingml/2006/diagram" xmlns:o="urn:schemas-microsoft-com:office:office" xmlns:v="urn:schemas-microsoft-com:vml" xmlns:pvml="urn:schemas-microsoft-com:office:powerpoint" xmlns:com="http://schemas.openxmlformats.org/drawingml/2006/compatibility" xmlns:p14="http://schemas.microsoft.com/office/powerpoint/2010/main" xmlns:p15="http://schemas.microsoft.com/office/powerpoint/2012/main" matchingName="Title and body" type="tx">
+<p:sldLayout xmlns:a="http://schemas.openxmlformats.org/drawingml/2006/main" xmlns:r="http://schemas.openxmlformats.org/officeDocument/2006/relationships" xmlns:p="http://schemas.openxmlformats.org/presentationml/2006/main" matchingName="Title and body" type="tx">
   <p:cSld name="TITLE_AND_BODY">
     <p:spTree>
       <p:nvGrpSpPr>
-        <p:cNvPr id="25" name="Shape 25"/>
+        <p:cNvPr id="1" name="Shape 25"/>
         <p:cNvGrpSpPr/>
         <p:nvPr/>
       </p:nvGrpSpPr>
@@ -3040,12 +3126,12 @@
           </a:ln>
         </p:spPr>
         <p:txBody>
-          <a:bodyPr anchorCtr="0" anchor="ctr" bIns="91425" lIns="91425" spcFirstLastPara="1" rIns="91425" wrap="square" tIns="91425">
+          <a:bodyPr spcFirstLastPara="1" wrap="square" lIns="91425" tIns="91425" rIns="91425" bIns="91425" anchor="ctr" anchorCtr="0">
             <a:noAutofit/>
           </a:bodyPr>
           <a:lstStyle/>
           <a:p>
-            <a:pPr indent="0" lvl="0" marL="0">
+            <a:pPr marL="0" lvl="0" indent="0">
               <a:spcBef>
                 <a:spcPts val="0"/>
               </a:spcBef>
@@ -3054,9 +3140,6 @@
               </a:spcAft>
               <a:buNone/>
             </a:pPr>
-            <a:r>
-              <a:t/>
-            </a:r>
             <a:endParaRPr/>
           </a:p>
         </p:txBody>
@@ -3064,7 +3147,9 @@
       <p:sp>
         <p:nvSpPr>
           <p:cNvPr id="27" name="Shape 27"/>
-          <p:cNvSpPr txBox="1"/>
+          <p:cNvSpPr txBox="1">
+            <a:spLocks noGrp="1"/>
+          </p:cNvSpPr>
           <p:nvPr>
             <p:ph type="title"/>
           </p:nvPr>
@@ -3079,7 +3164,7 @@
           </a:prstGeom>
         </p:spPr>
         <p:txBody>
-          <a:bodyPr anchorCtr="0" anchor="t" bIns="91425" lIns="91425" spcFirstLastPara="1" rIns="91425" wrap="square" tIns="91425"/>
+          <a:bodyPr spcFirstLastPara="1" wrap="square" lIns="91425" tIns="91425" rIns="91425" bIns="91425" anchor="t" anchorCtr="0"/>
           <a:lstStyle>
             <a:lvl1pPr lvl="0">
               <a:spcBef>
@@ -3181,15 +3266,19 @@
               <a:defRPr/>
             </a:lvl9pPr>
           </a:lstStyle>
-          <a:p/>
+          <a:p>
+            <a:endParaRPr/>
+          </a:p>
         </p:txBody>
       </p:sp>
       <p:sp>
         <p:nvSpPr>
           <p:cNvPr id="28" name="Shape 28"/>
-          <p:cNvSpPr txBox="1"/>
+          <p:cNvSpPr txBox="1">
+            <a:spLocks noGrp="1"/>
+          </p:cNvSpPr>
           <p:nvPr>
-            <p:ph idx="1" type="body"/>
+            <p:ph type="body" idx="1"/>
           </p:nvPr>
         </p:nvSpPr>
         <p:spPr>
@@ -3202,9 +3291,9 @@
           </a:prstGeom>
         </p:spPr>
         <p:txBody>
-          <a:bodyPr anchorCtr="0" anchor="t" bIns="91425" lIns="91425" spcFirstLastPara="1" rIns="91425" wrap="square" tIns="91425"/>
+          <a:bodyPr spcFirstLastPara="1" wrap="square" lIns="91425" tIns="91425" rIns="91425" bIns="91425" anchor="t" anchorCtr="0"/>
           <a:lstStyle>
-            <a:lvl1pPr indent="-342900" lvl="0" marL="457200">
+            <a:lvl1pPr marL="457200" lvl="0" indent="-342900">
               <a:spcBef>
                 <a:spcPts val="0"/>
               </a:spcBef>
@@ -3215,7 +3304,7 @@
               <a:buChar char="●"/>
               <a:defRPr/>
             </a:lvl1pPr>
-            <a:lvl2pPr indent="-317500" lvl="1" marL="914400">
+            <a:lvl2pPr marL="914400" lvl="1" indent="-317500">
               <a:spcBef>
                 <a:spcPts val="1600"/>
               </a:spcBef>
@@ -3226,7 +3315,7 @@
               <a:buChar char="○"/>
               <a:defRPr/>
             </a:lvl2pPr>
-            <a:lvl3pPr indent="-317500" lvl="2" marL="1371600">
+            <a:lvl3pPr marL="1371600" lvl="2" indent="-317500">
               <a:spcBef>
                 <a:spcPts val="1600"/>
               </a:spcBef>
@@ -3237,7 +3326,7 @@
               <a:buChar char="■"/>
               <a:defRPr/>
             </a:lvl3pPr>
-            <a:lvl4pPr indent="-317500" lvl="3" marL="1828800">
+            <a:lvl4pPr marL="1828800" lvl="3" indent="-317500">
               <a:spcBef>
                 <a:spcPts val="1600"/>
               </a:spcBef>
@@ -3248,7 +3337,7 @@
               <a:buChar char="●"/>
               <a:defRPr/>
             </a:lvl4pPr>
-            <a:lvl5pPr indent="-317500" lvl="4" marL="2286000">
+            <a:lvl5pPr marL="2286000" lvl="4" indent="-317500">
               <a:spcBef>
                 <a:spcPts val="1600"/>
               </a:spcBef>
@@ -3259,7 +3348,7 @@
               <a:buChar char="○"/>
               <a:defRPr/>
             </a:lvl5pPr>
-            <a:lvl6pPr indent="-317500" lvl="5" marL="2743200">
+            <a:lvl6pPr marL="2743200" lvl="5" indent="-317500">
               <a:spcBef>
                 <a:spcPts val="1600"/>
               </a:spcBef>
@@ -3270,7 +3359,7 @@
               <a:buChar char="■"/>
               <a:defRPr/>
             </a:lvl6pPr>
-            <a:lvl7pPr indent="-317500" lvl="6" marL="3200400">
+            <a:lvl7pPr marL="3200400" lvl="6" indent="-317500">
               <a:spcBef>
                 <a:spcPts val="1600"/>
               </a:spcBef>
@@ -3281,7 +3370,7 @@
               <a:buChar char="●"/>
               <a:defRPr/>
             </a:lvl7pPr>
-            <a:lvl8pPr indent="-317500" lvl="7" marL="3657600">
+            <a:lvl8pPr marL="3657600" lvl="7" indent="-317500">
               <a:spcBef>
                 <a:spcPts val="1600"/>
               </a:spcBef>
@@ -3292,7 +3381,7 @@
               <a:buChar char="○"/>
               <a:defRPr/>
             </a:lvl8pPr>
-            <a:lvl9pPr indent="-317500" lvl="8" marL="4114800">
+            <a:lvl9pPr marL="4114800" lvl="8" indent="-317500">
               <a:spcBef>
                 <a:spcPts val="1600"/>
               </a:spcBef>
@@ -3304,15 +3393,19 @@
               <a:defRPr/>
             </a:lvl9pPr>
           </a:lstStyle>
-          <a:p/>
+          <a:p>
+            <a:endParaRPr/>
+          </a:p>
         </p:txBody>
       </p:sp>
       <p:sp>
         <p:nvSpPr>
           <p:cNvPr id="29" name="Shape 29"/>
-          <p:cNvSpPr txBox="1"/>
+          <p:cNvSpPr txBox="1">
+            <a:spLocks noGrp="1"/>
+          </p:cNvSpPr>
           <p:nvPr>
-            <p:ph idx="12" type="sldNum"/>
+            <p:ph type="sldNum" idx="12"/>
           </p:nvPr>
         </p:nvSpPr>
         <p:spPr>
@@ -3325,7 +3418,7 @@
           </a:prstGeom>
         </p:spPr>
         <p:txBody>
-          <a:bodyPr anchorCtr="0" anchor="ctr" bIns="91425" lIns="91425" spcFirstLastPara="1" rIns="91425" wrap="square" tIns="91425">
+          <a:bodyPr spcFirstLastPara="1" wrap="square" lIns="91425" tIns="91425" rIns="91425" bIns="91425" anchor="ctr" anchorCtr="0">
             <a:noAutofit/>
           </a:bodyPr>
           <a:lstStyle>
@@ -3394,7 +3487,7 @@
             </a:lvl9pPr>
           </a:lstStyle>
           <a:p>
-            <a:pPr indent="0" lvl="0" marL="0">
+            <a:pPr marL="0" lvl="0" indent="0">
               <a:spcBef>
                 <a:spcPts val="0"/>
               </a:spcBef>
@@ -3420,11 +3513,11 @@
 </file>
 
 <file path=ppt/slideLayouts/slideLayout4.xml><?xml version="1.0" encoding="utf-8"?>
-<p:sldLayout xmlns:a="http://schemas.openxmlformats.org/drawingml/2006/main" xmlns:r="http://schemas.openxmlformats.org/officeDocument/2006/relationships" xmlns:mc="http://schemas.openxmlformats.org/markup-compatibility/2006" xmlns:mv="urn:schemas-microsoft-com:mac:vml" xmlns:p="http://schemas.openxmlformats.org/presentationml/2006/main" xmlns:c="http://schemas.openxmlformats.org/drawingml/2006/chart" xmlns:dgm="http://schemas.openxmlformats.org/drawingml/2006/diagram" xmlns:o="urn:schemas-microsoft-com:office:office" xmlns:v="urn:schemas-microsoft-com:vml" xmlns:pvml="urn:schemas-microsoft-com:office:powerpoint" xmlns:com="http://schemas.openxmlformats.org/drawingml/2006/compatibility" xmlns:p14="http://schemas.microsoft.com/office/powerpoint/2010/main" xmlns:p15="http://schemas.microsoft.com/office/powerpoint/2012/main" matchingName="Title and two columns" type="twoColTx">
+<p:sldLayout xmlns:a="http://schemas.openxmlformats.org/drawingml/2006/main" xmlns:r="http://schemas.openxmlformats.org/officeDocument/2006/relationships" xmlns:p="http://schemas.openxmlformats.org/presentationml/2006/main" matchingName="Title and two columns" type="twoColTx">
   <p:cSld name="TITLE_AND_TWO_COLUMNS">
     <p:spTree>
       <p:nvGrpSpPr>
-        <p:cNvPr id="30" name="Shape 30"/>
+        <p:cNvPr id="1" name="Shape 30"/>
         <p:cNvGrpSpPr/>
         <p:nvPr/>
       </p:nvGrpSpPr>
@@ -3439,7 +3532,9 @@
       <p:sp>
         <p:nvSpPr>
           <p:cNvPr id="31" name="Shape 31"/>
-          <p:cNvSpPr txBox="1"/>
+          <p:cNvSpPr txBox="1">
+            <a:spLocks noGrp="1"/>
+          </p:cNvSpPr>
           <p:nvPr>
             <p:ph type="title"/>
           </p:nvPr>
@@ -3454,7 +3549,7 @@
           </a:prstGeom>
         </p:spPr>
         <p:txBody>
-          <a:bodyPr anchorCtr="0" anchor="t" bIns="91425" lIns="91425" spcFirstLastPara="1" rIns="91425" wrap="square" tIns="91425"/>
+          <a:bodyPr spcFirstLastPara="1" wrap="square" lIns="91425" tIns="91425" rIns="91425" bIns="91425" anchor="t" anchorCtr="0"/>
           <a:lstStyle>
             <a:lvl1pPr lvl="0">
               <a:spcBef>
@@ -3556,15 +3651,19 @@
               <a:defRPr/>
             </a:lvl9pPr>
           </a:lstStyle>
-          <a:p/>
+          <a:p>
+            <a:endParaRPr/>
+          </a:p>
         </p:txBody>
       </p:sp>
       <p:sp>
         <p:nvSpPr>
           <p:cNvPr id="32" name="Shape 32"/>
-          <p:cNvSpPr txBox="1"/>
+          <p:cNvSpPr txBox="1">
+            <a:spLocks noGrp="1"/>
+          </p:cNvSpPr>
           <p:nvPr>
-            <p:ph idx="1" type="body"/>
+            <p:ph type="body" idx="1"/>
           </p:nvPr>
         </p:nvSpPr>
         <p:spPr>
@@ -3577,9 +3676,9 @@
           </a:prstGeom>
         </p:spPr>
         <p:txBody>
-          <a:bodyPr anchorCtr="0" anchor="t" bIns="91425" lIns="91425" spcFirstLastPara="1" rIns="91425" wrap="square" tIns="91425"/>
+          <a:bodyPr spcFirstLastPara="1" wrap="square" lIns="91425" tIns="91425" rIns="91425" bIns="91425" anchor="t" anchorCtr="0"/>
           <a:lstStyle>
-            <a:lvl1pPr indent="-317500" lvl="0" marL="457200">
+            <a:lvl1pPr marL="457200" lvl="0" indent="-317500">
               <a:spcBef>
                 <a:spcPts val="0"/>
               </a:spcBef>
@@ -3590,7 +3689,7 @@
               <a:buChar char="●"/>
               <a:defRPr sz="1400"/>
             </a:lvl1pPr>
-            <a:lvl2pPr indent="-304800" lvl="1" marL="914400">
+            <a:lvl2pPr marL="914400" lvl="1" indent="-304800">
               <a:spcBef>
                 <a:spcPts val="1600"/>
               </a:spcBef>
@@ -3601,7 +3700,7 @@
               <a:buChar char="○"/>
               <a:defRPr sz="1200"/>
             </a:lvl2pPr>
-            <a:lvl3pPr indent="-304800" lvl="2" marL="1371600">
+            <a:lvl3pPr marL="1371600" lvl="2" indent="-304800">
               <a:spcBef>
                 <a:spcPts val="1600"/>
               </a:spcBef>
@@ -3612,7 +3711,7 @@
               <a:buChar char="■"/>
               <a:defRPr sz="1200"/>
             </a:lvl3pPr>
-            <a:lvl4pPr indent="-304800" lvl="3" marL="1828800">
+            <a:lvl4pPr marL="1828800" lvl="3" indent="-304800">
               <a:spcBef>
                 <a:spcPts val="1600"/>
               </a:spcBef>
@@ -3623,7 +3722,7 @@
               <a:buChar char="●"/>
               <a:defRPr sz="1200"/>
             </a:lvl4pPr>
-            <a:lvl5pPr indent="-304800" lvl="4" marL="2286000">
+            <a:lvl5pPr marL="2286000" lvl="4" indent="-304800">
               <a:spcBef>
                 <a:spcPts val="1600"/>
               </a:spcBef>
@@ -3634,7 +3733,7 @@
               <a:buChar char="○"/>
               <a:defRPr sz="1200"/>
             </a:lvl5pPr>
-            <a:lvl6pPr indent="-304800" lvl="5" marL="2743200">
+            <a:lvl6pPr marL="2743200" lvl="5" indent="-304800">
               <a:spcBef>
                 <a:spcPts val="1600"/>
               </a:spcBef>
@@ -3645,7 +3744,7 @@
               <a:buChar char="■"/>
               <a:defRPr sz="1200"/>
             </a:lvl6pPr>
-            <a:lvl7pPr indent="-304800" lvl="6" marL="3200400">
+            <a:lvl7pPr marL="3200400" lvl="6" indent="-304800">
               <a:spcBef>
                 <a:spcPts val="1600"/>
               </a:spcBef>
@@ -3656,7 +3755,7 @@
               <a:buChar char="●"/>
               <a:defRPr sz="1200"/>
             </a:lvl7pPr>
-            <a:lvl8pPr indent="-304800" lvl="7" marL="3657600">
+            <a:lvl8pPr marL="3657600" lvl="7" indent="-304800">
               <a:spcBef>
                 <a:spcPts val="1600"/>
               </a:spcBef>
@@ -3667,7 +3766,7 @@
               <a:buChar char="○"/>
               <a:defRPr sz="1200"/>
             </a:lvl8pPr>
-            <a:lvl9pPr indent="-304800" lvl="8" marL="4114800">
+            <a:lvl9pPr marL="4114800" lvl="8" indent="-304800">
               <a:spcBef>
                 <a:spcPts val="1600"/>
               </a:spcBef>
@@ -3679,15 +3778,19 @@
               <a:defRPr sz="1200"/>
             </a:lvl9pPr>
           </a:lstStyle>
-          <a:p/>
+          <a:p>
+            <a:endParaRPr/>
+          </a:p>
         </p:txBody>
       </p:sp>
       <p:sp>
         <p:nvSpPr>
           <p:cNvPr id="33" name="Shape 33"/>
-          <p:cNvSpPr txBox="1"/>
+          <p:cNvSpPr txBox="1">
+            <a:spLocks noGrp="1"/>
+          </p:cNvSpPr>
           <p:nvPr>
-            <p:ph idx="2" type="body"/>
+            <p:ph type="body" idx="2"/>
           </p:nvPr>
         </p:nvSpPr>
         <p:spPr>
@@ -3700,9 +3803,9 @@
           </a:prstGeom>
         </p:spPr>
         <p:txBody>
-          <a:bodyPr anchorCtr="0" anchor="t" bIns="91425" lIns="91425" spcFirstLastPara="1" rIns="91425" wrap="square" tIns="91425"/>
+          <a:bodyPr spcFirstLastPara="1" wrap="square" lIns="91425" tIns="91425" rIns="91425" bIns="91425" anchor="t" anchorCtr="0"/>
           <a:lstStyle>
-            <a:lvl1pPr indent="-317500" lvl="0" marL="457200">
+            <a:lvl1pPr marL="457200" lvl="0" indent="-317500">
               <a:spcBef>
                 <a:spcPts val="0"/>
               </a:spcBef>
@@ -3713,7 +3816,7 @@
               <a:buChar char="●"/>
               <a:defRPr sz="1400"/>
             </a:lvl1pPr>
-            <a:lvl2pPr indent="-304800" lvl="1" marL="914400">
+            <a:lvl2pPr marL="914400" lvl="1" indent="-304800">
               <a:spcBef>
                 <a:spcPts val="1600"/>
               </a:spcBef>
@@ -3724,7 +3827,7 @@
               <a:buChar char="○"/>
               <a:defRPr sz="1200"/>
             </a:lvl2pPr>
-            <a:lvl3pPr indent="-304800" lvl="2" marL="1371600">
+            <a:lvl3pPr marL="1371600" lvl="2" indent="-304800">
               <a:spcBef>
                 <a:spcPts val="1600"/>
               </a:spcBef>
@@ -3735,7 +3838,7 @@
               <a:buChar char="■"/>
               <a:defRPr sz="1200"/>
             </a:lvl3pPr>
-            <a:lvl4pPr indent="-304800" lvl="3" marL="1828800">
+            <a:lvl4pPr marL="1828800" lvl="3" indent="-304800">
               <a:spcBef>
                 <a:spcPts val="1600"/>
               </a:spcBef>
@@ -3746,7 +3849,7 @@
               <a:buChar char="●"/>
               <a:defRPr sz="1200"/>
             </a:lvl4pPr>
-            <a:lvl5pPr indent="-304800" lvl="4" marL="2286000">
+            <a:lvl5pPr marL="2286000" lvl="4" indent="-304800">
               <a:spcBef>
                 <a:spcPts val="1600"/>
               </a:spcBef>
@@ -3757,7 +3860,7 @@
               <a:buChar char="○"/>
               <a:defRPr sz="1200"/>
             </a:lvl5pPr>
-            <a:lvl6pPr indent="-304800" lvl="5" marL="2743200">
+            <a:lvl6pPr marL="2743200" lvl="5" indent="-304800">
               <a:spcBef>
                 <a:spcPts val="1600"/>
               </a:spcBef>
@@ -3768,7 +3871,7 @@
               <a:buChar char="■"/>
               <a:defRPr sz="1200"/>
             </a:lvl6pPr>
-            <a:lvl7pPr indent="-304800" lvl="6" marL="3200400">
+            <a:lvl7pPr marL="3200400" lvl="6" indent="-304800">
               <a:spcBef>
                 <a:spcPts val="1600"/>
               </a:spcBef>
@@ -3779,7 +3882,7 @@
               <a:buChar char="●"/>
               <a:defRPr sz="1200"/>
             </a:lvl7pPr>
-            <a:lvl8pPr indent="-304800" lvl="7" marL="3657600">
+            <a:lvl8pPr marL="3657600" lvl="7" indent="-304800">
               <a:spcBef>
                 <a:spcPts val="1600"/>
               </a:spcBef>
@@ -3790,7 +3893,7 @@
               <a:buChar char="○"/>
               <a:defRPr sz="1200"/>
             </a:lvl8pPr>
-            <a:lvl9pPr indent="-304800" lvl="8" marL="4114800">
+            <a:lvl9pPr marL="4114800" lvl="8" indent="-304800">
               <a:spcBef>
                 <a:spcPts val="1600"/>
               </a:spcBef>
@@ -3802,15 +3905,19 @@
               <a:defRPr sz="1200"/>
             </a:lvl9pPr>
           </a:lstStyle>
-          <a:p/>
+          <a:p>
+            <a:endParaRPr/>
+          </a:p>
         </p:txBody>
       </p:sp>
       <p:sp>
         <p:nvSpPr>
           <p:cNvPr id="34" name="Shape 34"/>
-          <p:cNvSpPr txBox="1"/>
+          <p:cNvSpPr txBox="1">
+            <a:spLocks noGrp="1"/>
+          </p:cNvSpPr>
           <p:nvPr>
-            <p:ph idx="12" type="sldNum"/>
+            <p:ph type="sldNum" idx="12"/>
           </p:nvPr>
         </p:nvSpPr>
         <p:spPr>
@@ -3823,7 +3930,7 @@
           </a:prstGeom>
         </p:spPr>
         <p:txBody>
-          <a:bodyPr anchorCtr="0" anchor="ctr" bIns="91425" lIns="91425" spcFirstLastPara="1" rIns="91425" wrap="square" tIns="91425">
+          <a:bodyPr spcFirstLastPara="1" wrap="square" lIns="91425" tIns="91425" rIns="91425" bIns="91425" anchor="ctr" anchorCtr="0">
             <a:noAutofit/>
           </a:bodyPr>
           <a:lstStyle>
@@ -3892,7 +3999,7 @@
             </a:lvl9pPr>
           </a:lstStyle>
           <a:p>
-            <a:pPr indent="0" lvl="0" marL="0">
+            <a:pPr marL="0" lvl="0" indent="0">
               <a:spcBef>
                 <a:spcPts val="0"/>
               </a:spcBef>
@@ -3918,11 +4025,11 @@
 </file>
 
 <file path=ppt/slideLayouts/slideLayout5.xml><?xml version="1.0" encoding="utf-8"?>
-<p:sldLayout xmlns:a="http://schemas.openxmlformats.org/drawingml/2006/main" xmlns:r="http://schemas.openxmlformats.org/officeDocument/2006/relationships" xmlns:mc="http://schemas.openxmlformats.org/markup-compatibility/2006" xmlns:mv="urn:schemas-microsoft-com:mac:vml" xmlns:p="http://schemas.openxmlformats.org/presentationml/2006/main" xmlns:c="http://schemas.openxmlformats.org/drawingml/2006/chart" xmlns:dgm="http://schemas.openxmlformats.org/drawingml/2006/diagram" xmlns:o="urn:schemas-microsoft-com:office:office" xmlns:v="urn:schemas-microsoft-com:vml" xmlns:pvml="urn:schemas-microsoft-com:office:powerpoint" xmlns:com="http://schemas.openxmlformats.org/drawingml/2006/compatibility" xmlns:p14="http://schemas.microsoft.com/office/powerpoint/2010/main" xmlns:p15="http://schemas.microsoft.com/office/powerpoint/2012/main" matchingName="Title only" type="titleOnly">
+<p:sldLayout xmlns:a="http://schemas.openxmlformats.org/drawingml/2006/main" xmlns:r="http://schemas.openxmlformats.org/officeDocument/2006/relationships" xmlns:p="http://schemas.openxmlformats.org/presentationml/2006/main" matchingName="Title only" type="titleOnly">
   <p:cSld name="TITLE_ONLY">
     <p:spTree>
       <p:nvGrpSpPr>
-        <p:cNvPr id="35" name="Shape 35"/>
+        <p:cNvPr id="1" name="Shape 35"/>
         <p:cNvGrpSpPr/>
         <p:nvPr/>
       </p:nvGrpSpPr>
@@ -3937,7 +4044,9 @@
       <p:sp>
         <p:nvSpPr>
           <p:cNvPr id="36" name="Shape 36"/>
-          <p:cNvSpPr txBox="1"/>
+          <p:cNvSpPr txBox="1">
+            <a:spLocks noGrp="1"/>
+          </p:cNvSpPr>
           <p:nvPr>
             <p:ph type="title"/>
           </p:nvPr>
@@ -3952,7 +4061,7 @@
           </a:prstGeom>
         </p:spPr>
         <p:txBody>
-          <a:bodyPr anchorCtr="0" anchor="t" bIns="91425" lIns="91425" spcFirstLastPara="1" rIns="91425" wrap="square" tIns="91425"/>
+          <a:bodyPr spcFirstLastPara="1" wrap="square" lIns="91425" tIns="91425" rIns="91425" bIns="91425" anchor="t" anchorCtr="0"/>
           <a:lstStyle>
             <a:lvl1pPr lvl="0">
               <a:spcBef>
@@ -4054,15 +4163,19 @@
               <a:defRPr/>
             </a:lvl9pPr>
           </a:lstStyle>
-          <a:p/>
+          <a:p>
+            <a:endParaRPr/>
+          </a:p>
         </p:txBody>
       </p:sp>
       <p:sp>
         <p:nvSpPr>
           <p:cNvPr id="37" name="Shape 37"/>
-          <p:cNvSpPr txBox="1"/>
+          <p:cNvSpPr txBox="1">
+            <a:spLocks noGrp="1"/>
+          </p:cNvSpPr>
           <p:nvPr>
-            <p:ph idx="12" type="sldNum"/>
+            <p:ph type="sldNum" idx="12"/>
           </p:nvPr>
         </p:nvSpPr>
         <p:spPr>
@@ -4075,7 +4188,7 @@
           </a:prstGeom>
         </p:spPr>
         <p:txBody>
-          <a:bodyPr anchorCtr="0" anchor="ctr" bIns="91425" lIns="91425" spcFirstLastPara="1" rIns="91425" wrap="square" tIns="91425">
+          <a:bodyPr spcFirstLastPara="1" wrap="square" lIns="91425" tIns="91425" rIns="91425" bIns="91425" anchor="ctr" anchorCtr="0">
             <a:noAutofit/>
           </a:bodyPr>
           <a:lstStyle>
@@ -4144,7 +4257,7 @@
             </a:lvl9pPr>
           </a:lstStyle>
           <a:p>
-            <a:pPr indent="0" lvl="0" marL="0">
+            <a:pPr marL="0" lvl="0" indent="0">
               <a:spcBef>
                 <a:spcPts val="0"/>
               </a:spcBef>
@@ -4170,11 +4283,11 @@
 </file>
 
 <file path=ppt/slideLayouts/slideLayout6.xml><?xml version="1.0" encoding="utf-8"?>
-<p:sldLayout xmlns:a="http://schemas.openxmlformats.org/drawingml/2006/main" xmlns:r="http://schemas.openxmlformats.org/officeDocument/2006/relationships" xmlns:mc="http://schemas.openxmlformats.org/markup-compatibility/2006" xmlns:mv="urn:schemas-microsoft-com:mac:vml" xmlns:p="http://schemas.openxmlformats.org/presentationml/2006/main" xmlns:c="http://schemas.openxmlformats.org/drawingml/2006/chart" xmlns:dgm="http://schemas.openxmlformats.org/drawingml/2006/diagram" xmlns:o="urn:schemas-microsoft-com:office:office" xmlns:v="urn:schemas-microsoft-com:vml" xmlns:pvml="urn:schemas-microsoft-com:office:powerpoint" xmlns:com="http://schemas.openxmlformats.org/drawingml/2006/compatibility" xmlns:p14="http://schemas.microsoft.com/office/powerpoint/2010/main" xmlns:p15="http://schemas.microsoft.com/office/powerpoint/2012/main" matchingName="One column text">
+<p:sldLayout xmlns:a="http://schemas.openxmlformats.org/drawingml/2006/main" xmlns:r="http://schemas.openxmlformats.org/officeDocument/2006/relationships" xmlns:p="http://schemas.openxmlformats.org/presentationml/2006/main" matchingName="One column text">
   <p:cSld name="ONE_COLUMN_TEXT">
     <p:spTree>
       <p:nvGrpSpPr>
-        <p:cNvPr id="38" name="Shape 38"/>
+        <p:cNvPr id="1" name="Shape 38"/>
         <p:cNvGrpSpPr/>
         <p:nvPr/>
       </p:nvGrpSpPr>
@@ -4189,7 +4302,9 @@
       <p:sp>
         <p:nvSpPr>
           <p:cNvPr id="39" name="Shape 39"/>
-          <p:cNvSpPr txBox="1"/>
+          <p:cNvSpPr txBox="1">
+            <a:spLocks noGrp="1"/>
+          </p:cNvSpPr>
           <p:nvPr>
             <p:ph type="title"/>
           </p:nvPr>
@@ -4204,7 +4319,7 @@
           </a:prstGeom>
         </p:spPr>
         <p:txBody>
-          <a:bodyPr anchorCtr="0" anchor="b" bIns="91425" lIns="91425" spcFirstLastPara="1" rIns="91425" wrap="square" tIns="91425"/>
+          <a:bodyPr spcFirstLastPara="1" wrap="square" lIns="91425" tIns="91425" rIns="91425" bIns="91425" anchor="b" anchorCtr="0"/>
           <a:lstStyle>
             <a:lvl1pPr lvl="0">
               <a:spcBef>
@@ -4306,15 +4421,19 @@
               <a:defRPr sz="2400"/>
             </a:lvl9pPr>
           </a:lstStyle>
-          <a:p/>
+          <a:p>
+            <a:endParaRPr/>
+          </a:p>
         </p:txBody>
       </p:sp>
       <p:sp>
         <p:nvSpPr>
           <p:cNvPr id="40" name="Shape 40"/>
-          <p:cNvSpPr txBox="1"/>
+          <p:cNvSpPr txBox="1">
+            <a:spLocks noGrp="1"/>
+          </p:cNvSpPr>
           <p:nvPr>
-            <p:ph idx="1" type="body"/>
+            <p:ph type="body" idx="1"/>
           </p:nvPr>
         </p:nvSpPr>
         <p:spPr>
@@ -4327,9 +4446,9 @@
           </a:prstGeom>
         </p:spPr>
         <p:txBody>
-          <a:bodyPr anchorCtr="0" anchor="t" bIns="91425" lIns="91425" spcFirstLastPara="1" rIns="91425" wrap="square" tIns="91425"/>
+          <a:bodyPr spcFirstLastPara="1" wrap="square" lIns="91425" tIns="91425" rIns="91425" bIns="91425" anchor="t" anchorCtr="0"/>
           <a:lstStyle>
-            <a:lvl1pPr indent="-304800" lvl="0" marL="457200">
+            <a:lvl1pPr marL="457200" lvl="0" indent="-304800">
               <a:spcBef>
                 <a:spcPts val="0"/>
               </a:spcBef>
@@ -4340,7 +4459,7 @@
               <a:buChar char="●"/>
               <a:defRPr sz="1200"/>
             </a:lvl1pPr>
-            <a:lvl2pPr indent="-304800" lvl="1" marL="914400">
+            <a:lvl2pPr marL="914400" lvl="1" indent="-304800">
               <a:spcBef>
                 <a:spcPts val="1600"/>
               </a:spcBef>
@@ -4351,7 +4470,7 @@
               <a:buChar char="○"/>
               <a:defRPr sz="1200"/>
             </a:lvl2pPr>
-            <a:lvl3pPr indent="-304800" lvl="2" marL="1371600">
+            <a:lvl3pPr marL="1371600" lvl="2" indent="-304800">
               <a:spcBef>
                 <a:spcPts val="1600"/>
               </a:spcBef>
@@ -4362,7 +4481,7 @@
               <a:buChar char="■"/>
               <a:defRPr sz="1200"/>
             </a:lvl3pPr>
-            <a:lvl4pPr indent="-304800" lvl="3" marL="1828800">
+            <a:lvl4pPr marL="1828800" lvl="3" indent="-304800">
               <a:spcBef>
                 <a:spcPts val="1600"/>
               </a:spcBef>
@@ -4373,7 +4492,7 @@
               <a:buChar char="●"/>
               <a:defRPr sz="1200"/>
             </a:lvl4pPr>
-            <a:lvl5pPr indent="-304800" lvl="4" marL="2286000">
+            <a:lvl5pPr marL="2286000" lvl="4" indent="-304800">
               <a:spcBef>
                 <a:spcPts val="1600"/>
               </a:spcBef>
@@ -4384,7 +4503,7 @@
               <a:buChar char="○"/>
               <a:defRPr sz="1200"/>
             </a:lvl5pPr>
-            <a:lvl6pPr indent="-304800" lvl="5" marL="2743200">
+            <a:lvl6pPr marL="2743200" lvl="5" indent="-304800">
               <a:spcBef>
                 <a:spcPts val="1600"/>
               </a:spcBef>
@@ -4395,7 +4514,7 @@
               <a:buChar char="■"/>
               <a:defRPr sz="1200"/>
             </a:lvl6pPr>
-            <a:lvl7pPr indent="-304800" lvl="6" marL="3200400">
+            <a:lvl7pPr marL="3200400" lvl="6" indent="-304800">
               <a:spcBef>
                 <a:spcPts val="1600"/>
               </a:spcBef>
@@ -4406,7 +4525,7 @@
               <a:buChar char="●"/>
               <a:defRPr sz="1200"/>
             </a:lvl7pPr>
-            <a:lvl8pPr indent="-304800" lvl="7" marL="3657600">
+            <a:lvl8pPr marL="3657600" lvl="7" indent="-304800">
               <a:spcBef>
                 <a:spcPts val="1600"/>
               </a:spcBef>
@@ -4417,7 +4536,7 @@
               <a:buChar char="○"/>
               <a:defRPr sz="1200"/>
             </a:lvl8pPr>
-            <a:lvl9pPr indent="-304800" lvl="8" marL="4114800">
+            <a:lvl9pPr marL="4114800" lvl="8" indent="-304800">
               <a:spcBef>
                 <a:spcPts val="1600"/>
               </a:spcBef>
@@ -4429,15 +4548,19 @@
               <a:defRPr sz="1200"/>
             </a:lvl9pPr>
           </a:lstStyle>
-          <a:p/>
+          <a:p>
+            <a:endParaRPr/>
+          </a:p>
         </p:txBody>
       </p:sp>
       <p:sp>
         <p:nvSpPr>
           <p:cNvPr id="41" name="Shape 41"/>
-          <p:cNvSpPr txBox="1"/>
+          <p:cNvSpPr txBox="1">
+            <a:spLocks noGrp="1"/>
+          </p:cNvSpPr>
           <p:nvPr>
-            <p:ph idx="12" type="sldNum"/>
+            <p:ph type="sldNum" idx="12"/>
           </p:nvPr>
         </p:nvSpPr>
         <p:spPr>
@@ -4450,7 +4573,7 @@
           </a:prstGeom>
         </p:spPr>
         <p:txBody>
-          <a:bodyPr anchorCtr="0" anchor="ctr" bIns="91425" lIns="91425" spcFirstLastPara="1" rIns="91425" wrap="square" tIns="91425">
+          <a:bodyPr spcFirstLastPara="1" wrap="square" lIns="91425" tIns="91425" rIns="91425" bIns="91425" anchor="ctr" anchorCtr="0">
             <a:noAutofit/>
           </a:bodyPr>
           <a:lstStyle>
@@ -4519,7 +4642,7 @@
             </a:lvl9pPr>
           </a:lstStyle>
           <a:p>
-            <a:pPr indent="0" lvl="0" marL="0">
+            <a:pPr marL="0" lvl="0" indent="0">
               <a:spcBef>
                 <a:spcPts val="0"/>
               </a:spcBef>
@@ -4545,18 +4668,19 @@
 </file>
 
 <file path=ppt/slideLayouts/slideLayout7.xml><?xml version="1.0" encoding="utf-8"?>
-<p:sldLayout xmlns:a="http://schemas.openxmlformats.org/drawingml/2006/main" xmlns:r="http://schemas.openxmlformats.org/officeDocument/2006/relationships" xmlns:mc="http://schemas.openxmlformats.org/markup-compatibility/2006" xmlns:mv="urn:schemas-microsoft-com:mac:vml" xmlns:p="http://schemas.openxmlformats.org/presentationml/2006/main" xmlns:c="http://schemas.openxmlformats.org/drawingml/2006/chart" xmlns:dgm="http://schemas.openxmlformats.org/drawingml/2006/diagram" xmlns:o="urn:schemas-microsoft-com:office:office" xmlns:v="urn:schemas-microsoft-com:vml" xmlns:pvml="urn:schemas-microsoft-com:office:powerpoint" xmlns:com="http://schemas.openxmlformats.org/drawingml/2006/compatibility" xmlns:p14="http://schemas.microsoft.com/office/powerpoint/2010/main" xmlns:p15="http://schemas.microsoft.com/office/powerpoint/2012/main" matchingName="Main point">
+<p:sldLayout xmlns:a="http://schemas.openxmlformats.org/drawingml/2006/main" xmlns:r="http://schemas.openxmlformats.org/officeDocument/2006/relationships" xmlns:p="http://schemas.openxmlformats.org/presentationml/2006/main" matchingName="Main point">
   <p:cSld name="MAIN_POINT">
     <p:bg>
       <p:bgPr>
         <a:solidFill>
           <a:schemeClr val="accent6"/>
         </a:solidFill>
+        <a:effectLst/>
       </p:bgPr>
     </p:bg>
     <p:spTree>
       <p:nvGrpSpPr>
-        <p:cNvPr id="42" name="Shape 42"/>
+        <p:cNvPr id="1" name="Shape 42"/>
         <p:cNvGrpSpPr/>
         <p:nvPr/>
       </p:nvGrpSpPr>
@@ -4571,7 +4695,9 @@
       <p:sp>
         <p:nvSpPr>
           <p:cNvPr id="43" name="Shape 43"/>
-          <p:cNvSpPr txBox="1"/>
+          <p:cNvSpPr txBox="1">
+            <a:spLocks noGrp="1"/>
+          </p:cNvSpPr>
           <p:nvPr>
             <p:ph type="title"/>
           </p:nvPr>
@@ -4586,7 +4712,7 @@
           </a:prstGeom>
         </p:spPr>
         <p:txBody>
-          <a:bodyPr anchorCtr="0" anchor="ctr" bIns="91425" lIns="91425" spcFirstLastPara="1" rIns="91425" wrap="square" tIns="91425"/>
+          <a:bodyPr spcFirstLastPara="1" wrap="square" lIns="91425" tIns="91425" rIns="91425" bIns="91425" anchor="ctr" anchorCtr="0"/>
           <a:lstStyle>
             <a:lvl1pPr lvl="0">
               <a:spcBef>
@@ -4600,7 +4726,7 @@
               </a:buClr>
               <a:buSzPts val="5400"/>
               <a:buNone/>
-              <a:defRPr b="0" sz="5400">
+              <a:defRPr sz="5400" b="0">
                 <a:solidFill>
                   <a:schemeClr val="dk2"/>
                 </a:solidFill>
@@ -4618,7 +4744,7 @@
               </a:buClr>
               <a:buSzPts val="5400"/>
               <a:buNone/>
-              <a:defRPr b="0" sz="5400">
+              <a:defRPr sz="5400" b="0">
                 <a:solidFill>
                   <a:schemeClr val="dk2"/>
                 </a:solidFill>
@@ -4636,7 +4762,7 @@
               </a:buClr>
               <a:buSzPts val="5400"/>
               <a:buNone/>
-              <a:defRPr b="0" sz="5400">
+              <a:defRPr sz="5400" b="0">
                 <a:solidFill>
                   <a:schemeClr val="dk2"/>
                 </a:solidFill>
@@ -4654,7 +4780,7 @@
               </a:buClr>
               <a:buSzPts val="5400"/>
               <a:buNone/>
-              <a:defRPr b="0" sz="5400">
+              <a:defRPr sz="5400" b="0">
                 <a:solidFill>
                   <a:schemeClr val="dk2"/>
                 </a:solidFill>
@@ -4672,7 +4798,7 @@
               </a:buClr>
               <a:buSzPts val="5400"/>
               <a:buNone/>
-              <a:defRPr b="0" sz="5400">
+              <a:defRPr sz="5400" b="0">
                 <a:solidFill>
                   <a:schemeClr val="dk2"/>
                 </a:solidFill>
@@ -4690,7 +4816,7 @@
               </a:buClr>
               <a:buSzPts val="5400"/>
               <a:buNone/>
-              <a:defRPr b="0" sz="5400">
+              <a:defRPr sz="5400" b="0">
                 <a:solidFill>
                   <a:schemeClr val="dk2"/>
                 </a:solidFill>
@@ -4708,7 +4834,7 @@
               </a:buClr>
               <a:buSzPts val="5400"/>
               <a:buNone/>
-              <a:defRPr b="0" sz="5400">
+              <a:defRPr sz="5400" b="0">
                 <a:solidFill>
                   <a:schemeClr val="dk2"/>
                 </a:solidFill>
@@ -4726,7 +4852,7 @@
               </a:buClr>
               <a:buSzPts val="5400"/>
               <a:buNone/>
-              <a:defRPr b="0" sz="5400">
+              <a:defRPr sz="5400" b="0">
                 <a:solidFill>
                   <a:schemeClr val="dk2"/>
                 </a:solidFill>
@@ -4744,22 +4870,26 @@
               </a:buClr>
               <a:buSzPts val="5400"/>
               <a:buNone/>
-              <a:defRPr b="0" sz="5400">
+              <a:defRPr sz="5400" b="0">
                 <a:solidFill>
                   <a:schemeClr val="dk2"/>
                 </a:solidFill>
               </a:defRPr>
             </a:lvl9pPr>
           </a:lstStyle>
-          <a:p/>
+          <a:p>
+            <a:endParaRPr/>
+          </a:p>
         </p:txBody>
       </p:sp>
       <p:sp>
         <p:nvSpPr>
           <p:cNvPr id="44" name="Shape 44"/>
-          <p:cNvSpPr txBox="1"/>
+          <p:cNvSpPr txBox="1">
+            <a:spLocks noGrp="1"/>
+          </p:cNvSpPr>
           <p:nvPr>
-            <p:ph idx="12" type="sldNum"/>
+            <p:ph type="sldNum" idx="12"/>
           </p:nvPr>
         </p:nvSpPr>
         <p:spPr>
@@ -4772,7 +4902,7 @@
           </a:prstGeom>
         </p:spPr>
         <p:txBody>
-          <a:bodyPr anchorCtr="0" anchor="ctr" bIns="91425" lIns="91425" spcFirstLastPara="1" rIns="91425" wrap="square" tIns="91425">
+          <a:bodyPr spcFirstLastPara="1" wrap="square" lIns="91425" tIns="91425" rIns="91425" bIns="91425" anchor="ctr" anchorCtr="0">
             <a:noAutofit/>
           </a:bodyPr>
           <a:lstStyle>
@@ -4841,7 +4971,7 @@
             </a:lvl9pPr>
           </a:lstStyle>
           <a:p>
-            <a:pPr indent="0" lvl="0" marL="0">
+            <a:pPr marL="0" lvl="0" indent="0">
               <a:spcBef>
                 <a:spcPts val="0"/>
               </a:spcBef>
@@ -4867,11 +4997,11 @@
 </file>
 
 <file path=ppt/slideLayouts/slideLayout8.xml><?xml version="1.0" encoding="utf-8"?>
-<p:sldLayout xmlns:a="http://schemas.openxmlformats.org/drawingml/2006/main" xmlns:r="http://schemas.openxmlformats.org/officeDocument/2006/relationships" xmlns:mc="http://schemas.openxmlformats.org/markup-compatibility/2006" xmlns:mv="urn:schemas-microsoft-com:mac:vml" xmlns:p="http://schemas.openxmlformats.org/presentationml/2006/main" xmlns:c="http://schemas.openxmlformats.org/drawingml/2006/chart" xmlns:dgm="http://schemas.openxmlformats.org/drawingml/2006/diagram" xmlns:o="urn:schemas-microsoft-com:office:office" xmlns:v="urn:schemas-microsoft-com:vml" xmlns:pvml="urn:schemas-microsoft-com:office:powerpoint" xmlns:com="http://schemas.openxmlformats.org/drawingml/2006/compatibility" xmlns:p14="http://schemas.microsoft.com/office/powerpoint/2010/main" xmlns:p15="http://schemas.microsoft.com/office/powerpoint/2012/main" matchingName="Section title and description">
+<p:sldLayout xmlns:a="http://schemas.openxmlformats.org/drawingml/2006/main" xmlns:r="http://schemas.openxmlformats.org/officeDocument/2006/relationships" xmlns:p="http://schemas.openxmlformats.org/presentationml/2006/main" matchingName="Section title and description">
   <p:cSld name="SECTION_TITLE_AND_DESCRIPTION">
     <p:spTree>
       <p:nvGrpSpPr>
-        <p:cNvPr id="45" name="Shape 45"/>
+        <p:cNvPr id="1" name="Shape 45"/>
         <p:cNvGrpSpPr/>
         <p:nvPr/>
       </p:nvGrpSpPr>
@@ -4905,12 +5035,12 @@
           </a:ln>
         </p:spPr>
         <p:txBody>
-          <a:bodyPr anchorCtr="0" anchor="ctr" bIns="91425" lIns="91425" spcFirstLastPara="1" rIns="91425" wrap="square" tIns="91425">
+          <a:bodyPr spcFirstLastPara="1" wrap="square" lIns="91425" tIns="91425" rIns="91425" bIns="91425" anchor="ctr" anchorCtr="0">
             <a:noAutofit/>
           </a:bodyPr>
           <a:lstStyle/>
           <a:p>
-            <a:pPr indent="0" lvl="0" marL="0">
+            <a:pPr marL="0" lvl="0" indent="0">
               <a:spcBef>
                 <a:spcPts val="0"/>
               </a:spcBef>
@@ -4919,9 +5049,6 @@
               </a:spcAft>
               <a:buNone/>
             </a:pPr>
-            <a:r>
-              <a:t/>
-            </a:r>
             <a:endParaRPr/>
           </a:p>
         </p:txBody>
@@ -4941,21 +5068,23 @@
             <a:avLst/>
           </a:prstGeom>
           <a:noFill/>
-          <a:ln cap="flat" cmpd="sng" w="19050">
+          <a:ln w="19050" cap="flat" cmpd="sng">
             <a:solidFill>
               <a:schemeClr val="lt1"/>
             </a:solidFill>
             <a:prstDash val="solid"/>
             <a:round/>
-            <a:headEnd len="med" w="med" type="none"/>
-            <a:tailEnd len="med" w="med" type="none"/>
+            <a:headEnd type="none" w="med" len="med"/>
+            <a:tailEnd type="none" w="med" len="med"/>
           </a:ln>
         </p:spPr>
       </p:cxnSp>
       <p:sp>
         <p:nvSpPr>
           <p:cNvPr id="48" name="Shape 48"/>
-          <p:cNvSpPr txBox="1"/>
+          <p:cNvSpPr txBox="1">
+            <a:spLocks noGrp="1"/>
+          </p:cNvSpPr>
           <p:nvPr>
             <p:ph type="title"/>
           </p:nvPr>
@@ -4970,7 +5099,7 @@
           </a:prstGeom>
         </p:spPr>
         <p:txBody>
-          <a:bodyPr anchorCtr="0" anchor="b" bIns="91425" lIns="91425" spcFirstLastPara="1" rIns="91425" wrap="square" tIns="91425"/>
+          <a:bodyPr spcFirstLastPara="1" wrap="square" lIns="91425" tIns="91425" rIns="91425" bIns="91425" anchor="b" anchorCtr="0"/>
           <a:lstStyle>
             <a:lvl1pPr lvl="0" algn="ctr">
               <a:spcBef>
@@ -5072,15 +5201,19 @@
               <a:defRPr sz="4200"/>
             </a:lvl9pPr>
           </a:lstStyle>
-          <a:p/>
+          <a:p>
+            <a:endParaRPr/>
+          </a:p>
         </p:txBody>
       </p:sp>
       <p:sp>
         <p:nvSpPr>
           <p:cNvPr id="49" name="Shape 49"/>
-          <p:cNvSpPr txBox="1"/>
+          <p:cNvSpPr txBox="1">
+            <a:spLocks noGrp="1"/>
+          </p:cNvSpPr>
           <p:nvPr>
-            <p:ph idx="1" type="subTitle"/>
+            <p:ph type="subTitle" idx="1"/>
           </p:nvPr>
         </p:nvSpPr>
         <p:spPr>
@@ -5093,7 +5226,7 @@
           </a:prstGeom>
         </p:spPr>
         <p:txBody>
-          <a:bodyPr anchorCtr="0" anchor="t" bIns="91425" lIns="91425" spcFirstLastPara="1" rIns="91425" wrap="square" tIns="91425"/>
+          <a:bodyPr spcFirstLastPara="1" wrap="square" lIns="91425" tIns="91425" rIns="91425" bIns="91425" anchor="t" anchorCtr="0"/>
           <a:lstStyle>
             <a:lvl1pPr lvl="0" algn="ctr">
               <a:lnSpc>
@@ -5222,15 +5355,19 @@
               <a:defRPr sz="2100"/>
             </a:lvl9pPr>
           </a:lstStyle>
-          <a:p/>
+          <a:p>
+            <a:endParaRPr/>
+          </a:p>
         </p:txBody>
       </p:sp>
       <p:sp>
         <p:nvSpPr>
           <p:cNvPr id="50" name="Shape 50"/>
-          <p:cNvSpPr txBox="1"/>
+          <p:cNvSpPr txBox="1">
+            <a:spLocks noGrp="1"/>
+          </p:cNvSpPr>
           <p:nvPr>
-            <p:ph idx="2" type="body"/>
+            <p:ph type="body" idx="2"/>
           </p:nvPr>
         </p:nvSpPr>
         <p:spPr>
@@ -5243,9 +5380,9 @@
           </a:prstGeom>
         </p:spPr>
         <p:txBody>
-          <a:bodyPr anchorCtr="0" anchor="ctr" bIns="91425" lIns="91425" spcFirstLastPara="1" rIns="91425" wrap="square" tIns="91425"/>
+          <a:bodyPr spcFirstLastPara="1" wrap="square" lIns="91425" tIns="91425" rIns="91425" bIns="91425" anchor="ctr" anchorCtr="0"/>
           <a:lstStyle>
-            <a:lvl1pPr indent="-342900" lvl="0" marL="457200">
+            <a:lvl1pPr marL="457200" lvl="0" indent="-342900">
               <a:spcBef>
                 <a:spcPts val="0"/>
               </a:spcBef>
@@ -5263,7 +5400,7 @@
                 </a:solidFill>
               </a:defRPr>
             </a:lvl1pPr>
-            <a:lvl2pPr indent="-317500" lvl="1" marL="914400">
+            <a:lvl2pPr marL="914400" lvl="1" indent="-317500">
               <a:spcBef>
                 <a:spcPts val="1600"/>
               </a:spcBef>
@@ -5281,7 +5418,7 @@
                 </a:solidFill>
               </a:defRPr>
             </a:lvl2pPr>
-            <a:lvl3pPr indent="-317500" lvl="2" marL="1371600">
+            <a:lvl3pPr marL="1371600" lvl="2" indent="-317500">
               <a:spcBef>
                 <a:spcPts val="1600"/>
               </a:spcBef>
@@ -5299,7 +5436,7 @@
                 </a:solidFill>
               </a:defRPr>
             </a:lvl3pPr>
-            <a:lvl4pPr indent="-317500" lvl="3" marL="1828800">
+            <a:lvl4pPr marL="1828800" lvl="3" indent="-317500">
               <a:spcBef>
                 <a:spcPts val="1600"/>
               </a:spcBef>
@@ -5317,7 +5454,7 @@
                 </a:solidFill>
               </a:defRPr>
             </a:lvl4pPr>
-            <a:lvl5pPr indent="-317500" lvl="4" marL="2286000">
+            <a:lvl5pPr marL="2286000" lvl="4" indent="-317500">
               <a:spcBef>
                 <a:spcPts val="1600"/>
               </a:spcBef>
@@ -5335,7 +5472,7 @@
                 </a:solidFill>
               </a:defRPr>
             </a:lvl5pPr>
-            <a:lvl6pPr indent="-317500" lvl="5" marL="2743200">
+            <a:lvl6pPr marL="2743200" lvl="5" indent="-317500">
               <a:spcBef>
                 <a:spcPts val="1600"/>
               </a:spcBef>
@@ -5353,7 +5490,7 @@
                 </a:solidFill>
               </a:defRPr>
             </a:lvl6pPr>
-            <a:lvl7pPr indent="-317500" lvl="6" marL="3200400">
+            <a:lvl7pPr marL="3200400" lvl="6" indent="-317500">
               <a:spcBef>
                 <a:spcPts val="1600"/>
               </a:spcBef>
@@ -5371,7 +5508,7 @@
                 </a:solidFill>
               </a:defRPr>
             </a:lvl7pPr>
-            <a:lvl8pPr indent="-317500" lvl="7" marL="3657600">
+            <a:lvl8pPr marL="3657600" lvl="7" indent="-317500">
               <a:spcBef>
                 <a:spcPts val="1600"/>
               </a:spcBef>
@@ -5389,7 +5526,7 @@
                 </a:solidFill>
               </a:defRPr>
             </a:lvl8pPr>
-            <a:lvl9pPr indent="-317500" lvl="8" marL="4114800">
+            <a:lvl9pPr marL="4114800" lvl="8" indent="-317500">
               <a:spcBef>
                 <a:spcPts val="1600"/>
               </a:spcBef>
@@ -5408,15 +5545,19 @@
               </a:defRPr>
             </a:lvl9pPr>
           </a:lstStyle>
-          <a:p/>
+          <a:p>
+            <a:endParaRPr/>
+          </a:p>
         </p:txBody>
       </p:sp>
       <p:sp>
         <p:nvSpPr>
           <p:cNvPr id="51" name="Shape 51"/>
-          <p:cNvSpPr txBox="1"/>
+          <p:cNvSpPr txBox="1">
+            <a:spLocks noGrp="1"/>
+          </p:cNvSpPr>
           <p:nvPr>
-            <p:ph idx="12" type="sldNum"/>
+            <p:ph type="sldNum" idx="12"/>
           </p:nvPr>
         </p:nvSpPr>
         <p:spPr>
@@ -5429,7 +5570,7 @@
           </a:prstGeom>
         </p:spPr>
         <p:txBody>
-          <a:bodyPr anchorCtr="0" anchor="ctr" bIns="91425" lIns="91425" spcFirstLastPara="1" rIns="91425" wrap="square" tIns="91425">
+          <a:bodyPr spcFirstLastPara="1" wrap="square" lIns="91425" tIns="91425" rIns="91425" bIns="91425" anchor="ctr" anchorCtr="0">
             <a:noAutofit/>
           </a:bodyPr>
           <a:lstStyle>
@@ -5534,7 +5675,7 @@
             </a:lvl9pPr>
           </a:lstStyle>
           <a:p>
-            <a:pPr indent="0" lvl="0" marL="0">
+            <a:pPr marL="0" lvl="0" indent="0">
               <a:spcBef>
                 <a:spcPts val="0"/>
               </a:spcBef>
@@ -5560,11 +5701,11 @@
 </file>
 
 <file path=ppt/slideLayouts/slideLayout9.xml><?xml version="1.0" encoding="utf-8"?>
-<p:sldLayout xmlns:a="http://schemas.openxmlformats.org/drawingml/2006/main" xmlns:r="http://schemas.openxmlformats.org/officeDocument/2006/relationships" xmlns:mc="http://schemas.openxmlformats.org/markup-compatibility/2006" xmlns:mv="urn:schemas-microsoft-com:mac:vml" xmlns:p="http://schemas.openxmlformats.org/presentationml/2006/main" xmlns:c="http://schemas.openxmlformats.org/drawingml/2006/chart" xmlns:dgm="http://schemas.openxmlformats.org/drawingml/2006/diagram" xmlns:o="urn:schemas-microsoft-com:office:office" xmlns:v="urn:schemas-microsoft-com:vml" xmlns:pvml="urn:schemas-microsoft-com:office:powerpoint" xmlns:com="http://schemas.openxmlformats.org/drawingml/2006/compatibility" xmlns:p14="http://schemas.microsoft.com/office/powerpoint/2010/main" xmlns:p15="http://schemas.microsoft.com/office/powerpoint/2012/main" matchingName="Caption">
+<p:sldLayout xmlns:a="http://schemas.openxmlformats.org/drawingml/2006/main" xmlns:r="http://schemas.openxmlformats.org/officeDocument/2006/relationships" xmlns:p="http://schemas.openxmlformats.org/presentationml/2006/main" matchingName="Caption">
   <p:cSld name="CAPTION_ONLY">
     <p:spTree>
       <p:nvGrpSpPr>
-        <p:cNvPr id="52" name="Shape 52"/>
+        <p:cNvPr id="1" name="Shape 52"/>
         <p:cNvGrpSpPr/>
         <p:nvPr/>
       </p:nvGrpSpPr>
@@ -5579,9 +5720,11 @@
       <p:sp>
         <p:nvSpPr>
           <p:cNvPr id="53" name="Shape 53"/>
-          <p:cNvSpPr txBox="1"/>
+          <p:cNvSpPr txBox="1">
+            <a:spLocks noGrp="1"/>
+          </p:cNvSpPr>
           <p:nvPr>
-            <p:ph idx="1" type="body"/>
+            <p:ph type="body" idx="1"/>
           </p:nvPr>
         </p:nvSpPr>
         <p:spPr>
@@ -5594,9 +5737,9 @@
           </a:prstGeom>
         </p:spPr>
         <p:txBody>
-          <a:bodyPr anchorCtr="0" anchor="ctr" bIns="91425" lIns="91425" spcFirstLastPara="1" rIns="91425" wrap="square" tIns="91425"/>
+          <a:bodyPr spcFirstLastPara="1" wrap="square" lIns="91425" tIns="91425" rIns="91425" bIns="91425" anchor="ctr" anchorCtr="0"/>
           <a:lstStyle>
-            <a:lvl1pPr indent="-228600" lvl="0" marL="457200">
+            <a:lvl1pPr marL="457200" lvl="0" indent="-228600">
               <a:lnSpc>
                 <a:spcPct val="100000"/>
               </a:lnSpc>
@@ -5617,15 +5760,19 @@
               </a:defRPr>
             </a:lvl1pPr>
           </a:lstStyle>
-          <a:p/>
+          <a:p>
+            <a:endParaRPr/>
+          </a:p>
         </p:txBody>
       </p:sp>
       <p:sp>
         <p:nvSpPr>
           <p:cNvPr id="54" name="Shape 54"/>
-          <p:cNvSpPr txBox="1"/>
+          <p:cNvSpPr txBox="1">
+            <a:spLocks noGrp="1"/>
+          </p:cNvSpPr>
           <p:nvPr>
-            <p:ph idx="12" type="sldNum"/>
+            <p:ph type="sldNum" idx="12"/>
           </p:nvPr>
         </p:nvSpPr>
         <p:spPr>
@@ -5638,7 +5785,7 @@
           </a:prstGeom>
         </p:spPr>
         <p:txBody>
-          <a:bodyPr anchorCtr="0" anchor="ctr" bIns="91425" lIns="91425" spcFirstLastPara="1" rIns="91425" wrap="square" tIns="91425">
+          <a:bodyPr spcFirstLastPara="1" wrap="square" lIns="91425" tIns="91425" rIns="91425" bIns="91425" anchor="ctr" anchorCtr="0">
             <a:noAutofit/>
           </a:bodyPr>
           <a:lstStyle>
@@ -5707,7 +5854,7 @@
             </a:lvl9pPr>
           </a:lstStyle>
           <a:p>
-            <a:pPr indent="0" lvl="0" marL="0">
+            <a:pPr marL="0" lvl="0" indent="0">
               <a:spcBef>
                 <a:spcPts val="0"/>
               </a:spcBef>
@@ -5733,18 +5880,19 @@
 </file>
 
 <file path=ppt/slideMasters/slideMaster1.xml><?xml version="1.0" encoding="utf-8"?>
-<p:sldMaster xmlns:a="http://schemas.openxmlformats.org/drawingml/2006/main" xmlns:r="http://schemas.openxmlformats.org/officeDocument/2006/relationships" xmlns:mc="http://schemas.openxmlformats.org/markup-compatibility/2006" xmlns:mv="urn:schemas-microsoft-com:mac:vml" xmlns:p="http://schemas.openxmlformats.org/presentationml/2006/main" xmlns:c="http://schemas.openxmlformats.org/drawingml/2006/chart" xmlns:dgm="http://schemas.openxmlformats.org/drawingml/2006/diagram" xmlns:o="urn:schemas-microsoft-com:office:office" xmlns:v="urn:schemas-microsoft-com:vml" xmlns:pvml="urn:schemas-microsoft-com:office:powerpoint" xmlns:com="http://schemas.openxmlformats.org/drawingml/2006/compatibility" xmlns:p14="http://schemas.microsoft.com/office/powerpoint/2010/main" xmlns:p15="http://schemas.microsoft.com/office/powerpoint/2012/main">
+<p:sldMaster xmlns:a="http://schemas.openxmlformats.org/drawingml/2006/main" xmlns:r="http://schemas.openxmlformats.org/officeDocument/2006/relationships" xmlns:p="http://schemas.openxmlformats.org/presentationml/2006/main">
   <p:cSld name="tropic">
     <p:bg>
       <p:bgPr>
         <a:solidFill>
           <a:schemeClr val="lt1"/>
         </a:solidFill>
+        <a:effectLst/>
       </p:bgPr>
     </p:bg>
     <p:spTree>
       <p:nvGrpSpPr>
-        <p:cNvPr id="5" name="Shape 5"/>
+        <p:cNvPr id="1" name="Shape 5"/>
         <p:cNvGrpSpPr/>
         <p:nvPr/>
       </p:nvGrpSpPr>
@@ -5759,7 +5907,9 @@
       <p:sp>
         <p:nvSpPr>
           <p:cNvPr id="6" name="Shape 6"/>
-          <p:cNvSpPr txBox="1"/>
+          <p:cNvSpPr txBox="1">
+            <a:spLocks noGrp="1"/>
+          </p:cNvSpPr>
           <p:nvPr>
             <p:ph type="title"/>
           </p:nvPr>
@@ -5778,7 +5928,7 @@
           </a:ln>
         </p:spPr>
         <p:txBody>
-          <a:bodyPr anchorCtr="0" anchor="t" bIns="91425" lIns="91425" spcFirstLastPara="1" rIns="91425" wrap="square" tIns="91425"/>
+          <a:bodyPr spcFirstLastPara="1" wrap="square" lIns="91425" tIns="91425" rIns="91425" bIns="91425" anchor="t" anchorCtr="0"/>
           <a:lstStyle>
             <a:lvl1pPr lvl="0">
               <a:spcBef>
@@ -5793,7 +5943,7 @@
               <a:buSzPts val="3600"/>
               <a:buFont typeface="PT Sans Narrow"/>
               <a:buNone/>
-              <a:defRPr b="1" sz="3600">
+              <a:defRPr sz="3600" b="1">
                 <a:solidFill>
                   <a:schemeClr val="accent1"/>
                 </a:solidFill>
@@ -5816,7 +5966,7 @@
               <a:buSzPts val="3600"/>
               <a:buFont typeface="PT Sans Narrow"/>
               <a:buNone/>
-              <a:defRPr b="1" sz="3600">
+              <a:defRPr sz="3600" b="1">
                 <a:solidFill>
                   <a:schemeClr val="accent1"/>
                 </a:solidFill>
@@ -5839,7 +5989,7 @@
               <a:buSzPts val="3600"/>
               <a:buFont typeface="PT Sans Narrow"/>
               <a:buNone/>
-              <a:defRPr b="1" sz="3600">
+              <a:defRPr sz="3600" b="1">
                 <a:solidFill>
                   <a:schemeClr val="accent1"/>
                 </a:solidFill>
@@ -5862,7 +6012,7 @@
               <a:buSzPts val="3600"/>
               <a:buFont typeface="PT Sans Narrow"/>
               <a:buNone/>
-              <a:defRPr b="1" sz="3600">
+              <a:defRPr sz="3600" b="1">
                 <a:solidFill>
                   <a:schemeClr val="accent1"/>
                 </a:solidFill>
@@ -5885,7 +6035,7 @@
               <a:buSzPts val="3600"/>
               <a:buFont typeface="PT Sans Narrow"/>
               <a:buNone/>
-              <a:defRPr b="1" sz="3600">
+              <a:defRPr sz="3600" b="1">
                 <a:solidFill>
                   <a:schemeClr val="accent1"/>
                 </a:solidFill>
@@ -5908,7 +6058,7 @@
               <a:buSzPts val="3600"/>
               <a:buFont typeface="PT Sans Narrow"/>
               <a:buNone/>
-              <a:defRPr b="1" sz="3600">
+              <a:defRPr sz="3600" b="1">
                 <a:solidFill>
                   <a:schemeClr val="accent1"/>
                 </a:solidFill>
@@ -5931,7 +6081,7 @@
               <a:buSzPts val="3600"/>
               <a:buFont typeface="PT Sans Narrow"/>
               <a:buNone/>
-              <a:defRPr b="1" sz="3600">
+              <a:defRPr sz="3600" b="1">
                 <a:solidFill>
                   <a:schemeClr val="accent1"/>
                 </a:solidFill>
@@ -5954,7 +6104,7 @@
               <a:buSzPts val="3600"/>
               <a:buFont typeface="PT Sans Narrow"/>
               <a:buNone/>
-              <a:defRPr b="1" sz="3600">
+              <a:defRPr sz="3600" b="1">
                 <a:solidFill>
                   <a:schemeClr val="accent1"/>
                 </a:solidFill>
@@ -5977,7 +6127,7 @@
               <a:buSzPts val="3600"/>
               <a:buFont typeface="PT Sans Narrow"/>
               <a:buNone/>
-              <a:defRPr b="1" sz="3600">
+              <a:defRPr sz="3600" b="1">
                 <a:solidFill>
                   <a:schemeClr val="accent1"/>
                 </a:solidFill>
@@ -5988,15 +6138,19 @@
               </a:defRPr>
             </a:lvl9pPr>
           </a:lstStyle>
-          <a:p/>
+          <a:p>
+            <a:endParaRPr/>
+          </a:p>
         </p:txBody>
       </p:sp>
       <p:sp>
         <p:nvSpPr>
           <p:cNvPr id="7" name="Shape 7"/>
-          <p:cNvSpPr txBox="1"/>
+          <p:cNvSpPr txBox="1">
+            <a:spLocks noGrp="1"/>
+          </p:cNvSpPr>
           <p:nvPr>
-            <p:ph idx="1" type="body"/>
+            <p:ph type="body" idx="1"/>
           </p:nvPr>
         </p:nvSpPr>
         <p:spPr>
@@ -6013,9 +6167,9 @@
           </a:ln>
         </p:spPr>
         <p:txBody>
-          <a:bodyPr anchorCtr="0" anchor="t" bIns="91425" lIns="91425" spcFirstLastPara="1" rIns="91425" wrap="square" tIns="91425"/>
+          <a:bodyPr spcFirstLastPara="1" wrap="square" lIns="91425" tIns="91425" rIns="91425" bIns="91425" anchor="t" anchorCtr="0"/>
           <a:lstStyle>
-            <a:lvl1pPr indent="-342900" lvl="0" marL="457200">
+            <a:lvl1pPr marL="457200" lvl="0" indent="-342900">
               <a:lnSpc>
                 <a:spcPct val="115000"/>
               </a:lnSpc>
@@ -6041,7 +6195,7 @@
                 <a:sym typeface="Open Sans"/>
               </a:defRPr>
             </a:lvl1pPr>
-            <a:lvl2pPr indent="-317500" lvl="1" marL="914400">
+            <a:lvl2pPr marL="914400" lvl="1" indent="-317500">
               <a:lnSpc>
                 <a:spcPct val="115000"/>
               </a:lnSpc>
@@ -6067,7 +6221,7 @@
                 <a:sym typeface="Open Sans"/>
               </a:defRPr>
             </a:lvl2pPr>
-            <a:lvl3pPr indent="-317500" lvl="2" marL="1371600">
+            <a:lvl3pPr marL="1371600" lvl="2" indent="-317500">
               <a:lnSpc>
                 <a:spcPct val="115000"/>
               </a:lnSpc>
@@ -6093,7 +6247,7 @@
                 <a:sym typeface="Open Sans"/>
               </a:defRPr>
             </a:lvl3pPr>
-            <a:lvl4pPr indent="-317500" lvl="3" marL="1828800">
+            <a:lvl4pPr marL="1828800" lvl="3" indent="-317500">
               <a:lnSpc>
                 <a:spcPct val="115000"/>
               </a:lnSpc>
@@ -6119,7 +6273,7 @@
                 <a:sym typeface="Open Sans"/>
               </a:defRPr>
             </a:lvl4pPr>
-            <a:lvl5pPr indent="-317500" lvl="4" marL="2286000">
+            <a:lvl5pPr marL="2286000" lvl="4" indent="-317500">
               <a:lnSpc>
                 <a:spcPct val="115000"/>
               </a:lnSpc>
@@ -6145,7 +6299,7 @@
                 <a:sym typeface="Open Sans"/>
               </a:defRPr>
             </a:lvl5pPr>
-            <a:lvl6pPr indent="-317500" lvl="5" marL="2743200">
+            <a:lvl6pPr marL="2743200" lvl="5" indent="-317500">
               <a:lnSpc>
                 <a:spcPct val="115000"/>
               </a:lnSpc>
@@ -6171,7 +6325,7 @@
                 <a:sym typeface="Open Sans"/>
               </a:defRPr>
             </a:lvl6pPr>
-            <a:lvl7pPr indent="-317500" lvl="6" marL="3200400">
+            <a:lvl7pPr marL="3200400" lvl="6" indent="-317500">
               <a:lnSpc>
                 <a:spcPct val="115000"/>
               </a:lnSpc>
@@ -6197,7 +6351,7 @@
                 <a:sym typeface="Open Sans"/>
               </a:defRPr>
             </a:lvl7pPr>
-            <a:lvl8pPr indent="-317500" lvl="7" marL="3657600">
+            <a:lvl8pPr marL="3657600" lvl="7" indent="-317500">
               <a:lnSpc>
                 <a:spcPct val="115000"/>
               </a:lnSpc>
@@ -6223,7 +6377,7 @@
                 <a:sym typeface="Open Sans"/>
               </a:defRPr>
             </a:lvl8pPr>
-            <a:lvl9pPr indent="-317500" lvl="8" marL="4114800">
+            <a:lvl9pPr marL="4114800" lvl="8" indent="-317500">
               <a:lnSpc>
                 <a:spcPct val="115000"/>
               </a:lnSpc>
@@ -6250,15 +6404,19 @@
               </a:defRPr>
             </a:lvl9pPr>
           </a:lstStyle>
-          <a:p/>
+          <a:p>
+            <a:endParaRPr/>
+          </a:p>
         </p:txBody>
       </p:sp>
       <p:sp>
         <p:nvSpPr>
           <p:cNvPr id="8" name="Shape 8"/>
-          <p:cNvSpPr txBox="1"/>
+          <p:cNvSpPr txBox="1">
+            <a:spLocks noGrp="1"/>
+          </p:cNvSpPr>
           <p:nvPr>
-            <p:ph idx="12" type="sldNum"/>
+            <p:ph type="sldNum" idx="12"/>
           </p:nvPr>
         </p:nvSpPr>
         <p:spPr>
@@ -6275,7 +6433,7 @@
           </a:ln>
         </p:spPr>
         <p:txBody>
-          <a:bodyPr anchorCtr="0" anchor="ctr" bIns="91425" lIns="91425" spcFirstLastPara="1" rIns="91425" wrap="square" tIns="91425">
+          <a:bodyPr spcFirstLastPara="1" wrap="square" lIns="91425" tIns="91425" rIns="91425" bIns="91425" anchor="ctr" anchorCtr="0">
             <a:noAutofit/>
           </a:bodyPr>
           <a:lstStyle>
@@ -6416,7 +6574,7 @@
             </a:lvl9pPr>
           </a:lstStyle>
           <a:p>
-            <a:pPr indent="0" lvl="0" marL="0">
+            <a:pPr marL="0" lvl="0" indent="0">
               <a:spcBef>
                 <a:spcPts val="0"/>
               </a:spcBef>
@@ -6435,7 +6593,7 @@
       </p:sp>
     </p:spTree>
   </p:cSld>
-  <p:clrMap accent1="accent1" accent2="accent2" accent3="accent3" accent4="accent4" accent5="accent5" accent6="accent6" bg1="lt1" bg2="dk2" tx1="dk1" tx2="lt2" folHlink="folHlink" hlink="hlink"/>
+  <p:clrMap bg1="lt1" tx1="dk1" bg2="dk2" tx2="lt2" accent1="accent1" accent2="accent2" accent3="accent3" accent4="accent4" accent5="accent5" accent6="accent6" hlink="hlink" folHlink="folHlink"/>
   <p:sldLayoutIdLst>
     <p:sldLayoutId id="2147483648" r:id="rId1"/>
     <p:sldLayoutId id="2147483649" r:id="rId2"/>
@@ -6449,10 +6607,10 @@
     <p:sldLayoutId id="2147483657" r:id="rId10"/>
     <p:sldLayoutId id="2147483658" r:id="rId11"/>
   </p:sldLayoutIdLst>
-  <p:hf dt="0" ftr="0" hdr="0" sldNum="0"/>
+  <p:hf sldNum="0" hdr="0" ftr="0" dt="0"/>
   <p:txStyles>
     <p:titleStyle>
-      <a:defPPr lvl="0" marR="0" rtl="0" algn="l">
+      <a:defPPr marR="0" lvl="0" algn="l" rtl="0">
         <a:lnSpc>
           <a:spcPct val="100000"/>
         </a:lnSpc>
@@ -6463,7 +6621,7 @@
           <a:spcPts val="0"/>
         </a:spcAft>
       </a:defPPr>
-      <a:lvl1pPr lvl="0" marR="0" rtl="0" algn="l">
+      <a:lvl1pPr marR="0" lvl="0" algn="l" rtl="0">
         <a:lnSpc>
           <a:spcPct val="100000"/>
         </a:lnSpc>
@@ -6477,7 +6635,7 @@
           <a:srgbClr val="000000"/>
         </a:buClr>
         <a:buFont typeface="Arial"/>
-        <a:defRPr b="0" i="0" sz="1400" u="none" cap="none" strike="noStrike">
+        <a:defRPr sz="1400" b="0" i="0" u="none" strike="noStrike" cap="none">
           <a:solidFill>
             <a:srgbClr val="000000"/>
           </a:solidFill>
@@ -6487,7 +6645,7 @@
           <a:sym typeface="Arial"/>
         </a:defRPr>
       </a:lvl1pPr>
-      <a:lvl2pPr lvl="1" marR="0" rtl="0" algn="l">
+      <a:lvl2pPr marR="0" lvl="1" algn="l" rtl="0">
         <a:lnSpc>
           <a:spcPct val="100000"/>
         </a:lnSpc>
@@ -6501,7 +6659,7 @@
           <a:srgbClr val="000000"/>
         </a:buClr>
         <a:buFont typeface="Arial"/>
-        <a:defRPr b="0" i="0" sz="1400" u="none" cap="none" strike="noStrike">
+        <a:defRPr sz="1400" b="0" i="0" u="none" strike="noStrike" cap="none">
           <a:solidFill>
             <a:srgbClr val="000000"/>
           </a:solidFill>
@@ -6511,7 +6669,7 @@
           <a:sym typeface="Arial"/>
         </a:defRPr>
       </a:lvl2pPr>
-      <a:lvl3pPr lvl="2" marR="0" rtl="0" algn="l">
+      <a:lvl3pPr marR="0" lvl="2" algn="l" rtl="0">
         <a:lnSpc>
           <a:spcPct val="100000"/>
         </a:lnSpc>
@@ -6525,7 +6683,7 @@
           <a:srgbClr val="000000"/>
         </a:buClr>
         <a:buFont typeface="Arial"/>
-        <a:defRPr b="0" i="0" sz="1400" u="none" cap="none" strike="noStrike">
+        <a:defRPr sz="1400" b="0" i="0" u="none" strike="noStrike" cap="none">
           <a:solidFill>
             <a:srgbClr val="000000"/>
           </a:solidFill>
@@ -6535,7 +6693,7 @@
           <a:sym typeface="Arial"/>
         </a:defRPr>
       </a:lvl3pPr>
-      <a:lvl4pPr lvl="3" marR="0" rtl="0" algn="l">
+      <a:lvl4pPr marR="0" lvl="3" algn="l" rtl="0">
         <a:lnSpc>
           <a:spcPct val="100000"/>
         </a:lnSpc>
@@ -6549,7 +6707,7 @@
           <a:srgbClr val="000000"/>
         </a:buClr>
         <a:buFont typeface="Arial"/>
-        <a:defRPr b="0" i="0" sz="1400" u="none" cap="none" strike="noStrike">
+        <a:defRPr sz="1400" b="0" i="0" u="none" strike="noStrike" cap="none">
           <a:solidFill>
             <a:srgbClr val="000000"/>
           </a:solidFill>
@@ -6559,7 +6717,7 @@
           <a:sym typeface="Arial"/>
         </a:defRPr>
       </a:lvl4pPr>
-      <a:lvl5pPr lvl="4" marR="0" rtl="0" algn="l">
+      <a:lvl5pPr marR="0" lvl="4" algn="l" rtl="0">
         <a:lnSpc>
           <a:spcPct val="100000"/>
         </a:lnSpc>
@@ -6573,7 +6731,7 @@
           <a:srgbClr val="000000"/>
         </a:buClr>
         <a:buFont typeface="Arial"/>
-        <a:defRPr b="0" i="0" sz="1400" u="none" cap="none" strike="noStrike">
+        <a:defRPr sz="1400" b="0" i="0" u="none" strike="noStrike" cap="none">
           <a:solidFill>
             <a:srgbClr val="000000"/>
           </a:solidFill>
@@ -6583,7 +6741,7 @@
           <a:sym typeface="Arial"/>
         </a:defRPr>
       </a:lvl5pPr>
-      <a:lvl6pPr lvl="5" marR="0" rtl="0" algn="l">
+      <a:lvl6pPr marR="0" lvl="5" algn="l" rtl="0">
         <a:lnSpc>
           <a:spcPct val="100000"/>
         </a:lnSpc>
@@ -6597,7 +6755,7 @@
           <a:srgbClr val="000000"/>
         </a:buClr>
         <a:buFont typeface="Arial"/>
-        <a:defRPr b="0" i="0" sz="1400" u="none" cap="none" strike="noStrike">
+        <a:defRPr sz="1400" b="0" i="0" u="none" strike="noStrike" cap="none">
           <a:solidFill>
             <a:srgbClr val="000000"/>
           </a:solidFill>
@@ -6607,7 +6765,7 @@
           <a:sym typeface="Arial"/>
         </a:defRPr>
       </a:lvl6pPr>
-      <a:lvl7pPr lvl="6" marR="0" rtl="0" algn="l">
+      <a:lvl7pPr marR="0" lvl="6" algn="l" rtl="0">
         <a:lnSpc>
           <a:spcPct val="100000"/>
         </a:lnSpc>
@@ -6621,7 +6779,7 @@
           <a:srgbClr val="000000"/>
         </a:buClr>
         <a:buFont typeface="Arial"/>
-        <a:defRPr b="0" i="0" sz="1400" u="none" cap="none" strike="noStrike">
+        <a:defRPr sz="1400" b="0" i="0" u="none" strike="noStrike" cap="none">
           <a:solidFill>
             <a:srgbClr val="000000"/>
           </a:solidFill>
@@ -6631,7 +6789,7 @@
           <a:sym typeface="Arial"/>
         </a:defRPr>
       </a:lvl7pPr>
-      <a:lvl8pPr lvl="7" marR="0" rtl="0" algn="l">
+      <a:lvl8pPr marR="0" lvl="7" algn="l" rtl="0">
         <a:lnSpc>
           <a:spcPct val="100000"/>
         </a:lnSpc>
@@ -6645,7 +6803,7 @@
           <a:srgbClr val="000000"/>
         </a:buClr>
         <a:buFont typeface="Arial"/>
-        <a:defRPr b="0" i="0" sz="1400" u="none" cap="none" strike="noStrike">
+        <a:defRPr sz="1400" b="0" i="0" u="none" strike="noStrike" cap="none">
           <a:solidFill>
             <a:srgbClr val="000000"/>
           </a:solidFill>
@@ -6655,7 +6813,7 @@
           <a:sym typeface="Arial"/>
         </a:defRPr>
       </a:lvl8pPr>
-      <a:lvl9pPr lvl="8" marR="0" rtl="0" algn="l">
+      <a:lvl9pPr marR="0" lvl="8" algn="l" rtl="0">
         <a:lnSpc>
           <a:spcPct val="100000"/>
         </a:lnSpc>
@@ -6669,7 +6827,7 @@
           <a:srgbClr val="000000"/>
         </a:buClr>
         <a:buFont typeface="Arial"/>
-        <a:defRPr b="0" i="0" sz="1400" u="none" cap="none" strike="noStrike">
+        <a:defRPr sz="1400" b="0" i="0" u="none" strike="noStrike" cap="none">
           <a:solidFill>
             <a:srgbClr val="000000"/>
           </a:solidFill>
@@ -6681,7 +6839,7 @@
       </a:lvl9pPr>
     </p:titleStyle>
     <p:bodyStyle>
-      <a:defPPr lvl="0" marR="0" rtl="0" algn="l">
+      <a:defPPr marR="0" lvl="0" algn="l" rtl="0">
         <a:lnSpc>
           <a:spcPct val="100000"/>
         </a:lnSpc>
@@ -6692,7 +6850,7 @@
           <a:spcPts val="0"/>
         </a:spcAft>
       </a:defPPr>
-      <a:lvl1pPr lvl="0" marR="0" rtl="0" algn="l">
+      <a:lvl1pPr marR="0" lvl="0" algn="l" rtl="0">
         <a:lnSpc>
           <a:spcPct val="100000"/>
         </a:lnSpc>
@@ -6706,7 +6864,7 @@
           <a:srgbClr val="000000"/>
         </a:buClr>
         <a:buFont typeface="Arial"/>
-        <a:defRPr b="0" i="0" sz="1400" u="none" cap="none" strike="noStrike">
+        <a:defRPr sz="1400" b="0" i="0" u="none" strike="noStrike" cap="none">
           <a:solidFill>
             <a:srgbClr val="000000"/>
           </a:solidFill>
@@ -6716,7 +6874,7 @@
           <a:sym typeface="Arial"/>
         </a:defRPr>
       </a:lvl1pPr>
-      <a:lvl2pPr lvl="1" marR="0" rtl="0" algn="l">
+      <a:lvl2pPr marR="0" lvl="1" algn="l" rtl="0">
         <a:lnSpc>
           <a:spcPct val="100000"/>
         </a:lnSpc>
@@ -6730,7 +6888,7 @@
           <a:srgbClr val="000000"/>
         </a:buClr>
         <a:buFont typeface="Arial"/>
-        <a:defRPr b="0" i="0" sz="1400" u="none" cap="none" strike="noStrike">
+        <a:defRPr sz="1400" b="0" i="0" u="none" strike="noStrike" cap="none">
           <a:solidFill>
             <a:srgbClr val="000000"/>
           </a:solidFill>
@@ -6740,7 +6898,7 @@
           <a:sym typeface="Arial"/>
         </a:defRPr>
       </a:lvl2pPr>
-      <a:lvl3pPr lvl="2" marR="0" rtl="0" algn="l">
+      <a:lvl3pPr marR="0" lvl="2" algn="l" rtl="0">
         <a:lnSpc>
           <a:spcPct val="100000"/>
         </a:lnSpc>
@@ -6754,7 +6912,7 @@
           <a:srgbClr val="000000"/>
         </a:buClr>
         <a:buFont typeface="Arial"/>
-        <a:defRPr b="0" i="0" sz="1400" u="none" cap="none" strike="noStrike">
+        <a:defRPr sz="1400" b="0" i="0" u="none" strike="noStrike" cap="none">
           <a:solidFill>
             <a:srgbClr val="000000"/>
           </a:solidFill>
@@ -6764,7 +6922,7 @@
           <a:sym typeface="Arial"/>
         </a:defRPr>
       </a:lvl3pPr>
-      <a:lvl4pPr lvl="3" marR="0" rtl="0" algn="l">
+      <a:lvl4pPr marR="0" lvl="3" algn="l" rtl="0">
         <a:lnSpc>
           <a:spcPct val="100000"/>
         </a:lnSpc>
@@ -6778,7 +6936,7 @@
           <a:srgbClr val="000000"/>
         </a:buClr>
         <a:buFont typeface="Arial"/>
-        <a:defRPr b="0" i="0" sz="1400" u="none" cap="none" strike="noStrike">
+        <a:defRPr sz="1400" b="0" i="0" u="none" strike="noStrike" cap="none">
           <a:solidFill>
             <a:srgbClr val="000000"/>
           </a:solidFill>
@@ -6788,7 +6946,7 @@
           <a:sym typeface="Arial"/>
         </a:defRPr>
       </a:lvl4pPr>
-      <a:lvl5pPr lvl="4" marR="0" rtl="0" algn="l">
+      <a:lvl5pPr marR="0" lvl="4" algn="l" rtl="0">
         <a:lnSpc>
           <a:spcPct val="100000"/>
         </a:lnSpc>
@@ -6802,7 +6960,7 @@
           <a:srgbClr val="000000"/>
         </a:buClr>
         <a:buFont typeface="Arial"/>
-        <a:defRPr b="0" i="0" sz="1400" u="none" cap="none" strike="noStrike">
+        <a:defRPr sz="1400" b="0" i="0" u="none" strike="noStrike" cap="none">
           <a:solidFill>
             <a:srgbClr val="000000"/>
           </a:solidFill>
@@ -6812,7 +6970,7 @@
           <a:sym typeface="Arial"/>
         </a:defRPr>
       </a:lvl5pPr>
-      <a:lvl6pPr lvl="5" marR="0" rtl="0" algn="l">
+      <a:lvl6pPr marR="0" lvl="5" algn="l" rtl="0">
         <a:lnSpc>
           <a:spcPct val="100000"/>
         </a:lnSpc>
@@ -6826,7 +6984,7 @@
           <a:srgbClr val="000000"/>
         </a:buClr>
         <a:buFont typeface="Arial"/>
-        <a:defRPr b="0" i="0" sz="1400" u="none" cap="none" strike="noStrike">
+        <a:defRPr sz="1400" b="0" i="0" u="none" strike="noStrike" cap="none">
           <a:solidFill>
             <a:srgbClr val="000000"/>
           </a:solidFill>
@@ -6836,7 +6994,7 @@
           <a:sym typeface="Arial"/>
         </a:defRPr>
       </a:lvl6pPr>
-      <a:lvl7pPr lvl="6" marR="0" rtl="0" algn="l">
+      <a:lvl7pPr marR="0" lvl="6" algn="l" rtl="0">
         <a:lnSpc>
           <a:spcPct val="100000"/>
         </a:lnSpc>
@@ -6850,7 +7008,7 @@
           <a:srgbClr val="000000"/>
         </a:buClr>
         <a:buFont typeface="Arial"/>
-        <a:defRPr b="0" i="0" sz="1400" u="none" cap="none" strike="noStrike">
+        <a:defRPr sz="1400" b="0" i="0" u="none" strike="noStrike" cap="none">
           <a:solidFill>
             <a:srgbClr val="000000"/>
           </a:solidFill>
@@ -6860,7 +7018,7 @@
           <a:sym typeface="Arial"/>
         </a:defRPr>
       </a:lvl7pPr>
-      <a:lvl8pPr lvl="7" marR="0" rtl="0" algn="l">
+      <a:lvl8pPr marR="0" lvl="7" algn="l" rtl="0">
         <a:lnSpc>
           <a:spcPct val="100000"/>
         </a:lnSpc>
@@ -6874,7 +7032,7 @@
           <a:srgbClr val="000000"/>
         </a:buClr>
         <a:buFont typeface="Arial"/>
-        <a:defRPr b="0" i="0" sz="1400" u="none" cap="none" strike="noStrike">
+        <a:defRPr sz="1400" b="0" i="0" u="none" strike="noStrike" cap="none">
           <a:solidFill>
             <a:srgbClr val="000000"/>
           </a:solidFill>
@@ -6884,7 +7042,7 @@
           <a:sym typeface="Arial"/>
         </a:defRPr>
       </a:lvl8pPr>
-      <a:lvl9pPr lvl="8" marR="0" rtl="0" algn="l">
+      <a:lvl9pPr marR="0" lvl="8" algn="l" rtl="0">
         <a:lnSpc>
           <a:spcPct val="100000"/>
         </a:lnSpc>
@@ -6898,7 +7056,7 @@
           <a:srgbClr val="000000"/>
         </a:buClr>
         <a:buFont typeface="Arial"/>
-        <a:defRPr b="0" i="0" sz="1400" u="none" cap="none" strike="noStrike">
+        <a:defRPr sz="1400" b="0" i="0" u="none" strike="noStrike" cap="none">
           <a:solidFill>
             <a:srgbClr val="000000"/>
           </a:solidFill>
@@ -6910,7 +7068,7 @@
       </a:lvl9pPr>
     </p:bodyStyle>
     <p:otherStyle>
-      <a:defPPr lvl="0" marR="0" rtl="0" algn="l">
+      <a:defPPr marR="0" lvl="0" algn="l" rtl="0">
         <a:lnSpc>
           <a:spcPct val="100000"/>
         </a:lnSpc>
@@ -6921,7 +7079,7 @@
           <a:spcPts val="0"/>
         </a:spcAft>
       </a:defPPr>
-      <a:lvl1pPr lvl="0" marR="0" rtl="0" algn="l">
+      <a:lvl1pPr marR="0" lvl="0" algn="l" rtl="0">
         <a:lnSpc>
           <a:spcPct val="100000"/>
         </a:lnSpc>
@@ -6935,7 +7093,7 @@
           <a:srgbClr val="000000"/>
         </a:buClr>
         <a:buFont typeface="Arial"/>
-        <a:defRPr b="0" i="0" sz="1400" u="none" cap="none" strike="noStrike">
+        <a:defRPr sz="1400" b="0" i="0" u="none" strike="noStrike" cap="none">
           <a:solidFill>
             <a:srgbClr val="000000"/>
           </a:solidFill>
@@ -6945,7 +7103,7 @@
           <a:sym typeface="Arial"/>
         </a:defRPr>
       </a:lvl1pPr>
-      <a:lvl2pPr lvl="1" marR="0" rtl="0" algn="l">
+      <a:lvl2pPr marR="0" lvl="1" algn="l" rtl="0">
         <a:lnSpc>
           <a:spcPct val="100000"/>
         </a:lnSpc>
@@ -6959,7 +7117,7 @@
           <a:srgbClr val="000000"/>
         </a:buClr>
         <a:buFont typeface="Arial"/>
-        <a:defRPr b="0" i="0" sz="1400" u="none" cap="none" strike="noStrike">
+        <a:defRPr sz="1400" b="0" i="0" u="none" strike="noStrike" cap="none">
           <a:solidFill>
             <a:srgbClr val="000000"/>
           </a:solidFill>
@@ -6969,7 +7127,7 @@
           <a:sym typeface="Arial"/>
         </a:defRPr>
       </a:lvl2pPr>
-      <a:lvl3pPr lvl="2" marR="0" rtl="0" algn="l">
+      <a:lvl3pPr marR="0" lvl="2" algn="l" rtl="0">
         <a:lnSpc>
           <a:spcPct val="100000"/>
         </a:lnSpc>
@@ -6983,7 +7141,7 @@
           <a:srgbClr val="000000"/>
         </a:buClr>
         <a:buFont typeface="Arial"/>
-        <a:defRPr b="0" i="0" sz="1400" u="none" cap="none" strike="noStrike">
+        <a:defRPr sz="1400" b="0" i="0" u="none" strike="noStrike" cap="none">
           <a:solidFill>
             <a:srgbClr val="000000"/>
           </a:solidFill>
@@ -6993,7 +7151,7 @@
           <a:sym typeface="Arial"/>
         </a:defRPr>
       </a:lvl3pPr>
-      <a:lvl4pPr lvl="3" marR="0" rtl="0" algn="l">
+      <a:lvl4pPr marR="0" lvl="3" algn="l" rtl="0">
         <a:lnSpc>
           <a:spcPct val="100000"/>
         </a:lnSpc>
@@ -7007,7 +7165,7 @@
           <a:srgbClr val="000000"/>
         </a:buClr>
         <a:buFont typeface="Arial"/>
-        <a:defRPr b="0" i="0" sz="1400" u="none" cap="none" strike="noStrike">
+        <a:defRPr sz="1400" b="0" i="0" u="none" strike="noStrike" cap="none">
           <a:solidFill>
             <a:srgbClr val="000000"/>
           </a:solidFill>
@@ -7017,7 +7175,7 @@
           <a:sym typeface="Arial"/>
         </a:defRPr>
       </a:lvl4pPr>
-      <a:lvl5pPr lvl="4" marR="0" rtl="0" algn="l">
+      <a:lvl5pPr marR="0" lvl="4" algn="l" rtl="0">
         <a:lnSpc>
           <a:spcPct val="100000"/>
         </a:lnSpc>
@@ -7031,7 +7189,7 @@
           <a:srgbClr val="000000"/>
         </a:buClr>
         <a:buFont typeface="Arial"/>
-        <a:defRPr b="0" i="0" sz="1400" u="none" cap="none" strike="noStrike">
+        <a:defRPr sz="1400" b="0" i="0" u="none" strike="noStrike" cap="none">
           <a:solidFill>
             <a:srgbClr val="000000"/>
           </a:solidFill>
@@ -7041,7 +7199,7 @@
           <a:sym typeface="Arial"/>
         </a:defRPr>
       </a:lvl5pPr>
-      <a:lvl6pPr lvl="5" marR="0" rtl="0" algn="l">
+      <a:lvl6pPr marR="0" lvl="5" algn="l" rtl="0">
         <a:lnSpc>
           <a:spcPct val="100000"/>
         </a:lnSpc>
@@ -7055,7 +7213,7 @@
           <a:srgbClr val="000000"/>
         </a:buClr>
         <a:buFont typeface="Arial"/>
-        <a:defRPr b="0" i="0" sz="1400" u="none" cap="none" strike="noStrike">
+        <a:defRPr sz="1400" b="0" i="0" u="none" strike="noStrike" cap="none">
           <a:solidFill>
             <a:srgbClr val="000000"/>
           </a:solidFill>
@@ -7065,7 +7223,7 @@
           <a:sym typeface="Arial"/>
         </a:defRPr>
       </a:lvl6pPr>
-      <a:lvl7pPr lvl="6" marR="0" rtl="0" algn="l">
+      <a:lvl7pPr marR="0" lvl="6" algn="l" rtl="0">
         <a:lnSpc>
           <a:spcPct val="100000"/>
         </a:lnSpc>
@@ -7079,7 +7237,7 @@
           <a:srgbClr val="000000"/>
         </a:buClr>
         <a:buFont typeface="Arial"/>
-        <a:defRPr b="0" i="0" sz="1400" u="none" cap="none" strike="noStrike">
+        <a:defRPr sz="1400" b="0" i="0" u="none" strike="noStrike" cap="none">
           <a:solidFill>
             <a:srgbClr val="000000"/>
           </a:solidFill>
@@ -7089,7 +7247,7 @@
           <a:sym typeface="Arial"/>
         </a:defRPr>
       </a:lvl7pPr>
-      <a:lvl8pPr lvl="7" marR="0" rtl="0" algn="l">
+      <a:lvl8pPr marR="0" lvl="7" algn="l" rtl="0">
         <a:lnSpc>
           <a:spcPct val="100000"/>
         </a:lnSpc>
@@ -7103,7 +7261,7 @@
           <a:srgbClr val="000000"/>
         </a:buClr>
         <a:buFont typeface="Arial"/>
-        <a:defRPr b="0" i="0" sz="1400" u="none" cap="none" strike="noStrike">
+        <a:defRPr sz="1400" b="0" i="0" u="none" strike="noStrike" cap="none">
           <a:solidFill>
             <a:srgbClr val="000000"/>
           </a:solidFill>
@@ -7113,7 +7271,7 @@
           <a:sym typeface="Arial"/>
         </a:defRPr>
       </a:lvl8pPr>
-      <a:lvl9pPr lvl="8" marR="0" rtl="0" algn="l">
+      <a:lvl9pPr marR="0" lvl="8" algn="l" rtl="0">
         <a:lnSpc>
           <a:spcPct val="100000"/>
         </a:lnSpc>
@@ -7127,7 +7285,7 @@
           <a:srgbClr val="000000"/>
         </a:buClr>
         <a:buFont typeface="Arial"/>
-        <a:defRPr b="0" i="0" sz="1400" u="none" cap="none" strike="noStrike">
+        <a:defRPr sz="1400" b="0" i="0" u="none" strike="noStrike" cap="none">
           <a:solidFill>
             <a:srgbClr val="000000"/>
           </a:solidFill>
@@ -7143,11 +7301,11 @@
 </file>
 
 <file path=ppt/slides/slide1.xml><?xml version="1.0" encoding="utf-8"?>
-<p:sld xmlns:a="http://schemas.openxmlformats.org/drawingml/2006/main" xmlns:r="http://schemas.openxmlformats.org/officeDocument/2006/relationships" xmlns:mc="http://schemas.openxmlformats.org/markup-compatibility/2006" xmlns:mv="urn:schemas-microsoft-com:mac:vml" xmlns:p="http://schemas.openxmlformats.org/presentationml/2006/main" xmlns:c="http://schemas.openxmlformats.org/drawingml/2006/chart" xmlns:dgm="http://schemas.openxmlformats.org/drawingml/2006/diagram" xmlns:o="urn:schemas-microsoft-com:office:office" xmlns:v="urn:schemas-microsoft-com:vml" xmlns:pvml="urn:schemas-microsoft-com:office:powerpoint" xmlns:com="http://schemas.openxmlformats.org/drawingml/2006/compatibility" xmlns:p14="http://schemas.microsoft.com/office/powerpoint/2010/main" xmlns:p15="http://schemas.microsoft.com/office/powerpoint/2012/main">
+<p:sld xmlns:a="http://schemas.openxmlformats.org/drawingml/2006/main" xmlns:r="http://schemas.openxmlformats.org/officeDocument/2006/relationships" xmlns:p="http://schemas.openxmlformats.org/presentationml/2006/main">
   <p:cSld>
     <p:spTree>
       <p:nvGrpSpPr>
-        <p:cNvPr id="65" name="Shape 65"/>
+        <p:cNvPr id="1" name="Shape 65"/>
         <p:cNvGrpSpPr/>
         <p:nvPr/>
       </p:nvGrpSpPr>
@@ -7162,7 +7320,9 @@
       <p:sp>
         <p:nvSpPr>
           <p:cNvPr id="66" name="Shape 66"/>
-          <p:cNvSpPr txBox="1"/>
+          <p:cNvSpPr txBox="1">
+            <a:spLocks noGrp="1"/>
+          </p:cNvSpPr>
           <p:nvPr>
             <p:ph type="ctrTitle"/>
           </p:nvPr>
@@ -7177,12 +7337,12 @@
           </a:prstGeom>
         </p:spPr>
         <p:txBody>
-          <a:bodyPr anchorCtr="0" anchor="b" bIns="91425" lIns="91425" spcFirstLastPara="1" rIns="91425" wrap="square" tIns="91425">
+          <a:bodyPr spcFirstLastPara="1" wrap="square" lIns="91425" tIns="91425" rIns="91425" bIns="91425" anchor="b" anchorCtr="0">
             <a:noAutofit/>
           </a:bodyPr>
           <a:lstStyle/>
           <a:p>
-            <a:pPr indent="0" lvl="0" marL="0">
+            <a:pPr marL="0" lvl="0" indent="0">
               <a:spcBef>
                 <a:spcPts val="0"/>
               </a:spcBef>
@@ -7202,9 +7362,11 @@
       <p:sp>
         <p:nvSpPr>
           <p:cNvPr id="67" name="Shape 67"/>
-          <p:cNvSpPr txBox="1"/>
+          <p:cNvSpPr txBox="1">
+            <a:spLocks noGrp="1"/>
+          </p:cNvSpPr>
           <p:nvPr>
-            <p:ph idx="1" type="subTitle"/>
+            <p:ph type="subTitle" idx="1"/>
           </p:nvPr>
         </p:nvSpPr>
         <p:spPr>
@@ -7217,12 +7379,12 @@
           </a:prstGeom>
         </p:spPr>
         <p:txBody>
-          <a:bodyPr anchorCtr="0" anchor="t" bIns="91425" lIns="91425" spcFirstLastPara="1" rIns="91425" wrap="square" tIns="91425">
+          <a:bodyPr spcFirstLastPara="1" wrap="square" lIns="91425" tIns="91425" rIns="91425" bIns="91425" anchor="t" anchorCtr="0">
             <a:noAutofit/>
           </a:bodyPr>
           <a:lstStyle/>
           <a:p>
-            <a:pPr indent="0" lvl="0" marL="0">
+            <a:pPr marL="0" lvl="0" indent="0">
               <a:spcBef>
                 <a:spcPts val="0"/>
               </a:spcBef>
@@ -7248,11 +7410,11 @@
 </file>
 
 <file path=ppt/slides/slide2.xml><?xml version="1.0" encoding="utf-8"?>
-<p:sld xmlns:a="http://schemas.openxmlformats.org/drawingml/2006/main" xmlns:r="http://schemas.openxmlformats.org/officeDocument/2006/relationships" xmlns:mc="http://schemas.openxmlformats.org/markup-compatibility/2006" xmlns:mv="urn:schemas-microsoft-com:mac:vml" xmlns:p="http://schemas.openxmlformats.org/presentationml/2006/main" xmlns:c="http://schemas.openxmlformats.org/drawingml/2006/chart" xmlns:dgm="http://schemas.openxmlformats.org/drawingml/2006/diagram" xmlns:o="urn:schemas-microsoft-com:office:office" xmlns:v="urn:schemas-microsoft-com:vml" xmlns:pvml="urn:schemas-microsoft-com:office:powerpoint" xmlns:com="http://schemas.openxmlformats.org/drawingml/2006/compatibility" xmlns:p14="http://schemas.microsoft.com/office/powerpoint/2010/main" xmlns:p15="http://schemas.microsoft.com/office/powerpoint/2012/main">
+<p:sld xmlns:a="http://schemas.openxmlformats.org/drawingml/2006/main" xmlns:r="http://schemas.openxmlformats.org/officeDocument/2006/relationships" xmlns:p="http://schemas.openxmlformats.org/presentationml/2006/main">
   <p:cSld>
     <p:spTree>
       <p:nvGrpSpPr>
-        <p:cNvPr id="71" name="Shape 71"/>
+        <p:cNvPr id="1" name="Shape 71"/>
         <p:cNvGrpSpPr/>
         <p:nvPr/>
       </p:nvGrpSpPr>
@@ -7267,7 +7429,9 @@
       <p:sp>
         <p:nvSpPr>
           <p:cNvPr id="72" name="Shape 72"/>
-          <p:cNvSpPr txBox="1"/>
+          <p:cNvSpPr txBox="1">
+            <a:spLocks noGrp="1"/>
+          </p:cNvSpPr>
           <p:nvPr>
             <p:ph type="title"/>
           </p:nvPr>
@@ -7282,12 +7446,12 @@
           </a:prstGeom>
         </p:spPr>
         <p:txBody>
-          <a:bodyPr anchorCtr="0" anchor="t" bIns="91425" lIns="91425" spcFirstLastPara="1" rIns="91425" wrap="square" tIns="91425">
+          <a:bodyPr spcFirstLastPara="1" wrap="square" lIns="91425" tIns="91425" rIns="91425" bIns="91425" anchor="t" anchorCtr="0">
             <a:noAutofit/>
           </a:bodyPr>
           <a:lstStyle/>
           <a:p>
-            <a:pPr indent="0" lvl="0" marL="0" algn="ctr">
+            <a:pPr marL="0" lvl="0" indent="0" algn="ctr">
               <a:spcBef>
                 <a:spcPts val="0"/>
               </a:spcBef>
@@ -7312,7 +7476,7 @@
         </p:nvGraphicFramePr>
         <p:xfrm>
           <a:off x="311700" y="1086525"/>
-          <a:ext cx="3000000" cy="3000000"/>
+          <a:ext cx="8520600" cy="3624025"/>
         </p:xfrm>
         <a:graphic>
           <a:graphicData uri="http://schemas.openxmlformats.org/drawingml/2006/table">
@@ -7322,18 +7486,28 @@
                 <a:tableStyleId>{6F2AC940-87D5-450F-8F17-59BCB25C8092}</a:tableStyleId>
               </a:tblPr>
               <a:tblGrid>
-                <a:gridCol w="4187875"/>
-                <a:gridCol w="4332725"/>
+                <a:gridCol w="4187875">
+                  <a:extLst>
+                    <a:ext uri="{9D8B030D-6E8A-4147-A177-3AD203B41FA5}">
+                      <a16:colId xmlns:a16="http://schemas.microsoft.com/office/drawing/2014/main" val="20000"/>
+                    </a:ext>
+                  </a:extLst>
+                </a:gridCol>
+                <a:gridCol w="4332725">
+                  <a:extLst>
+                    <a:ext uri="{9D8B030D-6E8A-4147-A177-3AD203B41FA5}">
+                      <a16:colId xmlns:a16="http://schemas.microsoft.com/office/drawing/2014/main" val="20001"/>
+                    </a:ext>
+                  </a:extLst>
+                </a:gridCol>
               </a:tblGrid>
               <a:tr h="1267375">
                 <a:tc>
                   <a:txBody>
-                    <a:bodyPr>
-                      <a:noAutofit/>
-                    </a:bodyPr>
+                    <a:bodyPr/>
                     <a:lstStyle/>
                     <a:p>
-                      <a:pPr indent="0" lvl="0" marL="0">
+                      <a:pPr marL="0" lvl="0" indent="0">
                         <a:spcBef>
                           <a:spcPts val="0"/>
                         </a:spcBef>
@@ -7343,26 +7517,24 @@
                         <a:buNone/>
                       </a:pPr>
                       <a:r>
-                        <a:rPr b="1" lang="en"/>
+                        <a:rPr lang="en" b="1" dirty="0"/>
                         <a:t>Carter Knight</a:t>
                       </a:r>
                       <a:r>
-                        <a:rPr lang="en"/>
+                        <a:rPr lang="en" dirty="0"/>
                         <a:t> -Project Manager </a:t>
                       </a:r>
-                      <a:endParaRPr/>
+                      <a:endParaRPr dirty="0"/>
                     </a:p>
                   </a:txBody>
-                  <a:tcPr marT="91425" marB="91425" marR="91425" marL="91425"/>
+                  <a:tcPr marL="91425" marR="91425" marT="91425" marB="91425"/>
                 </a:tc>
                 <a:tc>
                   <a:txBody>
-                    <a:bodyPr>
-                      <a:noAutofit/>
-                    </a:bodyPr>
+                    <a:bodyPr/>
                     <a:lstStyle/>
                     <a:p>
-                      <a:pPr indent="0" lvl="0" marL="0">
+                      <a:pPr marL="0" lvl="0" indent="0">
                         <a:spcBef>
                           <a:spcPts val="0"/>
                         </a:spcBef>
@@ -7372,7 +7544,7 @@
                         <a:buNone/>
                       </a:pPr>
                       <a:r>
-                        <a:rPr b="1" lang="en"/>
+                        <a:rPr lang="en" b="1"/>
                         <a:t>Tri Le</a:t>
                       </a:r>
                       <a:r>
@@ -7382,7 +7554,7 @@
                       <a:endParaRPr/>
                     </a:p>
                     <a:p>
-                      <a:pPr indent="0" lvl="0" marL="0">
+                      <a:pPr marL="0" lvl="0" indent="0">
                         <a:spcBef>
                           <a:spcPts val="0"/>
                         </a:spcBef>
@@ -7398,7 +7570,7 @@
                       <a:endParaRPr/>
                     </a:p>
                     <a:p>
-                      <a:pPr indent="0" lvl="0" marL="0">
+                      <a:pPr marL="0" lvl="0" indent="0">
                         <a:spcBef>
                           <a:spcPts val="0"/>
                         </a:spcBef>
@@ -7407,24 +7579,24 @@
                         </a:spcAft>
                         <a:buNone/>
                       </a:pPr>
-                      <a:r>
-                        <a:t/>
-                      </a:r>
                       <a:endParaRPr/>
                     </a:p>
                   </a:txBody>
-                  <a:tcPr marT="91425" marB="91425" marR="91425" marL="91425"/>
+                  <a:tcPr marL="91425" marR="91425" marT="91425" marB="91425"/>
                 </a:tc>
+                <a:extLst>
+                  <a:ext uri="{0D108BD9-81ED-4DB2-BD59-A6C34878D82A}">
+                    <a16:rowId xmlns:a16="http://schemas.microsoft.com/office/drawing/2014/main" val="10000"/>
+                  </a:ext>
+                </a:extLst>
               </a:tr>
               <a:tr h="1184875">
                 <a:tc>
                   <a:txBody>
-                    <a:bodyPr>
-                      <a:noAutofit/>
-                    </a:bodyPr>
+                    <a:bodyPr/>
                     <a:lstStyle/>
                     <a:p>
-                      <a:pPr indent="0" lvl="0" marL="0" marR="0" rtl="0" algn="l">
+                      <a:pPr marL="0" marR="0" lvl="0" indent="0" algn="l" rtl="0">
                         <a:lnSpc>
                           <a:spcPct val="100000"/>
                         </a:lnSpc>
@@ -7437,7 +7609,7 @@
                         <a:buNone/>
                       </a:pPr>
                       <a:r>
-                        <a:rPr b="1" lang="en"/>
+                        <a:rPr lang="en" b="1"/>
                         <a:t>Alia Yeszhanova-</a:t>
                       </a:r>
                       <a:r>
@@ -7447,7 +7619,7 @@
                       <a:endParaRPr/>
                     </a:p>
                     <a:p>
-                      <a:pPr indent="0" lvl="0" marL="0">
+                      <a:pPr marL="0" lvl="0" indent="0">
                         <a:spcBef>
                           <a:spcPts val="0"/>
                         </a:spcBef>
@@ -7461,9 +7633,6 @@
                         <a:buFont typeface="Arial"/>
                         <a:buNone/>
                       </a:pPr>
-                      <a:r>
-                        <a:t/>
-                      </a:r>
                       <a:endParaRPr>
                         <a:solidFill>
                           <a:schemeClr val="dk1"/>
@@ -7471,7 +7640,26 @@
                       </a:endParaRPr>
                     </a:p>
                     <a:p>
-                      <a:pPr indent="0" lvl="0" marL="0">
+                      <a:pPr marL="0" lvl="0" indent="0">
+                        <a:spcBef>
+                          <a:spcPts val="0"/>
+                        </a:spcBef>
+                        <a:spcAft>
+                          <a:spcPts val="0"/>
+                        </a:spcAft>
+                        <a:buNone/>
+                      </a:pPr>
+                      <a:endParaRPr/>
+                    </a:p>
+                  </a:txBody>
+                  <a:tcPr marL="91425" marR="91425" marT="91425" marB="91425"/>
+                </a:tc>
+                <a:tc>
+                  <a:txBody>
+                    <a:bodyPr/>
+                    <a:lstStyle/>
+                    <a:p>
+                      <a:pPr marL="0" lvl="0" indent="0">
                         <a:spcBef>
                           <a:spcPts val="0"/>
                         </a:spcBef>
@@ -7481,31 +7669,7 @@
                         <a:buNone/>
                       </a:pPr>
                       <a:r>
-                        <a:t/>
-                      </a:r>
-                      <a:endParaRPr/>
-                    </a:p>
-                  </a:txBody>
-                  <a:tcPr marT="91425" marB="91425" marR="91425" marL="91425"/>
-                </a:tc>
-                <a:tc>
-                  <a:txBody>
-                    <a:bodyPr>
-                      <a:noAutofit/>
-                    </a:bodyPr>
-                    <a:lstStyle/>
-                    <a:p>
-                      <a:pPr indent="0" lvl="0" marL="0">
-                        <a:spcBef>
-                          <a:spcPts val="0"/>
-                        </a:spcBef>
-                        <a:spcAft>
-                          <a:spcPts val="0"/>
-                        </a:spcAft>
-                        <a:buNone/>
-                      </a:pPr>
-                      <a:r>
-                        <a:rPr b="1" lang="en"/>
+                        <a:rPr lang="en" b="1"/>
                         <a:t>Sahithi Pisupati</a:t>
                       </a:r>
                       <a:r>
@@ -7515,7 +7679,7 @@
                       <a:endParaRPr/>
                     </a:p>
                     <a:p>
-                      <a:pPr indent="0" lvl="0" marL="0">
+                      <a:pPr marL="0" lvl="0" indent="0">
                         <a:spcBef>
                           <a:spcPts val="0"/>
                         </a:spcBef>
@@ -7531,7 +7695,45 @@
                       <a:endParaRPr/>
                     </a:p>
                     <a:p>
-                      <a:pPr indent="0" lvl="0" marL="0">
+                      <a:pPr marL="0" lvl="0" indent="0">
+                        <a:spcBef>
+                          <a:spcPts val="0"/>
+                        </a:spcBef>
+                        <a:spcAft>
+                          <a:spcPts val="0"/>
+                        </a:spcAft>
+                        <a:buNone/>
+                      </a:pPr>
+                      <a:endParaRPr/>
+                    </a:p>
+                    <a:p>
+                      <a:pPr marL="0" lvl="0" indent="0">
+                        <a:spcBef>
+                          <a:spcPts val="0"/>
+                        </a:spcBef>
+                        <a:spcAft>
+                          <a:spcPts val="0"/>
+                        </a:spcAft>
+                        <a:buNone/>
+                      </a:pPr>
+                      <a:endParaRPr/>
+                    </a:p>
+                  </a:txBody>
+                  <a:tcPr marL="91425" marR="91425" marT="91425" marB="91425"/>
+                </a:tc>
+                <a:extLst>
+                  <a:ext uri="{0D108BD9-81ED-4DB2-BD59-A6C34878D82A}">
+                    <a16:rowId xmlns:a16="http://schemas.microsoft.com/office/drawing/2014/main" val="10001"/>
+                  </a:ext>
+                </a:extLst>
+              </a:tr>
+              <a:tr h="1171775">
+                <a:tc>
+                  <a:txBody>
+                    <a:bodyPr/>
+                    <a:lstStyle/>
+                    <a:p>
+                      <a:pPr marL="0" lvl="0" indent="0">
                         <a:spcBef>
                           <a:spcPts val="0"/>
                         </a:spcBef>
@@ -7541,48 +7743,7 @@
                         <a:buNone/>
                       </a:pPr>
                       <a:r>
-                        <a:t/>
-                      </a:r>
-                      <a:endParaRPr/>
-                    </a:p>
-                    <a:p>
-                      <a:pPr indent="0" lvl="0" marL="0">
-                        <a:spcBef>
-                          <a:spcPts val="0"/>
-                        </a:spcBef>
-                        <a:spcAft>
-                          <a:spcPts val="0"/>
-                        </a:spcAft>
-                        <a:buNone/>
-                      </a:pPr>
-                      <a:r>
-                        <a:t/>
-                      </a:r>
-                      <a:endParaRPr/>
-                    </a:p>
-                  </a:txBody>
-                  <a:tcPr marT="91425" marB="91425" marR="91425" marL="91425"/>
-                </a:tc>
-              </a:tr>
-              <a:tr h="1171775">
-                <a:tc>
-                  <a:txBody>
-                    <a:bodyPr>
-                      <a:noAutofit/>
-                    </a:bodyPr>
-                    <a:lstStyle/>
-                    <a:p>
-                      <a:pPr indent="0" lvl="0" marL="0">
-                        <a:spcBef>
-                          <a:spcPts val="0"/>
-                        </a:spcBef>
-                        <a:spcAft>
-                          <a:spcPts val="0"/>
-                        </a:spcAft>
-                        <a:buNone/>
-                      </a:pPr>
-                      <a:r>
-                        <a:rPr b="1" lang="en"/>
+                        <a:rPr lang="en" b="1"/>
                         <a:t>Victoria Young</a:t>
                       </a:r>
                       <a:r>
@@ -7592,7 +7753,7 @@
                       <a:endParaRPr/>
                     </a:p>
                     <a:p>
-                      <a:pPr indent="0" lvl="0" marL="0">
+                      <a:pPr marL="0" lvl="0" indent="0">
                         <a:spcBef>
                           <a:spcPts val="0"/>
                         </a:spcBef>
@@ -7608,7 +7769,7 @@
                       <a:endParaRPr/>
                     </a:p>
                     <a:p>
-                      <a:pPr indent="0" lvl="0" marL="0">
+                      <a:pPr marL="0" lvl="0" indent="0">
                         <a:spcBef>
                           <a:spcPts val="0"/>
                         </a:spcBef>
@@ -7617,22 +7778,17 @@
                         </a:spcAft>
                         <a:buNone/>
                       </a:pPr>
-                      <a:r>
-                        <a:t/>
-                      </a:r>
                       <a:endParaRPr/>
                     </a:p>
                   </a:txBody>
-                  <a:tcPr marT="91425" marB="91425" marR="91425" marL="91425"/>
+                  <a:tcPr marL="91425" marR="91425" marT="91425" marB="91425"/>
                 </a:tc>
                 <a:tc>
                   <a:txBody>
-                    <a:bodyPr>
-                      <a:noAutofit/>
-                    </a:bodyPr>
+                    <a:bodyPr/>
                     <a:lstStyle/>
                     <a:p>
-                      <a:pPr indent="0" lvl="0" marL="0">
+                      <a:pPr marL="0" lvl="0" indent="0">
                         <a:spcBef>
                           <a:spcPts val="0"/>
                         </a:spcBef>
@@ -7641,14 +7797,16 @@
                         </a:spcAft>
                         <a:buNone/>
                       </a:pPr>
-                      <a:r>
-                        <a:t/>
-                      </a:r>
-                      <a:endParaRPr/>
+                      <a:endParaRPr dirty="0"/>
                     </a:p>
                   </a:txBody>
-                  <a:tcPr marT="91425" marB="91425" marR="91425" marL="91425"/>
+                  <a:tcPr marL="91425" marR="91425" marT="91425" marB="91425"/>
                 </a:tc>
+                <a:extLst>
+                  <a:ext uri="{0D108BD9-81ED-4DB2-BD59-A6C34878D82A}">
+                    <a16:rowId xmlns:a16="http://schemas.microsoft.com/office/drawing/2014/main" val="10002"/>
+                  </a:ext>
+                </a:extLst>
               </a:tr>
             </a:tbl>
           </a:graphicData>
@@ -7664,7 +7822,7 @@
           <a:blip r:embed="rId3">
             <a:alphaModFix/>
           </a:blip>
-          <a:srcRect b="18828" l="24114" r="18221" t="12879"/>
+          <a:srcRect l="24114" t="12879" r="18221" b="18828"/>
           <a:stretch/>
         </p:blipFill>
         <p:spPr>
@@ -7691,7 +7849,7 @@
           <a:blip r:embed="rId4">
             <a:alphaModFix/>
           </a:blip>
-          <a:srcRect b="18267" l="6625" r="16332" t="0"/>
+          <a:srcRect l="6625" r="16332" b="18267"/>
           <a:stretch/>
         </p:blipFill>
         <p:spPr>
@@ -7718,7 +7876,7 @@
           <a:blip r:embed="rId5">
             <a:alphaModFix/>
           </a:blip>
-          <a:srcRect b="18611" l="3236" r="3236" t="5944"/>
+          <a:srcRect l="3236" t="5944" r="3236" b="18611"/>
           <a:stretch/>
         </p:blipFill>
         <p:spPr>
@@ -7763,6 +7921,36 @@
           </a:ln>
         </p:spPr>
       </p:pic>
+      <p:pic>
+        <p:nvPicPr>
+          <p:cNvPr id="3" name="Picture 2">
+            <a:extLst>
+              <a:ext uri="{FF2B5EF4-FFF2-40B4-BE49-F238E27FC236}">
+                <a16:creationId xmlns:a16="http://schemas.microsoft.com/office/drawing/2014/main" id="{437B7B10-C693-475F-8A5F-FE98579E612A}"/>
+              </a:ext>
+            </a:extLst>
+          </p:cNvPr>
+          <p:cNvPicPr>
+            <a:picLocks noChangeAspect="1"/>
+          </p:cNvPicPr>
+          <p:nvPr/>
+        </p:nvPicPr>
+        <p:blipFill>
+          <a:blip r:embed="rId7"/>
+          <a:stretch>
+            <a:fillRect/>
+          </a:stretch>
+        </p:blipFill>
+        <p:spPr>
+          <a:xfrm>
+            <a:off x="3387363" y="1457431"/>
+            <a:ext cx="720298" cy="603546"/>
+          </a:xfrm>
+          <a:prstGeom prst="rect">
+            <a:avLst/>
+          </a:prstGeom>
+        </p:spPr>
+      </p:pic>
     </p:spTree>
   </p:cSld>
   <p:clrMapOvr>
@@ -7772,11 +7960,11 @@
 </file>
 
 <file path=ppt/slides/slide3.xml><?xml version="1.0" encoding="utf-8"?>
-<p:sld xmlns:a="http://schemas.openxmlformats.org/drawingml/2006/main" xmlns:r="http://schemas.openxmlformats.org/officeDocument/2006/relationships" xmlns:mc="http://schemas.openxmlformats.org/markup-compatibility/2006" xmlns:mv="urn:schemas-microsoft-com:mac:vml" xmlns:p="http://schemas.openxmlformats.org/presentationml/2006/main" xmlns:c="http://schemas.openxmlformats.org/drawingml/2006/chart" xmlns:dgm="http://schemas.openxmlformats.org/drawingml/2006/diagram" xmlns:o="urn:schemas-microsoft-com:office:office" xmlns:v="urn:schemas-microsoft-com:vml" xmlns:pvml="urn:schemas-microsoft-com:office:powerpoint" xmlns:com="http://schemas.openxmlformats.org/drawingml/2006/compatibility" xmlns:p14="http://schemas.microsoft.com/office/powerpoint/2010/main" xmlns:p15="http://schemas.microsoft.com/office/powerpoint/2012/main">
+<p:sld xmlns:a="http://schemas.openxmlformats.org/drawingml/2006/main" xmlns:r="http://schemas.openxmlformats.org/officeDocument/2006/relationships" xmlns:p="http://schemas.openxmlformats.org/presentationml/2006/main">
   <p:cSld>
     <p:spTree>
       <p:nvGrpSpPr>
-        <p:cNvPr id="81" name="Shape 81"/>
+        <p:cNvPr id="1" name="Shape 81"/>
         <p:cNvGrpSpPr/>
         <p:nvPr/>
       </p:nvGrpSpPr>
@@ -7791,7 +7979,9 @@
       <p:sp>
         <p:nvSpPr>
           <p:cNvPr id="82" name="Shape 82"/>
-          <p:cNvSpPr txBox="1"/>
+          <p:cNvSpPr txBox="1">
+            <a:spLocks noGrp="1"/>
+          </p:cNvSpPr>
           <p:nvPr>
             <p:ph type="title"/>
           </p:nvPr>
@@ -7806,12 +7996,12 @@
           </a:prstGeom>
         </p:spPr>
         <p:txBody>
-          <a:bodyPr anchorCtr="0" anchor="t" bIns="91425" lIns="91425" spcFirstLastPara="1" rIns="91425" wrap="square" tIns="91425">
+          <a:bodyPr spcFirstLastPara="1" wrap="square" lIns="91425" tIns="91425" rIns="91425" bIns="91425" anchor="t" anchorCtr="0">
             <a:noAutofit/>
           </a:bodyPr>
           <a:lstStyle/>
           <a:p>
-            <a:pPr indent="0" lvl="0" marL="0" algn="ctr">
+            <a:pPr marL="0" lvl="0" indent="0" algn="ctr">
               <a:spcBef>
                 <a:spcPts val="0"/>
               </a:spcBef>
@@ -7831,9 +8021,11 @@
       <p:sp>
         <p:nvSpPr>
           <p:cNvPr id="83" name="Shape 83"/>
-          <p:cNvSpPr txBox="1"/>
+          <p:cNvSpPr txBox="1">
+            <a:spLocks noGrp="1"/>
+          </p:cNvSpPr>
           <p:nvPr>
-            <p:ph idx="1" type="body"/>
+            <p:ph type="body" idx="1"/>
           </p:nvPr>
         </p:nvSpPr>
         <p:spPr>
@@ -7846,12 +8038,12 @@
           </a:prstGeom>
         </p:spPr>
         <p:txBody>
-          <a:bodyPr anchorCtr="0" anchor="t" bIns="91425" lIns="91425" spcFirstLastPara="1" rIns="91425" wrap="square" tIns="91425">
+          <a:bodyPr spcFirstLastPara="1" wrap="square" lIns="91425" tIns="91425" rIns="91425" bIns="91425" anchor="t" anchorCtr="0">
             <a:noAutofit/>
           </a:bodyPr>
           <a:lstStyle/>
           <a:p>
-            <a:pPr indent="-342900" lvl="0" marL="457200" rtl="0">
+            <a:pPr marL="457200" lvl="0" indent="-342900" rtl="0">
               <a:spcBef>
                 <a:spcPts val="0"/>
               </a:spcBef>
@@ -7862,7 +8054,7 @@
               <a:buChar char="-"/>
             </a:pPr>
             <a:r>
-              <a:rPr b="1" lang="en"/>
+              <a:rPr lang="en" b="1"/>
               <a:t>Let’s face it:</a:t>
             </a:r>
             <a:r>
@@ -7872,7 +8064,7 @@
             <a:endParaRPr/>
           </a:p>
           <a:p>
-            <a:pPr indent="-342900" lvl="0" marL="457200">
+            <a:pPr marL="457200" lvl="0" indent="-342900">
               <a:spcBef>
                 <a:spcPts val="0"/>
               </a:spcBef>
@@ -7899,11 +8091,11 @@
 </file>
 
 <file path=ppt/slides/slide4.xml><?xml version="1.0" encoding="utf-8"?>
-<p:sld xmlns:a="http://schemas.openxmlformats.org/drawingml/2006/main" xmlns:r="http://schemas.openxmlformats.org/officeDocument/2006/relationships" xmlns:mc="http://schemas.openxmlformats.org/markup-compatibility/2006" xmlns:mv="urn:schemas-microsoft-com:mac:vml" xmlns:p="http://schemas.openxmlformats.org/presentationml/2006/main" xmlns:c="http://schemas.openxmlformats.org/drawingml/2006/chart" xmlns:dgm="http://schemas.openxmlformats.org/drawingml/2006/diagram" xmlns:o="urn:schemas-microsoft-com:office:office" xmlns:v="urn:schemas-microsoft-com:vml" xmlns:pvml="urn:schemas-microsoft-com:office:powerpoint" xmlns:com="http://schemas.openxmlformats.org/drawingml/2006/compatibility" xmlns:p14="http://schemas.microsoft.com/office/powerpoint/2010/main" xmlns:p15="http://schemas.microsoft.com/office/powerpoint/2012/main">
+<p:sld xmlns:a="http://schemas.openxmlformats.org/drawingml/2006/main" xmlns:r="http://schemas.openxmlformats.org/officeDocument/2006/relationships" xmlns:p="http://schemas.openxmlformats.org/presentationml/2006/main">
   <p:cSld>
     <p:spTree>
       <p:nvGrpSpPr>
-        <p:cNvPr id="87" name="Shape 87"/>
+        <p:cNvPr id="1" name="Shape 87"/>
         <p:cNvGrpSpPr/>
         <p:nvPr/>
       </p:nvGrpSpPr>
@@ -7918,7 +8110,9 @@
       <p:sp>
         <p:nvSpPr>
           <p:cNvPr id="88" name="Shape 88"/>
-          <p:cNvSpPr txBox="1"/>
+          <p:cNvSpPr txBox="1">
+            <a:spLocks noGrp="1"/>
+          </p:cNvSpPr>
           <p:nvPr>
             <p:ph type="title"/>
           </p:nvPr>
@@ -7933,12 +8127,12 @@
           </a:prstGeom>
         </p:spPr>
         <p:txBody>
-          <a:bodyPr anchorCtr="0" anchor="t" bIns="91425" lIns="91425" spcFirstLastPara="1" rIns="91425" wrap="square" tIns="91425">
+          <a:bodyPr spcFirstLastPara="1" wrap="square" lIns="91425" tIns="91425" rIns="91425" bIns="91425" anchor="t" anchorCtr="0">
             <a:noAutofit/>
           </a:bodyPr>
           <a:lstStyle/>
           <a:p>
-            <a:pPr indent="0" lvl="0" marL="0" algn="ctr">
+            <a:pPr marL="0" lvl="0" indent="0" algn="ctr">
               <a:spcBef>
                 <a:spcPts val="0"/>
               </a:spcBef>
@@ -7958,9 +8152,11 @@
       <p:sp>
         <p:nvSpPr>
           <p:cNvPr id="89" name="Shape 89"/>
-          <p:cNvSpPr txBox="1"/>
+          <p:cNvSpPr txBox="1">
+            <a:spLocks noGrp="1"/>
+          </p:cNvSpPr>
           <p:nvPr>
-            <p:ph idx="1" type="body"/>
+            <p:ph type="body" idx="1"/>
           </p:nvPr>
         </p:nvSpPr>
         <p:spPr>
@@ -7973,12 +8169,12 @@
           </a:prstGeom>
         </p:spPr>
         <p:txBody>
-          <a:bodyPr anchorCtr="0" anchor="t" bIns="91425" lIns="91425" spcFirstLastPara="1" rIns="91425" wrap="square" tIns="91425">
+          <a:bodyPr spcFirstLastPara="1" wrap="square" lIns="91425" tIns="91425" rIns="91425" bIns="91425" anchor="t" anchorCtr="0">
             <a:noAutofit/>
           </a:bodyPr>
           <a:lstStyle/>
           <a:p>
-            <a:pPr indent="0" lvl="0" marL="0" rtl="0">
+            <a:pPr marL="0" lvl="0" indent="0" rtl="0">
               <a:spcBef>
                 <a:spcPts val="0"/>
               </a:spcBef>
@@ -7988,13 +8184,13 @@
               <a:buNone/>
             </a:pPr>
             <a:r>
-              <a:rPr b="1" lang="en"/>
+              <a:rPr lang="en" b="1"/>
               <a:t>Deliverables: A mobile application (Android) with...</a:t>
             </a:r>
             <a:endParaRPr b="1"/>
           </a:p>
           <a:p>
-            <a:pPr indent="0" lvl="0" marL="0" rtl="0">
+            <a:pPr marL="0" lvl="0" indent="0" rtl="0">
               <a:spcBef>
                 <a:spcPts val="1600"/>
               </a:spcBef>
@@ -8010,7 +8206,7 @@
             <a:endParaRPr/>
           </a:p>
           <a:p>
-            <a:pPr indent="0" lvl="0" marL="0" rtl="0">
+            <a:pPr marL="0" lvl="0" indent="0" rtl="0">
               <a:spcBef>
                 <a:spcPts val="1600"/>
               </a:spcBef>
@@ -8026,7 +8222,7 @@
             <a:endParaRPr/>
           </a:p>
           <a:p>
-            <a:pPr indent="0" lvl="0" marL="0" rtl="0">
+            <a:pPr marL="0" lvl="0" indent="0" rtl="0">
               <a:spcBef>
                 <a:spcPts val="1600"/>
               </a:spcBef>
@@ -8042,7 +8238,7 @@
             <a:endParaRPr/>
           </a:p>
           <a:p>
-            <a:pPr indent="0" lvl="0" marL="0" rtl="0">
+            <a:pPr marL="0" lvl="0" indent="0" rtl="0">
               <a:spcBef>
                 <a:spcPts val="1600"/>
               </a:spcBef>
@@ -8051,9 +8247,6 @@
               </a:spcAft>
               <a:buNone/>
             </a:pPr>
-            <a:r>
-              <a:t/>
-            </a:r>
             <a:endParaRPr/>
           </a:p>
         </p:txBody>
@@ -8067,11 +8260,11 @@
 </file>
 
 <file path=ppt/slides/slide5.xml><?xml version="1.0" encoding="utf-8"?>
-<p:sld xmlns:a="http://schemas.openxmlformats.org/drawingml/2006/main" xmlns:r="http://schemas.openxmlformats.org/officeDocument/2006/relationships" xmlns:mc="http://schemas.openxmlformats.org/markup-compatibility/2006" xmlns:mv="urn:schemas-microsoft-com:mac:vml" xmlns:p="http://schemas.openxmlformats.org/presentationml/2006/main" xmlns:c="http://schemas.openxmlformats.org/drawingml/2006/chart" xmlns:dgm="http://schemas.openxmlformats.org/drawingml/2006/diagram" xmlns:o="urn:schemas-microsoft-com:office:office" xmlns:v="urn:schemas-microsoft-com:vml" xmlns:pvml="urn:schemas-microsoft-com:office:powerpoint" xmlns:com="http://schemas.openxmlformats.org/drawingml/2006/compatibility" xmlns:p14="http://schemas.microsoft.com/office/powerpoint/2010/main" xmlns:p15="http://schemas.microsoft.com/office/powerpoint/2012/main">
+<p:sld xmlns:a="http://schemas.openxmlformats.org/drawingml/2006/main" xmlns:r="http://schemas.openxmlformats.org/officeDocument/2006/relationships" xmlns:p="http://schemas.openxmlformats.org/presentationml/2006/main">
   <p:cSld>
     <p:spTree>
       <p:nvGrpSpPr>
-        <p:cNvPr id="93" name="Shape 93"/>
+        <p:cNvPr id="1" name="Shape 93"/>
         <p:cNvGrpSpPr/>
         <p:nvPr/>
       </p:nvGrpSpPr>
@@ -8086,7 +8279,9 @@
       <p:sp>
         <p:nvSpPr>
           <p:cNvPr id="94" name="Shape 94"/>
-          <p:cNvSpPr txBox="1"/>
+          <p:cNvSpPr txBox="1">
+            <a:spLocks noGrp="1"/>
+          </p:cNvSpPr>
           <p:nvPr>
             <p:ph type="title"/>
           </p:nvPr>
@@ -8101,12 +8296,12 @@
           </a:prstGeom>
         </p:spPr>
         <p:txBody>
-          <a:bodyPr anchorCtr="0" anchor="t" bIns="91425" lIns="91425" spcFirstLastPara="1" rIns="91425" wrap="square" tIns="91425">
+          <a:bodyPr spcFirstLastPara="1" wrap="square" lIns="91425" tIns="91425" rIns="91425" bIns="91425" anchor="t" anchorCtr="0">
             <a:noAutofit/>
           </a:bodyPr>
           <a:lstStyle/>
           <a:p>
-            <a:pPr indent="0" lvl="0" marL="0" algn="ctr">
+            <a:pPr marL="0" lvl="0" indent="0" algn="ctr">
               <a:spcBef>
                 <a:spcPts val="0"/>
               </a:spcBef>
@@ -8160,11 +8355,11 @@
 </file>
 
 <file path=ppt/slides/slide6.xml><?xml version="1.0" encoding="utf-8"?>
-<p:sld xmlns:a="http://schemas.openxmlformats.org/drawingml/2006/main" xmlns:r="http://schemas.openxmlformats.org/officeDocument/2006/relationships" xmlns:mc="http://schemas.openxmlformats.org/markup-compatibility/2006" xmlns:mv="urn:schemas-microsoft-com:mac:vml" xmlns:p="http://schemas.openxmlformats.org/presentationml/2006/main" xmlns:c="http://schemas.openxmlformats.org/drawingml/2006/chart" xmlns:dgm="http://schemas.openxmlformats.org/drawingml/2006/diagram" xmlns:o="urn:schemas-microsoft-com:office:office" xmlns:v="urn:schemas-microsoft-com:vml" xmlns:pvml="urn:schemas-microsoft-com:office:powerpoint" xmlns:com="http://schemas.openxmlformats.org/drawingml/2006/compatibility" xmlns:p14="http://schemas.microsoft.com/office/powerpoint/2010/main" xmlns:p15="http://schemas.microsoft.com/office/powerpoint/2012/main">
+<p:sld xmlns:a="http://schemas.openxmlformats.org/drawingml/2006/main" xmlns:r="http://schemas.openxmlformats.org/officeDocument/2006/relationships" xmlns:p="http://schemas.openxmlformats.org/presentationml/2006/main">
   <p:cSld>
     <p:spTree>
       <p:nvGrpSpPr>
-        <p:cNvPr id="99" name="Shape 99"/>
+        <p:cNvPr id="1" name="Shape 99"/>
         <p:cNvGrpSpPr/>
         <p:nvPr/>
       </p:nvGrpSpPr>
@@ -8179,7 +8374,9 @@
       <p:sp>
         <p:nvSpPr>
           <p:cNvPr id="100" name="Shape 100"/>
-          <p:cNvSpPr txBox="1"/>
+          <p:cNvSpPr txBox="1">
+            <a:spLocks noGrp="1"/>
+          </p:cNvSpPr>
           <p:nvPr>
             <p:ph type="title"/>
           </p:nvPr>
@@ -8194,12 +8391,12 @@
           </a:prstGeom>
         </p:spPr>
         <p:txBody>
-          <a:bodyPr anchorCtr="0" anchor="t" bIns="91425" lIns="91425" spcFirstLastPara="1" rIns="91425" wrap="square" tIns="91425">
+          <a:bodyPr spcFirstLastPara="1" wrap="square" lIns="91425" tIns="91425" rIns="91425" bIns="91425" anchor="t" anchorCtr="0">
             <a:noAutofit/>
           </a:bodyPr>
           <a:lstStyle/>
           <a:p>
-            <a:pPr indent="0" lvl="0" marL="0" algn="ctr">
+            <a:pPr marL="0" lvl="0" indent="0" algn="ctr">
               <a:spcBef>
                 <a:spcPts val="0"/>
               </a:spcBef>
@@ -8219,9 +8416,11 @@
       <p:sp>
         <p:nvSpPr>
           <p:cNvPr id="101" name="Shape 101"/>
-          <p:cNvSpPr txBox="1"/>
+          <p:cNvSpPr txBox="1">
+            <a:spLocks noGrp="1"/>
+          </p:cNvSpPr>
           <p:nvPr>
-            <p:ph idx="1" type="body"/>
+            <p:ph type="body" idx="1"/>
           </p:nvPr>
         </p:nvSpPr>
         <p:spPr>
@@ -8234,12 +8433,12 @@
           </a:prstGeom>
         </p:spPr>
         <p:txBody>
-          <a:bodyPr anchorCtr="0" anchor="t" bIns="91425" lIns="91425" spcFirstLastPara="1" rIns="91425" wrap="square" tIns="91425">
+          <a:bodyPr spcFirstLastPara="1" wrap="square" lIns="91425" tIns="91425" rIns="91425" bIns="91425" anchor="t" anchorCtr="0">
             <a:noAutofit/>
           </a:bodyPr>
           <a:lstStyle/>
           <a:p>
-            <a:pPr indent="0" lvl="0" marL="0">
+            <a:pPr marL="0" lvl="0" indent="0">
               <a:spcBef>
                 <a:spcPts val="0"/>
               </a:spcBef>
@@ -8249,7 +8448,7 @@
               <a:buNone/>
             </a:pPr>
             <a:r>
-              <a:rPr b="1" lang="en"/>
+              <a:rPr lang="en" b="1"/>
               <a:t>Funding: </a:t>
             </a:r>
             <a:r>
@@ -8259,7 +8458,7 @@
             <a:endParaRPr/>
           </a:p>
           <a:p>
-            <a:pPr indent="0" lvl="0" marL="0">
+            <a:pPr marL="0" lvl="0" indent="0">
               <a:spcBef>
                 <a:spcPts val="1600"/>
               </a:spcBef>
@@ -8269,7 +8468,7 @@
               <a:buNone/>
             </a:pPr>
             <a:r>
-              <a:rPr b="1" lang="en"/>
+              <a:rPr lang="en" b="1"/>
               <a:t>Personnel: </a:t>
             </a:r>
             <a:r>
@@ -8289,11 +8488,11 @@
 </file>
 
 <file path=ppt/slides/slide7.xml><?xml version="1.0" encoding="utf-8"?>
-<p:sld xmlns:a="http://schemas.openxmlformats.org/drawingml/2006/main" xmlns:r="http://schemas.openxmlformats.org/officeDocument/2006/relationships" xmlns:mc="http://schemas.openxmlformats.org/markup-compatibility/2006" xmlns:mv="urn:schemas-microsoft-com:mac:vml" xmlns:p="http://schemas.openxmlformats.org/presentationml/2006/main" xmlns:c="http://schemas.openxmlformats.org/drawingml/2006/chart" xmlns:dgm="http://schemas.openxmlformats.org/drawingml/2006/diagram" xmlns:o="urn:schemas-microsoft-com:office:office" xmlns:v="urn:schemas-microsoft-com:vml" xmlns:pvml="urn:schemas-microsoft-com:office:powerpoint" xmlns:com="http://schemas.openxmlformats.org/drawingml/2006/compatibility" xmlns:p14="http://schemas.microsoft.com/office/powerpoint/2010/main" xmlns:p15="http://schemas.microsoft.com/office/powerpoint/2012/main">
+<p:sld xmlns:a="http://schemas.openxmlformats.org/drawingml/2006/main" xmlns:r="http://schemas.openxmlformats.org/officeDocument/2006/relationships" xmlns:p="http://schemas.openxmlformats.org/presentationml/2006/main">
   <p:cSld>
     <p:spTree>
       <p:nvGrpSpPr>
-        <p:cNvPr id="105" name="Shape 105"/>
+        <p:cNvPr id="1" name="Shape 105"/>
         <p:cNvGrpSpPr/>
         <p:nvPr/>
       </p:nvGrpSpPr>
@@ -8308,7 +8507,9 @@
       <p:sp>
         <p:nvSpPr>
           <p:cNvPr id="106" name="Shape 106"/>
-          <p:cNvSpPr txBox="1"/>
+          <p:cNvSpPr txBox="1">
+            <a:spLocks noGrp="1"/>
+          </p:cNvSpPr>
           <p:nvPr>
             <p:ph type="title"/>
           </p:nvPr>
@@ -8323,12 +8524,12 @@
           </a:prstGeom>
         </p:spPr>
         <p:txBody>
-          <a:bodyPr anchorCtr="0" anchor="t" bIns="91425" lIns="91425" spcFirstLastPara="1" rIns="91425" wrap="square" tIns="91425">
+          <a:bodyPr spcFirstLastPara="1" wrap="square" lIns="91425" tIns="91425" rIns="91425" bIns="91425" anchor="t" anchorCtr="0">
             <a:noAutofit/>
           </a:bodyPr>
           <a:lstStyle/>
           <a:p>
-            <a:pPr indent="0" lvl="0" marL="0" algn="ctr">
+            <a:pPr marL="0" lvl="0" indent="0" algn="ctr">
               <a:spcBef>
                 <a:spcPts val="0"/>
               </a:spcBef>
@@ -8353,7 +8554,7 @@
         </p:nvGraphicFramePr>
         <p:xfrm>
           <a:off x="952500" y="707400"/>
-          <a:ext cx="3000000" cy="3000000"/>
+          <a:ext cx="7239000" cy="4161020"/>
         </p:xfrm>
         <a:graphic>
           <a:graphicData uri="http://schemas.openxmlformats.org/drawingml/2006/table">
@@ -8363,21 +8564,49 @@
                 <a:tableStyleId>{6F2AC940-87D5-450F-8F17-59BCB25C8092}</a:tableStyleId>
               </a:tblPr>
               <a:tblGrid>
-                <a:gridCol w="2254075"/>
-                <a:gridCol w="1475600"/>
-                <a:gridCol w="1058550"/>
-                <a:gridCol w="1308800"/>
-                <a:gridCol w="1141975"/>
+                <a:gridCol w="2254075">
+                  <a:extLst>
+                    <a:ext uri="{9D8B030D-6E8A-4147-A177-3AD203B41FA5}">
+                      <a16:colId xmlns:a16="http://schemas.microsoft.com/office/drawing/2014/main" val="20000"/>
+                    </a:ext>
+                  </a:extLst>
+                </a:gridCol>
+                <a:gridCol w="1475600">
+                  <a:extLst>
+                    <a:ext uri="{9D8B030D-6E8A-4147-A177-3AD203B41FA5}">
+                      <a16:colId xmlns:a16="http://schemas.microsoft.com/office/drawing/2014/main" val="20001"/>
+                    </a:ext>
+                  </a:extLst>
+                </a:gridCol>
+                <a:gridCol w="1058550">
+                  <a:extLst>
+                    <a:ext uri="{9D8B030D-6E8A-4147-A177-3AD203B41FA5}">
+                      <a16:colId xmlns:a16="http://schemas.microsoft.com/office/drawing/2014/main" val="20002"/>
+                    </a:ext>
+                  </a:extLst>
+                </a:gridCol>
+                <a:gridCol w="1308800">
+                  <a:extLst>
+                    <a:ext uri="{9D8B030D-6E8A-4147-A177-3AD203B41FA5}">
+                      <a16:colId xmlns:a16="http://schemas.microsoft.com/office/drawing/2014/main" val="20003"/>
+                    </a:ext>
+                  </a:extLst>
+                </a:gridCol>
+                <a:gridCol w="1141975">
+                  <a:extLst>
+                    <a:ext uri="{9D8B030D-6E8A-4147-A177-3AD203B41FA5}">
+                      <a16:colId xmlns:a16="http://schemas.microsoft.com/office/drawing/2014/main" val="20004"/>
+                    </a:ext>
+                  </a:extLst>
+                </a:gridCol>
               </a:tblGrid>
               <a:tr h="503600">
                 <a:tc>
                   <a:txBody>
-                    <a:bodyPr>
-                      <a:noAutofit/>
-                    </a:bodyPr>
+                    <a:bodyPr/>
                     <a:lstStyle/>
                     <a:p>
-                      <a:pPr indent="0" lvl="0" marL="0">
+                      <a:pPr marL="0" lvl="0" indent="0">
                         <a:spcBef>
                           <a:spcPts val="0"/>
                         </a:spcBef>
@@ -8386,22 +8615,17 @@
                         </a:spcAft>
                         <a:buNone/>
                       </a:pPr>
-                      <a:r>
-                        <a:t/>
-                      </a:r>
                       <a:endParaRPr/>
                     </a:p>
                   </a:txBody>
-                  <a:tcPr marT="91425" marB="91425" marR="91425" marL="91425"/>
+                  <a:tcPr marL="91425" marR="91425" marT="91425" marB="91425"/>
                 </a:tc>
                 <a:tc>
                   <a:txBody>
-                    <a:bodyPr>
-                      <a:noAutofit/>
-                    </a:bodyPr>
+                    <a:bodyPr/>
                     <a:lstStyle/>
                     <a:p>
-                      <a:pPr indent="0" lvl="0" marL="0">
+                      <a:pPr marL="0" lvl="0" indent="0">
                         <a:spcBef>
                           <a:spcPts val="0"/>
                         </a:spcBef>
@@ -8417,16 +8641,14 @@
                       <a:endParaRPr/>
                     </a:p>
                   </a:txBody>
-                  <a:tcPr marT="91425" marB="91425" marR="91425" marL="91425"/>
+                  <a:tcPr marL="91425" marR="91425" marT="91425" marB="91425"/>
                 </a:tc>
                 <a:tc>
                   <a:txBody>
-                    <a:bodyPr>
-                      <a:noAutofit/>
-                    </a:bodyPr>
+                    <a:bodyPr/>
                     <a:lstStyle/>
                     <a:p>
-                      <a:pPr indent="0" lvl="0" marL="0">
+                      <a:pPr marL="0" lvl="0" indent="0">
                         <a:spcBef>
                           <a:spcPts val="0"/>
                         </a:spcBef>
@@ -8442,16 +8664,14 @@
                       <a:endParaRPr/>
                     </a:p>
                   </a:txBody>
-                  <a:tcPr marT="91425" marB="91425" marR="91425" marL="91425"/>
+                  <a:tcPr marL="91425" marR="91425" marT="91425" marB="91425"/>
                 </a:tc>
                 <a:tc>
                   <a:txBody>
-                    <a:bodyPr>
-                      <a:noAutofit/>
-                    </a:bodyPr>
+                    <a:bodyPr/>
                     <a:lstStyle/>
                     <a:p>
-                      <a:pPr indent="0" lvl="0" marL="0">
+                      <a:pPr marL="0" lvl="0" indent="0">
                         <a:spcBef>
                           <a:spcPts val="0"/>
                         </a:spcBef>
@@ -8467,16 +8687,14 @@
                       <a:endParaRPr/>
                     </a:p>
                   </a:txBody>
-                  <a:tcPr marT="91425" marB="91425" marR="91425" marL="91425"/>
+                  <a:tcPr marL="91425" marR="91425" marT="91425" marB="91425"/>
                 </a:tc>
                 <a:tc>
                   <a:txBody>
-                    <a:bodyPr>
-                      <a:noAutofit/>
-                    </a:bodyPr>
+                    <a:bodyPr/>
                     <a:lstStyle/>
                     <a:p>
-                      <a:pPr indent="0" lvl="0" marL="0">
+                      <a:pPr marL="0" lvl="0" indent="0">
                         <a:spcBef>
                           <a:spcPts val="0"/>
                         </a:spcBef>
@@ -8492,18 +8710,21 @@
                       <a:endParaRPr/>
                     </a:p>
                   </a:txBody>
-                  <a:tcPr marT="91425" marB="91425" marR="91425" marL="91425"/>
+                  <a:tcPr marL="91425" marR="91425" marT="91425" marB="91425"/>
                 </a:tc>
+                <a:extLst>
+                  <a:ext uri="{0D108BD9-81ED-4DB2-BD59-A6C34878D82A}">
+                    <a16:rowId xmlns:a16="http://schemas.microsoft.com/office/drawing/2014/main" val="10000"/>
+                  </a:ext>
+                </a:extLst>
               </a:tr>
               <a:tr h="503600">
                 <a:tc>
                   <a:txBody>
-                    <a:bodyPr>
-                      <a:noAutofit/>
-                    </a:bodyPr>
+                    <a:bodyPr/>
                     <a:lstStyle/>
                     <a:p>
-                      <a:pPr indent="0" lvl="0" marL="0" rtl="0">
+                      <a:pPr marL="0" lvl="0" indent="0" rtl="0">
                         <a:spcBef>
                           <a:spcPts val="0"/>
                         </a:spcBef>
@@ -8519,16 +8740,14 @@
                       <a:endParaRPr/>
                     </a:p>
                   </a:txBody>
-                  <a:tcPr marT="91425" marB="91425" marR="91425" marL="91425"/>
+                  <a:tcPr marL="91425" marR="91425" marT="91425" marB="91425"/>
                 </a:tc>
                 <a:tc>
                   <a:txBody>
-                    <a:bodyPr>
-                      <a:noAutofit/>
-                    </a:bodyPr>
+                    <a:bodyPr/>
                     <a:lstStyle/>
                     <a:p>
-                      <a:pPr indent="0" lvl="0" marL="0" rtl="0">
+                      <a:pPr marL="0" lvl="0" indent="0" rtl="0">
                         <a:spcBef>
                           <a:spcPts val="0"/>
                         </a:spcBef>
@@ -8544,16 +8763,14 @@
                       <a:endParaRPr/>
                     </a:p>
                   </a:txBody>
-                  <a:tcPr marT="91425" marB="91425" marR="91425" marL="91425"/>
+                  <a:tcPr marL="91425" marR="91425" marT="91425" marB="91425"/>
                 </a:tc>
                 <a:tc>
                   <a:txBody>
-                    <a:bodyPr>
-                      <a:noAutofit/>
-                    </a:bodyPr>
+                    <a:bodyPr/>
                     <a:lstStyle/>
                     <a:p>
-                      <a:pPr indent="0" lvl="0" marL="0" rtl="0">
+                      <a:pPr marL="0" lvl="0" indent="0" rtl="0">
                         <a:spcBef>
                           <a:spcPts val="0"/>
                         </a:spcBef>
@@ -8562,22 +8779,17 @@
                         </a:spcAft>
                         <a:buNone/>
                       </a:pPr>
-                      <a:r>
-                        <a:t/>
-                      </a:r>
                       <a:endParaRPr/>
                     </a:p>
                   </a:txBody>
-                  <a:tcPr marT="91425" marB="91425" marR="91425" marL="91425"/>
+                  <a:tcPr marL="91425" marR="91425" marT="91425" marB="91425"/>
                 </a:tc>
                 <a:tc>
                   <a:txBody>
-                    <a:bodyPr>
-                      <a:noAutofit/>
-                    </a:bodyPr>
+                    <a:bodyPr/>
                     <a:lstStyle/>
                     <a:p>
-                      <a:pPr indent="0" lvl="0" marL="0" rtl="0">
+                      <a:pPr marL="0" lvl="0" indent="0" rtl="0">
                         <a:spcBef>
                           <a:spcPts val="0"/>
                         </a:spcBef>
@@ -8586,22 +8798,17 @@
                         </a:spcAft>
                         <a:buNone/>
                       </a:pPr>
-                      <a:r>
-                        <a:t/>
-                      </a:r>
                       <a:endParaRPr/>
                     </a:p>
                   </a:txBody>
-                  <a:tcPr marT="91425" marB="91425" marR="91425" marL="91425"/>
+                  <a:tcPr marL="91425" marR="91425" marT="91425" marB="91425"/>
                 </a:tc>
                 <a:tc>
                   <a:txBody>
-                    <a:bodyPr>
-                      <a:noAutofit/>
-                    </a:bodyPr>
+                    <a:bodyPr/>
                     <a:lstStyle/>
                     <a:p>
-                      <a:pPr indent="0" lvl="0" marL="0" rtl="0">
+                      <a:pPr marL="0" lvl="0" indent="0" rtl="0">
                         <a:spcBef>
                           <a:spcPts val="0"/>
                         </a:spcBef>
@@ -8610,24 +8817,24 @@
                         </a:spcAft>
                         <a:buNone/>
                       </a:pPr>
-                      <a:r>
-                        <a:t/>
-                      </a:r>
                       <a:endParaRPr/>
                     </a:p>
                   </a:txBody>
-                  <a:tcPr marT="91425" marB="91425" marR="91425" marL="91425"/>
+                  <a:tcPr marL="91425" marR="91425" marT="91425" marB="91425"/>
                 </a:tc>
+                <a:extLst>
+                  <a:ext uri="{0D108BD9-81ED-4DB2-BD59-A6C34878D82A}">
+                    <a16:rowId xmlns:a16="http://schemas.microsoft.com/office/drawing/2014/main" val="10001"/>
+                  </a:ext>
+                </a:extLst>
               </a:tr>
               <a:tr h="381000">
                 <a:tc>
                   <a:txBody>
-                    <a:bodyPr>
-                      <a:noAutofit/>
-                    </a:bodyPr>
+                    <a:bodyPr/>
                     <a:lstStyle/>
                     <a:p>
-                      <a:pPr indent="0" lvl="0" marL="0">
+                      <a:pPr marL="0" lvl="0" indent="0">
                         <a:spcBef>
                           <a:spcPts val="0"/>
                         </a:spcBef>
@@ -8643,16 +8850,14 @@
                       <a:endParaRPr/>
                     </a:p>
                   </a:txBody>
-                  <a:tcPr marT="91425" marB="91425" marR="91425" marL="91425"/>
+                  <a:tcPr marL="91425" marR="91425" marT="91425" marB="91425"/>
                 </a:tc>
                 <a:tc>
                   <a:txBody>
-                    <a:bodyPr>
-                      <a:noAutofit/>
-                    </a:bodyPr>
+                    <a:bodyPr/>
                     <a:lstStyle/>
                     <a:p>
-                      <a:pPr indent="0" lvl="0" marL="0">
+                      <a:pPr marL="0" lvl="0" indent="0">
                         <a:spcBef>
                           <a:spcPts val="0"/>
                         </a:spcBef>
@@ -8668,16 +8873,14 @@
                       <a:endParaRPr/>
                     </a:p>
                   </a:txBody>
-                  <a:tcPr marT="91425" marB="91425" marR="91425" marL="91425"/>
+                  <a:tcPr marL="91425" marR="91425" marT="91425" marB="91425"/>
                 </a:tc>
                 <a:tc>
                   <a:txBody>
-                    <a:bodyPr>
-                      <a:noAutofit/>
-                    </a:bodyPr>
+                    <a:bodyPr/>
                     <a:lstStyle/>
                     <a:p>
-                      <a:pPr indent="0" lvl="0" marL="0">
+                      <a:pPr marL="0" lvl="0" indent="0">
                         <a:spcBef>
                           <a:spcPts val="0"/>
                         </a:spcBef>
@@ -8686,22 +8889,17 @@
                         </a:spcAft>
                         <a:buNone/>
                       </a:pPr>
-                      <a:r>
-                        <a:t/>
-                      </a:r>
                       <a:endParaRPr/>
                     </a:p>
                   </a:txBody>
-                  <a:tcPr marT="91425" marB="91425" marR="91425" marL="91425"/>
+                  <a:tcPr marL="91425" marR="91425" marT="91425" marB="91425"/>
                 </a:tc>
                 <a:tc>
                   <a:txBody>
-                    <a:bodyPr>
-                      <a:noAutofit/>
-                    </a:bodyPr>
+                    <a:bodyPr/>
                     <a:lstStyle/>
                     <a:p>
-                      <a:pPr indent="0" lvl="0" marL="0">
+                      <a:pPr marL="0" lvl="0" indent="0">
                         <a:spcBef>
                           <a:spcPts val="0"/>
                         </a:spcBef>
@@ -8710,22 +8908,17 @@
                         </a:spcAft>
                         <a:buNone/>
                       </a:pPr>
-                      <a:r>
-                        <a:t/>
-                      </a:r>
                       <a:endParaRPr/>
                     </a:p>
                   </a:txBody>
-                  <a:tcPr marT="91425" marB="91425" marR="91425" marL="91425"/>
+                  <a:tcPr marL="91425" marR="91425" marT="91425" marB="91425"/>
                 </a:tc>
                 <a:tc>
                   <a:txBody>
-                    <a:bodyPr>
-                      <a:noAutofit/>
-                    </a:bodyPr>
+                    <a:bodyPr/>
                     <a:lstStyle/>
                     <a:p>
-                      <a:pPr indent="0" lvl="0" marL="0">
+                      <a:pPr marL="0" lvl="0" indent="0">
                         <a:spcBef>
                           <a:spcPts val="0"/>
                         </a:spcBef>
@@ -8734,24 +8927,24 @@
                         </a:spcAft>
                         <a:buNone/>
                       </a:pPr>
-                      <a:r>
-                        <a:t/>
-                      </a:r>
                       <a:endParaRPr/>
                     </a:p>
                   </a:txBody>
-                  <a:tcPr marT="91425" marB="91425" marR="91425" marL="91425"/>
+                  <a:tcPr marL="91425" marR="91425" marT="91425" marB="91425"/>
                 </a:tc>
+                <a:extLst>
+                  <a:ext uri="{0D108BD9-81ED-4DB2-BD59-A6C34878D82A}">
+                    <a16:rowId xmlns:a16="http://schemas.microsoft.com/office/drawing/2014/main" val="10002"/>
+                  </a:ext>
+                </a:extLst>
               </a:tr>
               <a:tr h="381000">
                 <a:tc>
                   <a:txBody>
-                    <a:bodyPr>
-                      <a:noAutofit/>
-                    </a:bodyPr>
+                    <a:bodyPr/>
                     <a:lstStyle/>
                     <a:p>
-                      <a:pPr indent="0" lvl="0" marL="0">
+                      <a:pPr marL="0" lvl="0" indent="0">
                         <a:spcBef>
                           <a:spcPts val="0"/>
                         </a:spcBef>
@@ -8767,16 +8960,14 @@
                       <a:endParaRPr/>
                     </a:p>
                   </a:txBody>
-                  <a:tcPr marT="91425" marB="91425" marR="91425" marL="91425"/>
+                  <a:tcPr marL="91425" marR="91425" marT="91425" marB="91425"/>
                 </a:tc>
                 <a:tc>
                   <a:txBody>
-                    <a:bodyPr>
-                      <a:noAutofit/>
-                    </a:bodyPr>
+                    <a:bodyPr/>
                     <a:lstStyle/>
                     <a:p>
-                      <a:pPr indent="0" lvl="0" marL="0">
+                      <a:pPr marL="0" lvl="0" indent="0">
                         <a:spcBef>
                           <a:spcPts val="0"/>
                         </a:spcBef>
@@ -8792,16 +8983,14 @@
                       <a:endParaRPr/>
                     </a:p>
                   </a:txBody>
-                  <a:tcPr marT="91425" marB="91425" marR="91425" marL="91425"/>
+                  <a:tcPr marL="91425" marR="91425" marT="91425" marB="91425"/>
                 </a:tc>
                 <a:tc>
                   <a:txBody>
-                    <a:bodyPr>
-                      <a:noAutofit/>
-                    </a:bodyPr>
+                    <a:bodyPr/>
                     <a:lstStyle/>
                     <a:p>
-                      <a:pPr indent="0" lvl="0" marL="0">
+                      <a:pPr marL="0" lvl="0" indent="0">
                         <a:spcBef>
                           <a:spcPts val="0"/>
                         </a:spcBef>
@@ -8817,16 +9006,14 @@
                       <a:endParaRPr/>
                     </a:p>
                   </a:txBody>
-                  <a:tcPr marT="91425" marB="91425" marR="91425" marL="91425"/>
+                  <a:tcPr marL="91425" marR="91425" marT="91425" marB="91425"/>
                 </a:tc>
                 <a:tc>
                   <a:txBody>
-                    <a:bodyPr>
-                      <a:noAutofit/>
-                    </a:bodyPr>
+                    <a:bodyPr/>
                     <a:lstStyle/>
                     <a:p>
-                      <a:pPr indent="0" lvl="0" marL="0">
+                      <a:pPr marL="0" lvl="0" indent="0">
                         <a:spcBef>
                           <a:spcPts val="0"/>
                         </a:spcBef>
@@ -8842,16 +9029,14 @@
                       <a:endParaRPr/>
                     </a:p>
                   </a:txBody>
-                  <a:tcPr marT="91425" marB="91425" marR="91425" marL="91425"/>
+                  <a:tcPr marL="91425" marR="91425" marT="91425" marB="91425"/>
                 </a:tc>
                 <a:tc>
                   <a:txBody>
-                    <a:bodyPr>
-                      <a:noAutofit/>
-                    </a:bodyPr>
+                    <a:bodyPr/>
                     <a:lstStyle/>
                     <a:p>
-                      <a:pPr indent="0" lvl="0" marL="0">
+                      <a:pPr marL="0" lvl="0" indent="0">
                         <a:spcBef>
                           <a:spcPts val="0"/>
                         </a:spcBef>
@@ -8860,24 +9045,24 @@
                         </a:spcAft>
                         <a:buNone/>
                       </a:pPr>
-                      <a:r>
-                        <a:t/>
-                      </a:r>
                       <a:endParaRPr/>
                     </a:p>
                   </a:txBody>
-                  <a:tcPr marT="91425" marB="91425" marR="91425" marL="91425"/>
+                  <a:tcPr marL="91425" marR="91425" marT="91425" marB="91425"/>
                 </a:tc>
+                <a:extLst>
+                  <a:ext uri="{0D108BD9-81ED-4DB2-BD59-A6C34878D82A}">
+                    <a16:rowId xmlns:a16="http://schemas.microsoft.com/office/drawing/2014/main" val="10003"/>
+                  </a:ext>
+                </a:extLst>
               </a:tr>
               <a:tr h="381000">
                 <a:tc>
                   <a:txBody>
-                    <a:bodyPr>
-                      <a:noAutofit/>
-                    </a:bodyPr>
+                    <a:bodyPr/>
                     <a:lstStyle/>
                     <a:p>
-                      <a:pPr indent="0" lvl="0" marL="0">
+                      <a:pPr marL="0" lvl="0" indent="0">
                         <a:spcBef>
                           <a:spcPts val="0"/>
                         </a:spcBef>
@@ -8893,16 +9078,14 @@
                       <a:endParaRPr/>
                     </a:p>
                   </a:txBody>
-                  <a:tcPr marT="91425" marB="91425" marR="91425" marL="91425"/>
+                  <a:tcPr marL="91425" marR="91425" marT="91425" marB="91425"/>
                 </a:tc>
                 <a:tc>
                   <a:txBody>
-                    <a:bodyPr>
-                      <a:noAutofit/>
-                    </a:bodyPr>
+                    <a:bodyPr/>
                     <a:lstStyle/>
                     <a:p>
-                      <a:pPr indent="0" lvl="0" marL="0">
+                      <a:pPr marL="0" lvl="0" indent="0">
                         <a:spcBef>
                           <a:spcPts val="0"/>
                         </a:spcBef>
@@ -8911,22 +9094,17 @@
                         </a:spcAft>
                         <a:buNone/>
                       </a:pPr>
-                      <a:r>
-                        <a:t/>
-                      </a:r>
                       <a:endParaRPr/>
                     </a:p>
                   </a:txBody>
-                  <a:tcPr marT="91425" marB="91425" marR="91425" marL="91425"/>
+                  <a:tcPr marL="91425" marR="91425" marT="91425" marB="91425"/>
                 </a:tc>
                 <a:tc>
                   <a:txBody>
-                    <a:bodyPr>
-                      <a:noAutofit/>
-                    </a:bodyPr>
+                    <a:bodyPr/>
                     <a:lstStyle/>
                     <a:p>
-                      <a:pPr indent="0" lvl="0" marL="0">
+                      <a:pPr marL="0" lvl="0" indent="0">
                         <a:spcBef>
                           <a:spcPts val="0"/>
                         </a:spcBef>
@@ -8942,16 +9120,14 @@
                       <a:endParaRPr/>
                     </a:p>
                   </a:txBody>
-                  <a:tcPr marT="91425" marB="91425" marR="91425" marL="91425"/>
+                  <a:tcPr marL="91425" marR="91425" marT="91425" marB="91425"/>
                 </a:tc>
                 <a:tc>
                   <a:txBody>
-                    <a:bodyPr>
-                      <a:noAutofit/>
-                    </a:bodyPr>
+                    <a:bodyPr/>
                     <a:lstStyle/>
                     <a:p>
-                      <a:pPr indent="0" lvl="0" marL="0">
+                      <a:pPr marL="0" lvl="0" indent="0">
                         <a:spcBef>
                           <a:spcPts val="0"/>
                         </a:spcBef>
@@ -8967,16 +9143,14 @@
                       <a:endParaRPr/>
                     </a:p>
                   </a:txBody>
-                  <a:tcPr marT="91425" marB="91425" marR="91425" marL="91425"/>
+                  <a:tcPr marL="91425" marR="91425" marT="91425" marB="91425"/>
                 </a:tc>
                 <a:tc>
                   <a:txBody>
-                    <a:bodyPr>
-                      <a:noAutofit/>
-                    </a:bodyPr>
+                    <a:bodyPr/>
                     <a:lstStyle/>
                     <a:p>
-                      <a:pPr indent="0" lvl="0" marL="0">
+                      <a:pPr marL="0" lvl="0" indent="0">
                         <a:spcBef>
                           <a:spcPts val="0"/>
                         </a:spcBef>
@@ -8985,24 +9159,24 @@
                         </a:spcAft>
                         <a:buNone/>
                       </a:pPr>
-                      <a:r>
-                        <a:t/>
-                      </a:r>
                       <a:endParaRPr/>
                     </a:p>
                   </a:txBody>
-                  <a:tcPr marT="91425" marB="91425" marR="91425" marL="91425"/>
+                  <a:tcPr marL="91425" marR="91425" marT="91425" marB="91425"/>
                 </a:tc>
+                <a:extLst>
+                  <a:ext uri="{0D108BD9-81ED-4DB2-BD59-A6C34878D82A}">
+                    <a16:rowId xmlns:a16="http://schemas.microsoft.com/office/drawing/2014/main" val="10004"/>
+                  </a:ext>
+                </a:extLst>
               </a:tr>
               <a:tr h="381000">
                 <a:tc>
                   <a:txBody>
-                    <a:bodyPr>
-                      <a:noAutofit/>
-                    </a:bodyPr>
+                    <a:bodyPr/>
                     <a:lstStyle/>
                     <a:p>
-                      <a:pPr indent="0" lvl="0" marL="0">
+                      <a:pPr marL="0" lvl="0" indent="0">
                         <a:spcBef>
                           <a:spcPts val="0"/>
                         </a:spcBef>
@@ -9018,16 +9192,14 @@
                       <a:endParaRPr/>
                     </a:p>
                   </a:txBody>
-                  <a:tcPr marT="91425" marB="91425" marR="91425" marL="91425"/>
+                  <a:tcPr marL="91425" marR="91425" marT="91425" marB="91425"/>
                 </a:tc>
                 <a:tc>
                   <a:txBody>
-                    <a:bodyPr>
-                      <a:noAutofit/>
-                    </a:bodyPr>
+                    <a:bodyPr/>
                     <a:lstStyle/>
                     <a:p>
-                      <a:pPr indent="0" lvl="0" marL="0">
+                      <a:pPr marL="0" lvl="0" indent="0">
                         <a:spcBef>
                           <a:spcPts val="0"/>
                         </a:spcBef>
@@ -9043,16 +9215,14 @@
                       <a:endParaRPr/>
                     </a:p>
                   </a:txBody>
-                  <a:tcPr marT="91425" marB="91425" marR="91425" marL="91425"/>
+                  <a:tcPr marL="91425" marR="91425" marT="91425" marB="91425"/>
                 </a:tc>
                 <a:tc>
                   <a:txBody>
-                    <a:bodyPr>
-                      <a:noAutofit/>
-                    </a:bodyPr>
+                    <a:bodyPr/>
                     <a:lstStyle/>
                     <a:p>
-                      <a:pPr indent="0" lvl="0" marL="0">
+                      <a:pPr marL="0" lvl="0" indent="0">
                         <a:spcBef>
                           <a:spcPts val="0"/>
                         </a:spcBef>
@@ -9068,16 +9238,14 @@
                       <a:endParaRPr/>
                     </a:p>
                   </a:txBody>
-                  <a:tcPr marT="91425" marB="91425" marR="91425" marL="91425"/>
+                  <a:tcPr marL="91425" marR="91425" marT="91425" marB="91425"/>
                 </a:tc>
                 <a:tc>
                   <a:txBody>
-                    <a:bodyPr>
-                      <a:noAutofit/>
-                    </a:bodyPr>
+                    <a:bodyPr/>
                     <a:lstStyle/>
                     <a:p>
-                      <a:pPr indent="0" lvl="0" marL="0">
+                      <a:pPr marL="0" lvl="0" indent="0">
                         <a:spcBef>
                           <a:spcPts val="0"/>
                         </a:spcBef>
@@ -9086,22 +9254,17 @@
                         </a:spcAft>
                         <a:buNone/>
                       </a:pPr>
-                      <a:r>
-                        <a:t/>
-                      </a:r>
                       <a:endParaRPr/>
                     </a:p>
                   </a:txBody>
-                  <a:tcPr marT="91425" marB="91425" marR="91425" marL="91425"/>
+                  <a:tcPr marL="91425" marR="91425" marT="91425" marB="91425"/>
                 </a:tc>
                 <a:tc>
                   <a:txBody>
-                    <a:bodyPr>
-                      <a:noAutofit/>
-                    </a:bodyPr>
+                    <a:bodyPr/>
                     <a:lstStyle/>
                     <a:p>
-                      <a:pPr indent="0" lvl="0" marL="0">
+                      <a:pPr marL="0" lvl="0" indent="0">
                         <a:spcBef>
                           <a:spcPts val="0"/>
                         </a:spcBef>
@@ -9110,24 +9273,24 @@
                         </a:spcAft>
                         <a:buNone/>
                       </a:pPr>
-                      <a:r>
-                        <a:t/>
-                      </a:r>
                       <a:endParaRPr/>
                     </a:p>
                   </a:txBody>
-                  <a:tcPr marT="91425" marB="91425" marR="91425" marL="91425"/>
+                  <a:tcPr marL="91425" marR="91425" marT="91425" marB="91425"/>
                 </a:tc>
+                <a:extLst>
+                  <a:ext uri="{0D108BD9-81ED-4DB2-BD59-A6C34878D82A}">
+                    <a16:rowId xmlns:a16="http://schemas.microsoft.com/office/drawing/2014/main" val="10005"/>
+                  </a:ext>
+                </a:extLst>
               </a:tr>
               <a:tr h="381000">
                 <a:tc>
                   <a:txBody>
-                    <a:bodyPr>
-                      <a:noAutofit/>
-                    </a:bodyPr>
+                    <a:bodyPr/>
                     <a:lstStyle/>
                     <a:p>
-                      <a:pPr indent="0" lvl="0" marL="0" rtl="0">
+                      <a:pPr marL="0" lvl="0" indent="0" rtl="0">
                         <a:spcBef>
                           <a:spcPts val="0"/>
                         </a:spcBef>
@@ -9143,16 +9306,14 @@
                       <a:endParaRPr/>
                     </a:p>
                   </a:txBody>
-                  <a:tcPr marT="91425" marB="91425" marR="91425" marL="91425"/>
+                  <a:tcPr marL="91425" marR="91425" marT="91425" marB="91425"/>
                 </a:tc>
                 <a:tc>
                   <a:txBody>
-                    <a:bodyPr>
-                      <a:noAutofit/>
-                    </a:bodyPr>
+                    <a:bodyPr/>
                     <a:lstStyle/>
                     <a:p>
-                      <a:pPr indent="0" lvl="0" marL="0" rtl="0">
+                      <a:pPr marL="0" lvl="0" indent="0" rtl="0">
                         <a:spcBef>
                           <a:spcPts val="0"/>
                         </a:spcBef>
@@ -9161,22 +9322,17 @@
                         </a:spcAft>
                         <a:buNone/>
                       </a:pPr>
-                      <a:r>
-                        <a:t/>
-                      </a:r>
                       <a:endParaRPr/>
                     </a:p>
                   </a:txBody>
-                  <a:tcPr marT="91425" marB="91425" marR="91425" marL="91425"/>
+                  <a:tcPr marL="91425" marR="91425" marT="91425" marB="91425"/>
                 </a:tc>
                 <a:tc>
                   <a:txBody>
-                    <a:bodyPr>
-                      <a:noAutofit/>
-                    </a:bodyPr>
+                    <a:bodyPr/>
                     <a:lstStyle/>
                     <a:p>
-                      <a:pPr indent="0" lvl="0" marL="0" rtl="0">
+                      <a:pPr marL="0" lvl="0" indent="0" rtl="0">
                         <a:spcBef>
                           <a:spcPts val="0"/>
                         </a:spcBef>
@@ -9185,22 +9341,17 @@
                         </a:spcAft>
                         <a:buNone/>
                       </a:pPr>
-                      <a:r>
-                        <a:t/>
-                      </a:r>
                       <a:endParaRPr/>
                     </a:p>
                   </a:txBody>
-                  <a:tcPr marT="91425" marB="91425" marR="91425" marL="91425"/>
+                  <a:tcPr marL="91425" marR="91425" marT="91425" marB="91425"/>
                 </a:tc>
                 <a:tc>
                   <a:txBody>
-                    <a:bodyPr>
-                      <a:noAutofit/>
-                    </a:bodyPr>
+                    <a:bodyPr/>
                     <a:lstStyle/>
                     <a:p>
-                      <a:pPr indent="0" lvl="0" marL="0" rtl="0">
+                      <a:pPr marL="0" lvl="0" indent="0" rtl="0">
                         <a:spcBef>
                           <a:spcPts val="0"/>
                         </a:spcBef>
@@ -9216,16 +9367,14 @@
                       <a:endParaRPr/>
                     </a:p>
                   </a:txBody>
-                  <a:tcPr marT="91425" marB="91425" marR="91425" marL="91425"/>
+                  <a:tcPr marL="91425" marR="91425" marT="91425" marB="91425"/>
                 </a:tc>
                 <a:tc>
                   <a:txBody>
-                    <a:bodyPr>
-                      <a:noAutofit/>
-                    </a:bodyPr>
+                    <a:bodyPr/>
                     <a:lstStyle/>
                     <a:p>
-                      <a:pPr indent="0" lvl="0" marL="0" rtl="0">
+                      <a:pPr marL="0" lvl="0" indent="0" rtl="0">
                         <a:spcBef>
                           <a:spcPts val="0"/>
                         </a:spcBef>
@@ -9241,8 +9390,13 @@
                       <a:endParaRPr/>
                     </a:p>
                   </a:txBody>
-                  <a:tcPr marT="91425" marB="91425" marR="91425" marL="91425"/>
+                  <a:tcPr marL="91425" marR="91425" marT="91425" marB="91425"/>
                 </a:tc>
+                <a:extLst>
+                  <a:ext uri="{0D108BD9-81ED-4DB2-BD59-A6C34878D82A}">
+                    <a16:rowId xmlns:a16="http://schemas.microsoft.com/office/drawing/2014/main" val="10006"/>
+                  </a:ext>
+                </a:extLst>
               </a:tr>
             </a:tbl>
           </a:graphicData>
@@ -9257,11 +9411,11 @@
 </file>
 
 <file path=ppt/slides/slide8.xml><?xml version="1.0" encoding="utf-8"?>
-<p:sld xmlns:a="http://schemas.openxmlformats.org/drawingml/2006/main" xmlns:r="http://schemas.openxmlformats.org/officeDocument/2006/relationships" xmlns:mc="http://schemas.openxmlformats.org/markup-compatibility/2006" xmlns:mv="urn:schemas-microsoft-com:mac:vml" xmlns:p="http://schemas.openxmlformats.org/presentationml/2006/main" xmlns:c="http://schemas.openxmlformats.org/drawingml/2006/chart" xmlns:dgm="http://schemas.openxmlformats.org/drawingml/2006/diagram" xmlns:o="urn:schemas-microsoft-com:office:office" xmlns:v="urn:schemas-microsoft-com:vml" xmlns:pvml="urn:schemas-microsoft-com:office:powerpoint" xmlns:com="http://schemas.openxmlformats.org/drawingml/2006/compatibility" xmlns:p14="http://schemas.microsoft.com/office/powerpoint/2010/main" xmlns:p15="http://schemas.microsoft.com/office/powerpoint/2012/main">
+<p:sld xmlns:a="http://schemas.openxmlformats.org/drawingml/2006/main" xmlns:r="http://schemas.openxmlformats.org/officeDocument/2006/relationships" xmlns:p="http://schemas.openxmlformats.org/presentationml/2006/main">
   <p:cSld>
     <p:spTree>
       <p:nvGrpSpPr>
-        <p:cNvPr id="111" name="Shape 111"/>
+        <p:cNvPr id="1" name="Shape 111"/>
         <p:cNvGrpSpPr/>
         <p:nvPr/>
       </p:nvGrpSpPr>
@@ -9276,7 +9430,9 @@
       <p:sp>
         <p:nvSpPr>
           <p:cNvPr id="112" name="Shape 112"/>
-          <p:cNvSpPr txBox="1"/>
+          <p:cNvSpPr txBox="1">
+            <a:spLocks noGrp="1"/>
+          </p:cNvSpPr>
           <p:nvPr>
             <p:ph type="title"/>
           </p:nvPr>
@@ -9291,12 +9447,12 @@
           </a:prstGeom>
         </p:spPr>
         <p:txBody>
-          <a:bodyPr anchorCtr="0" anchor="t" bIns="91425" lIns="91425" spcFirstLastPara="1" rIns="91425" wrap="square" tIns="91425">
+          <a:bodyPr spcFirstLastPara="1" wrap="square" lIns="91425" tIns="91425" rIns="91425" bIns="91425" anchor="t" anchorCtr="0">
             <a:noAutofit/>
           </a:bodyPr>
           <a:lstStyle/>
           <a:p>
-            <a:pPr indent="0" lvl="0" marL="0" algn="ctr">
+            <a:pPr marL="0" lvl="0" indent="0" algn="ctr">
               <a:spcBef>
                 <a:spcPts val="0"/>
               </a:spcBef>
@@ -9316,9 +9472,11 @@
       <p:sp>
         <p:nvSpPr>
           <p:cNvPr id="113" name="Shape 113"/>
-          <p:cNvSpPr txBox="1"/>
+          <p:cNvSpPr txBox="1">
+            <a:spLocks noGrp="1"/>
+          </p:cNvSpPr>
           <p:nvPr>
-            <p:ph idx="1" type="body"/>
+            <p:ph type="body" idx="1"/>
           </p:nvPr>
         </p:nvSpPr>
         <p:spPr>
@@ -9331,12 +9489,12 @@
           </a:prstGeom>
         </p:spPr>
         <p:txBody>
-          <a:bodyPr anchorCtr="0" anchor="t" bIns="91425" lIns="91425" spcFirstLastPara="1" rIns="91425" wrap="square" tIns="91425">
+          <a:bodyPr spcFirstLastPara="1" wrap="square" lIns="91425" tIns="91425" rIns="91425" bIns="91425" anchor="t" anchorCtr="0">
             <a:noAutofit/>
           </a:bodyPr>
           <a:lstStyle/>
           <a:p>
-            <a:pPr indent="-342900" lvl="0" marL="457200" rtl="0">
+            <a:pPr marL="457200" lvl="0" indent="-342900" rtl="0">
               <a:spcBef>
                 <a:spcPts val="0"/>
               </a:spcBef>
@@ -9347,7 +9505,7 @@
               <a:buChar char="-"/>
             </a:pPr>
             <a:r>
-              <a:rPr b="1" lang="en"/>
+              <a:rPr lang="en" b="1"/>
               <a:t>Software</a:t>
             </a:r>
             <a:r>
@@ -9355,7 +9513,7 @@
               <a:t>: </a:t>
             </a:r>
             <a:r>
-              <a:rPr i="1" lang="en"/>
+              <a:rPr lang="en" i="1"/>
               <a:t>Android Studio</a:t>
             </a:r>
             <a:r>
@@ -9365,7 +9523,7 @@
             <a:endParaRPr/>
           </a:p>
           <a:p>
-            <a:pPr indent="0" lvl="0" marL="0" rtl="0">
+            <a:pPr marL="0" lvl="0" indent="0" rtl="0">
               <a:spcBef>
                 <a:spcPts val="1600"/>
               </a:spcBef>
@@ -9379,7 +9537,7 @@
               <a:t>                        </a:t>
             </a:r>
             <a:r>
-              <a:rPr i="1" lang="en"/>
+              <a:rPr lang="en" i="1"/>
               <a:t>Firebase </a:t>
             </a:r>
             <a:r>
@@ -9389,7 +9547,7 @@
             <a:endParaRPr/>
           </a:p>
           <a:p>
-            <a:pPr indent="0" lvl="0" marL="0" rtl="0">
+            <a:pPr marL="0" lvl="0" indent="0" rtl="0">
               <a:spcBef>
                 <a:spcPts val="1600"/>
               </a:spcBef>
@@ -9405,7 +9563,7 @@
             <a:endParaRPr/>
           </a:p>
           <a:p>
-            <a:pPr indent="-342900" lvl="0" marL="457200" rtl="0">
+            <a:pPr marL="457200" lvl="0" indent="-342900" rtl="0">
               <a:spcBef>
                 <a:spcPts val="1600"/>
               </a:spcBef>
@@ -9416,7 +9574,7 @@
               <a:buChar char="-"/>
             </a:pPr>
             <a:r>
-              <a:rPr b="1" lang="en"/>
+              <a:rPr lang="en" b="1"/>
               <a:t>Hardware: </a:t>
             </a:r>
             <a:r>
@@ -9426,7 +9584,7 @@
             <a:endParaRPr/>
           </a:p>
           <a:p>
-            <a:pPr indent="0" lvl="0" marL="0" rtl="0">
+            <a:pPr marL="0" lvl="0" indent="0" rtl="0">
               <a:spcBef>
                 <a:spcPts val="1600"/>
               </a:spcBef>
@@ -9452,7 +9610,288 @@
 </file>
 
 <file path=ppt/theme/theme1.xml><?xml version="1.0" encoding="utf-8"?>
-<a:theme xmlns:a="http://schemas.openxmlformats.org/drawingml/2006/main" xmlns:r="http://schemas.openxmlformats.org/officeDocument/2006/relationships" name="Custom Theme">
+<a:theme xmlns:a="http://schemas.openxmlformats.org/drawingml/2006/main" name="Tropic">
+  <a:themeElements>
+    <a:clrScheme name="Tropic">
+      <a:dk1>
+        <a:srgbClr val="A1E8D9"/>
+      </a:dk1>
+      <a:lt1>
+        <a:srgbClr val="FFFFFF"/>
+      </a:lt1>
+      <a:dk2>
+        <a:srgbClr val="695D46"/>
+      </a:dk2>
+      <a:lt2>
+        <a:srgbClr val="B3A77D"/>
+      </a:lt2>
+      <a:accent1>
+        <a:srgbClr val="EF6C00"/>
+      </a:accent1>
+      <a:accent2>
+        <a:srgbClr val="009668"/>
+      </a:accent2>
+      <a:accent3>
+        <a:srgbClr val="4DB6AC"/>
+      </a:accent3>
+      <a:accent4>
+        <a:srgbClr val="FF9800"/>
+      </a:accent4>
+      <a:accent5>
+        <a:srgbClr val="CE93D8"/>
+      </a:accent5>
+      <a:accent6>
+        <a:srgbClr val="EEFF41"/>
+      </a:accent6>
+      <a:hlink>
+        <a:srgbClr val="CE93D8"/>
+      </a:hlink>
+      <a:folHlink>
+        <a:srgbClr val="CE93D8"/>
+      </a:folHlink>
+    </a:clrScheme>
+    <a:fontScheme name="Office">
+      <a:majorFont>
+        <a:latin typeface="Arial"/>
+        <a:ea typeface=""/>
+        <a:cs typeface=""/>
+        <a:font script="Jpan" typeface="ＭＳ Ｐゴシック"/>
+        <a:font script="Hang" typeface="맑은 고딕"/>
+        <a:font script="Hans" typeface="宋体"/>
+        <a:font script="Hant" typeface="新細明體"/>
+        <a:font script="Arab" typeface="Times New Roman"/>
+        <a:font script="Hebr" typeface="Times New Roman"/>
+        <a:font script="Thai" typeface="Angsana New"/>
+        <a:font script="Ethi" typeface="Nyala"/>
+        <a:font script="Beng" typeface="Vrinda"/>
+        <a:font script="Gujr" typeface="Shruti"/>
+        <a:font script="Khmr" typeface="MoolBoran"/>
+        <a:font script="Knda" typeface="Tunga"/>
+        <a:font script="Guru" typeface="Raavi"/>
+        <a:font script="Cans" typeface="Euphemia"/>
+        <a:font script="Cher" typeface="Plantagenet Cherokee"/>
+        <a:font script="Yiii" typeface="Microsoft Yi Baiti"/>
+        <a:font script="Tibt" typeface="Microsoft Himalaya"/>
+        <a:font script="Thaa" typeface="MV Boli"/>
+        <a:font script="Deva" typeface="Mangal"/>
+        <a:font script="Telu" typeface="Gautami"/>
+        <a:font script="Taml" typeface="Latha"/>
+        <a:font script="Syrc" typeface="Estrangelo Edessa"/>
+        <a:font script="Orya" typeface="Kalinga"/>
+        <a:font script="Mlym" typeface="Kartika"/>
+        <a:font script="Laoo" typeface="DokChampa"/>
+        <a:font script="Sinh" typeface="Iskoola Pota"/>
+        <a:font script="Mong" typeface="Mongolian Baiti"/>
+        <a:font script="Viet" typeface="Times New Roman"/>
+        <a:font script="Uigh" typeface="Microsoft Uighur"/>
+        <a:font script="Geor" typeface="Sylfaen"/>
+      </a:majorFont>
+      <a:minorFont>
+        <a:latin typeface="Arial"/>
+        <a:ea typeface=""/>
+        <a:cs typeface=""/>
+        <a:font script="Jpan" typeface="ＭＳ Ｐゴシック"/>
+        <a:font script="Hang" typeface="맑은 고딕"/>
+        <a:font script="Hans" typeface="宋体"/>
+        <a:font script="Hant" typeface="新細明體"/>
+        <a:font script="Arab" typeface="Arial"/>
+        <a:font script="Hebr" typeface="Arial"/>
+        <a:font script="Thai" typeface="Cordia New"/>
+        <a:font script="Ethi" typeface="Nyala"/>
+        <a:font script="Beng" typeface="Vrinda"/>
+        <a:font script="Gujr" typeface="Shruti"/>
+        <a:font script="Khmr" typeface="DaunPenh"/>
+        <a:font script="Knda" typeface="Tunga"/>
+        <a:font script="Guru" typeface="Raavi"/>
+        <a:font script="Cans" typeface="Euphemia"/>
+        <a:font script="Cher" typeface="Plantagenet Cherokee"/>
+        <a:font script="Yiii" typeface="Microsoft Yi Baiti"/>
+        <a:font script="Tibt" typeface="Microsoft Himalaya"/>
+        <a:font script="Thaa" typeface="MV Boli"/>
+        <a:font script="Deva" typeface="Mangal"/>
+        <a:font script="Telu" typeface="Gautami"/>
+        <a:font script="Taml" typeface="Latha"/>
+        <a:font script="Syrc" typeface="Estrangelo Edessa"/>
+        <a:font script="Orya" typeface="Kalinga"/>
+        <a:font script="Mlym" typeface="Kartika"/>
+        <a:font script="Laoo" typeface="DokChampa"/>
+        <a:font script="Sinh" typeface="Iskoola Pota"/>
+        <a:font script="Mong" typeface="Mongolian Baiti"/>
+        <a:font script="Viet" typeface="Arial"/>
+        <a:font script="Uigh" typeface="Microsoft Uighur"/>
+        <a:font script="Geor" typeface="Sylfaen"/>
+      </a:minorFont>
+    </a:fontScheme>
+    <a:fmtScheme name="Office">
+      <a:fillStyleLst>
+        <a:solidFill>
+          <a:schemeClr val="phClr"/>
+        </a:solidFill>
+        <a:gradFill rotWithShape="1">
+          <a:gsLst>
+            <a:gs pos="0">
+              <a:schemeClr val="phClr">
+                <a:tint val="50000"/>
+                <a:satMod val="300000"/>
+              </a:schemeClr>
+            </a:gs>
+            <a:gs pos="35000">
+              <a:schemeClr val="phClr">
+                <a:tint val="37000"/>
+                <a:satMod val="300000"/>
+              </a:schemeClr>
+            </a:gs>
+            <a:gs pos="100000">
+              <a:schemeClr val="phClr">
+                <a:tint val="15000"/>
+                <a:satMod val="350000"/>
+              </a:schemeClr>
+            </a:gs>
+          </a:gsLst>
+          <a:lin ang="16200000" scaled="1"/>
+        </a:gradFill>
+        <a:gradFill rotWithShape="1">
+          <a:gsLst>
+            <a:gs pos="0">
+              <a:schemeClr val="phClr">
+                <a:tint val="100000"/>
+                <a:shade val="100000"/>
+                <a:satMod val="130000"/>
+              </a:schemeClr>
+            </a:gs>
+            <a:gs pos="100000">
+              <a:schemeClr val="phClr">
+                <a:tint val="50000"/>
+                <a:shade val="100000"/>
+                <a:satMod val="350000"/>
+              </a:schemeClr>
+            </a:gs>
+          </a:gsLst>
+          <a:lin ang="16200000" scaled="0"/>
+        </a:gradFill>
+      </a:fillStyleLst>
+      <a:lnStyleLst>
+        <a:ln w="9525" cap="flat" cmpd="sng" algn="ctr">
+          <a:solidFill>
+            <a:schemeClr val="phClr">
+              <a:shade val="95000"/>
+              <a:satMod val="105000"/>
+            </a:schemeClr>
+          </a:solidFill>
+          <a:prstDash val="solid"/>
+        </a:ln>
+        <a:ln w="25400" cap="flat" cmpd="sng" algn="ctr">
+          <a:solidFill>
+            <a:schemeClr val="phClr"/>
+          </a:solidFill>
+          <a:prstDash val="solid"/>
+        </a:ln>
+        <a:ln w="38100" cap="flat" cmpd="sng" algn="ctr">
+          <a:solidFill>
+            <a:schemeClr val="phClr"/>
+          </a:solidFill>
+          <a:prstDash val="solid"/>
+        </a:ln>
+      </a:lnStyleLst>
+      <a:effectStyleLst>
+        <a:effectStyle>
+          <a:effectLst>
+            <a:outerShdw blurRad="40000" dist="20000" dir="5400000" rotWithShape="0">
+              <a:srgbClr val="000000">
+                <a:alpha val="38000"/>
+              </a:srgbClr>
+            </a:outerShdw>
+          </a:effectLst>
+        </a:effectStyle>
+        <a:effectStyle>
+          <a:effectLst>
+            <a:outerShdw blurRad="40000" dist="23000" dir="5400000" rotWithShape="0">
+              <a:srgbClr val="000000">
+                <a:alpha val="35000"/>
+              </a:srgbClr>
+            </a:outerShdw>
+          </a:effectLst>
+        </a:effectStyle>
+        <a:effectStyle>
+          <a:effectLst>
+            <a:outerShdw blurRad="40000" dist="23000" dir="5400000" rotWithShape="0">
+              <a:srgbClr val="000000">
+                <a:alpha val="35000"/>
+              </a:srgbClr>
+            </a:outerShdw>
+          </a:effectLst>
+          <a:scene3d>
+            <a:camera prst="orthographicFront">
+              <a:rot lat="0" lon="0" rev="0"/>
+            </a:camera>
+            <a:lightRig rig="threePt" dir="t">
+              <a:rot lat="0" lon="0" rev="1200000"/>
+            </a:lightRig>
+          </a:scene3d>
+          <a:sp3d>
+            <a:bevelT w="63500" h="25400"/>
+          </a:sp3d>
+        </a:effectStyle>
+      </a:effectStyleLst>
+      <a:bgFillStyleLst>
+        <a:solidFill>
+          <a:schemeClr val="phClr"/>
+        </a:solidFill>
+        <a:gradFill rotWithShape="1">
+          <a:gsLst>
+            <a:gs pos="0">
+              <a:schemeClr val="phClr">
+                <a:tint val="40000"/>
+                <a:satMod val="350000"/>
+              </a:schemeClr>
+            </a:gs>
+            <a:gs pos="40000">
+              <a:schemeClr val="phClr">
+                <a:tint val="45000"/>
+                <a:shade val="99000"/>
+                <a:satMod val="350000"/>
+              </a:schemeClr>
+            </a:gs>
+            <a:gs pos="100000">
+              <a:schemeClr val="phClr">
+                <a:shade val="20000"/>
+                <a:satMod val="255000"/>
+              </a:schemeClr>
+            </a:gs>
+          </a:gsLst>
+          <a:path path="circle">
+            <a:fillToRect l="50000" t="-80000" r="50000" b="180000"/>
+          </a:path>
+        </a:gradFill>
+        <a:gradFill rotWithShape="1">
+          <a:gsLst>
+            <a:gs pos="0">
+              <a:schemeClr val="phClr">
+                <a:tint val="80000"/>
+                <a:satMod val="300000"/>
+              </a:schemeClr>
+            </a:gs>
+            <a:gs pos="100000">
+              <a:schemeClr val="phClr">
+                <a:shade val="30000"/>
+                <a:satMod val="200000"/>
+              </a:schemeClr>
+            </a:gs>
+          </a:gsLst>
+          <a:path path="circle">
+            <a:fillToRect l="50000" t="50000" r="50000" b="50000"/>
+          </a:path>
+        </a:gradFill>
+      </a:bgFillStyleLst>
+    </a:fmtScheme>
+  </a:themeElements>
+  <a:objectDefaults/>
+  <a:extraClrSchemeLst/>
+</a:theme>
+</file>
+
+<file path=ppt/theme/theme2.xml><?xml version="1.0" encoding="utf-8"?>
+<a:theme xmlns:a="http://schemas.openxmlformats.org/drawingml/2006/main" name="Custom Theme">
   <a:themeElements>
     <a:clrScheme name="Default">
       <a:dk1>
@@ -9727,284 +10166,7 @@
       </a:bgFillStyleLst>
     </a:fmtScheme>
   </a:themeElements>
-</a:theme>
-</file>
-
-<file path=ppt/theme/theme2.xml><?xml version="1.0" encoding="utf-8"?>
-<a:theme xmlns:a="http://schemas.openxmlformats.org/drawingml/2006/main" xmlns:r="http://schemas.openxmlformats.org/officeDocument/2006/relationships" name="Tropic">
-  <a:themeElements>
-    <a:clrScheme name="Tropic">
-      <a:dk1>
-        <a:srgbClr val="A1E8D9"/>
-      </a:dk1>
-      <a:lt1>
-        <a:srgbClr val="FFFFFF"/>
-      </a:lt1>
-      <a:dk2>
-        <a:srgbClr val="695D46"/>
-      </a:dk2>
-      <a:lt2>
-        <a:srgbClr val="B3A77D"/>
-      </a:lt2>
-      <a:accent1>
-        <a:srgbClr val="EF6C00"/>
-      </a:accent1>
-      <a:accent2>
-        <a:srgbClr val="009668"/>
-      </a:accent2>
-      <a:accent3>
-        <a:srgbClr val="4DB6AC"/>
-      </a:accent3>
-      <a:accent4>
-        <a:srgbClr val="FF9800"/>
-      </a:accent4>
-      <a:accent5>
-        <a:srgbClr val="CE93D8"/>
-      </a:accent5>
-      <a:accent6>
-        <a:srgbClr val="EEFF41"/>
-      </a:accent6>
-      <a:hlink>
-        <a:srgbClr val="CE93D8"/>
-      </a:hlink>
-      <a:folHlink>
-        <a:srgbClr val="CE93D8"/>
-      </a:folHlink>
-    </a:clrScheme>
-    <a:fontScheme name="Office">
-      <a:majorFont>
-        <a:latin typeface="Arial"/>
-        <a:ea typeface=""/>
-        <a:cs typeface=""/>
-        <a:font script="Jpan" typeface="ＭＳ Ｐゴシック"/>
-        <a:font script="Hang" typeface="맑은 고딕"/>
-        <a:font script="Hans" typeface="宋体"/>
-        <a:font script="Hant" typeface="新細明體"/>
-        <a:font script="Arab" typeface="Times New Roman"/>
-        <a:font script="Hebr" typeface="Times New Roman"/>
-        <a:font script="Thai" typeface="Angsana New"/>
-        <a:font script="Ethi" typeface="Nyala"/>
-        <a:font script="Beng" typeface="Vrinda"/>
-        <a:font script="Gujr" typeface="Shruti"/>
-        <a:font script="Khmr" typeface="MoolBoran"/>
-        <a:font script="Knda" typeface="Tunga"/>
-        <a:font script="Guru" typeface="Raavi"/>
-        <a:font script="Cans" typeface="Euphemia"/>
-        <a:font script="Cher" typeface="Plantagenet Cherokee"/>
-        <a:font script="Yiii" typeface="Microsoft Yi Baiti"/>
-        <a:font script="Tibt" typeface="Microsoft Himalaya"/>
-        <a:font script="Thaa" typeface="MV Boli"/>
-        <a:font script="Deva" typeface="Mangal"/>
-        <a:font script="Telu" typeface="Gautami"/>
-        <a:font script="Taml" typeface="Latha"/>
-        <a:font script="Syrc" typeface="Estrangelo Edessa"/>
-        <a:font script="Orya" typeface="Kalinga"/>
-        <a:font script="Mlym" typeface="Kartika"/>
-        <a:font script="Laoo" typeface="DokChampa"/>
-        <a:font script="Sinh" typeface="Iskoola Pota"/>
-        <a:font script="Mong" typeface="Mongolian Baiti"/>
-        <a:font script="Viet" typeface="Times New Roman"/>
-        <a:font script="Uigh" typeface="Microsoft Uighur"/>
-        <a:font script="Geor" typeface="Sylfaen"/>
-      </a:majorFont>
-      <a:minorFont>
-        <a:latin typeface="Arial"/>
-        <a:ea typeface=""/>
-        <a:cs typeface=""/>
-        <a:font script="Jpan" typeface="ＭＳ Ｐゴシック"/>
-        <a:font script="Hang" typeface="맑은 고딕"/>
-        <a:font script="Hans" typeface="宋体"/>
-        <a:font script="Hant" typeface="新細明體"/>
-        <a:font script="Arab" typeface="Arial"/>
-        <a:font script="Hebr" typeface="Arial"/>
-        <a:font script="Thai" typeface="Cordia New"/>
-        <a:font script="Ethi" typeface="Nyala"/>
-        <a:font script="Beng" typeface="Vrinda"/>
-        <a:font script="Gujr" typeface="Shruti"/>
-        <a:font script="Khmr" typeface="DaunPenh"/>
-        <a:font script="Knda" typeface="Tunga"/>
-        <a:font script="Guru" typeface="Raavi"/>
-        <a:font script="Cans" typeface="Euphemia"/>
-        <a:font script="Cher" typeface="Plantagenet Cherokee"/>
-        <a:font script="Yiii" typeface="Microsoft Yi Baiti"/>
-        <a:font script="Tibt" typeface="Microsoft Himalaya"/>
-        <a:font script="Thaa" typeface="MV Boli"/>
-        <a:font script="Deva" typeface="Mangal"/>
-        <a:font script="Telu" typeface="Gautami"/>
-        <a:font script="Taml" typeface="Latha"/>
-        <a:font script="Syrc" typeface="Estrangelo Edessa"/>
-        <a:font script="Orya" typeface="Kalinga"/>
-        <a:font script="Mlym" typeface="Kartika"/>
-        <a:font script="Laoo" typeface="DokChampa"/>
-        <a:font script="Sinh" typeface="Iskoola Pota"/>
-        <a:font script="Mong" typeface="Mongolian Baiti"/>
-        <a:font script="Viet" typeface="Arial"/>
-        <a:font script="Uigh" typeface="Microsoft Uighur"/>
-        <a:font script="Geor" typeface="Sylfaen"/>
-      </a:minorFont>
-    </a:fontScheme>
-    <a:fmtScheme name="Office">
-      <a:fillStyleLst>
-        <a:solidFill>
-          <a:schemeClr val="phClr"/>
-        </a:solidFill>
-        <a:gradFill rotWithShape="1">
-          <a:gsLst>
-            <a:gs pos="0">
-              <a:schemeClr val="phClr">
-                <a:tint val="50000"/>
-                <a:satMod val="300000"/>
-              </a:schemeClr>
-            </a:gs>
-            <a:gs pos="35000">
-              <a:schemeClr val="phClr">
-                <a:tint val="37000"/>
-                <a:satMod val="300000"/>
-              </a:schemeClr>
-            </a:gs>
-            <a:gs pos="100000">
-              <a:schemeClr val="phClr">
-                <a:tint val="15000"/>
-                <a:satMod val="350000"/>
-              </a:schemeClr>
-            </a:gs>
-          </a:gsLst>
-          <a:lin ang="16200000" scaled="1"/>
-        </a:gradFill>
-        <a:gradFill rotWithShape="1">
-          <a:gsLst>
-            <a:gs pos="0">
-              <a:schemeClr val="phClr">
-                <a:tint val="100000"/>
-                <a:shade val="100000"/>
-                <a:satMod val="130000"/>
-              </a:schemeClr>
-            </a:gs>
-            <a:gs pos="100000">
-              <a:schemeClr val="phClr">
-                <a:tint val="50000"/>
-                <a:shade val="100000"/>
-                <a:satMod val="350000"/>
-              </a:schemeClr>
-            </a:gs>
-          </a:gsLst>
-          <a:lin ang="16200000" scaled="0"/>
-        </a:gradFill>
-      </a:fillStyleLst>
-      <a:lnStyleLst>
-        <a:ln w="9525" cap="flat" cmpd="sng" algn="ctr">
-          <a:solidFill>
-            <a:schemeClr val="phClr">
-              <a:shade val="95000"/>
-              <a:satMod val="105000"/>
-            </a:schemeClr>
-          </a:solidFill>
-          <a:prstDash val="solid"/>
-        </a:ln>
-        <a:ln w="25400" cap="flat" cmpd="sng" algn="ctr">
-          <a:solidFill>
-            <a:schemeClr val="phClr"/>
-          </a:solidFill>
-          <a:prstDash val="solid"/>
-        </a:ln>
-        <a:ln w="38100" cap="flat" cmpd="sng" algn="ctr">
-          <a:solidFill>
-            <a:schemeClr val="phClr"/>
-          </a:solidFill>
-          <a:prstDash val="solid"/>
-        </a:ln>
-      </a:lnStyleLst>
-      <a:effectStyleLst>
-        <a:effectStyle>
-          <a:effectLst>
-            <a:outerShdw blurRad="40000" dist="20000" dir="5400000" rotWithShape="0">
-              <a:srgbClr val="000000">
-                <a:alpha val="38000"/>
-              </a:srgbClr>
-            </a:outerShdw>
-          </a:effectLst>
-        </a:effectStyle>
-        <a:effectStyle>
-          <a:effectLst>
-            <a:outerShdw blurRad="40000" dist="23000" dir="5400000" rotWithShape="0">
-              <a:srgbClr val="000000">
-                <a:alpha val="35000"/>
-              </a:srgbClr>
-            </a:outerShdw>
-          </a:effectLst>
-        </a:effectStyle>
-        <a:effectStyle>
-          <a:effectLst>
-            <a:outerShdw blurRad="40000" dist="23000" dir="5400000" rotWithShape="0">
-              <a:srgbClr val="000000">
-                <a:alpha val="35000"/>
-              </a:srgbClr>
-            </a:outerShdw>
-          </a:effectLst>
-          <a:scene3d>
-            <a:camera prst="orthographicFront">
-              <a:rot lat="0" lon="0" rev="0"/>
-            </a:camera>
-            <a:lightRig rig="threePt" dir="t">
-              <a:rot lat="0" lon="0" rev="1200000"/>
-            </a:lightRig>
-          </a:scene3d>
-          <a:sp3d>
-            <a:bevelT w="63500" h="25400"/>
-          </a:sp3d>
-        </a:effectStyle>
-      </a:effectStyleLst>
-      <a:bgFillStyleLst>
-        <a:solidFill>
-          <a:schemeClr val="phClr"/>
-        </a:solidFill>
-        <a:gradFill rotWithShape="1">
-          <a:gsLst>
-            <a:gs pos="0">
-              <a:schemeClr val="phClr">
-                <a:tint val="40000"/>
-                <a:satMod val="350000"/>
-              </a:schemeClr>
-            </a:gs>
-            <a:gs pos="40000">
-              <a:schemeClr val="phClr">
-                <a:tint val="45000"/>
-                <a:shade val="99000"/>
-                <a:satMod val="350000"/>
-              </a:schemeClr>
-            </a:gs>
-            <a:gs pos="100000">
-              <a:schemeClr val="phClr">
-                <a:shade val="20000"/>
-                <a:satMod val="255000"/>
-              </a:schemeClr>
-            </a:gs>
-          </a:gsLst>
-          <a:path path="circle">
-            <a:fillToRect l="50000" t="-80000" r="50000" b="180000"/>
-          </a:path>
-        </a:gradFill>
-        <a:gradFill rotWithShape="1">
-          <a:gsLst>
-            <a:gs pos="0">
-              <a:schemeClr val="phClr">
-                <a:tint val="80000"/>
-                <a:satMod val="300000"/>
-              </a:schemeClr>
-            </a:gs>
-            <a:gs pos="100000">
-              <a:schemeClr val="phClr">
-                <a:shade val="30000"/>
-                <a:satMod val="200000"/>
-              </a:schemeClr>
-            </a:gs>
-          </a:gsLst>
-          <a:path path="circle">
-            <a:fillToRect l="50000" t="50000" r="50000" b="50000"/>
-          </a:path>
-        </a:gradFill>
-      </a:bgFillStyleLst>
-    </a:fmtScheme>
-  </a:themeElements>
+  <a:objectDefaults/>
+  <a:extraClrSchemeLst/>
 </a:theme>
 </file>
--- a/DragonFriends Finished Draft.pptx
+++ b/DragonFriends Finished Draft.pptx
@@ -14,23 +14,23 @@
     <p:sldId id="259" r:id="rId5"/>
     <p:sldId id="260" r:id="rId6"/>
     <p:sldId id="261" r:id="rId7"/>
-    <p:sldId id="262" r:id="rId8"/>
-    <p:sldId id="263" r:id="rId9"/>
+    <p:sldId id="263" r:id="rId8"/>
+    <p:sldId id="262" r:id="rId9"/>
   </p:sldIdLst>
   <p:sldSz cx="9144000" cy="5143500" type="screen16x9"/>
   <p:notesSz cx="6858000" cy="9144000"/>
   <p:embeddedFontLst>
     <p:embeddedFont>
-      <p:font typeface="PT Sans Narrow" panose="020B0604020202020204" charset="0"/>
+      <p:font typeface="Open Sans" panose="020B0604020202020204" charset="0"/>
       <p:regular r:id="rId11"/>
       <p:bold r:id="rId12"/>
+      <p:italic r:id="rId13"/>
+      <p:boldItalic r:id="rId14"/>
     </p:embeddedFont>
     <p:embeddedFont>
-      <p:font typeface="Open Sans" panose="020B0604020202020204" charset="0"/>
-      <p:regular r:id="rId13"/>
-      <p:bold r:id="rId14"/>
-      <p:italic r:id="rId15"/>
-      <p:boldItalic r:id="rId16"/>
+      <p:font typeface="PT Sans Narrow" panose="020B0604020202020204" charset="0"/>
+      <p:regular r:id="rId15"/>
+      <p:bold r:id="rId16"/>
     </p:embeddedFont>
   </p:embeddedFontLst>
   <p:defaultTextStyle>
@@ -262,6 +262,11 @@
       </a:defRPr>
     </a:lvl9pPr>
   </p:defaultTextStyle>
+  <p:extLst>
+    <p:ext uri="{EFAFB233-063F-42B5-8137-9DF3F51BA10A}">
+      <p15:sldGuideLst xmlns:p15="http://schemas.microsoft.com/office/powerpoint/2012/main"/>
+    </p:ext>
+  </p:extLst>
 </p:presentation>
 </file>
 
@@ -1333,6 +1338,110 @@
   <p:cSld>
     <p:spTree>
       <p:nvGrpSpPr>
+        <p:cNvPr id="1" name="Shape 108"/>
+        <p:cNvGrpSpPr/>
+        <p:nvPr/>
+      </p:nvGrpSpPr>
+      <p:grpSpPr>
+        <a:xfrm>
+          <a:off x="0" y="0"/>
+          <a:ext cx="0" cy="0"/>
+          <a:chOff x="0" y="0"/>
+          <a:chExt cx="0" cy="0"/>
+        </a:xfrm>
+      </p:grpSpPr>
+      <p:sp>
+        <p:nvSpPr>
+          <p:cNvPr id="109" name="Shape 109"/>
+          <p:cNvSpPr>
+            <a:spLocks noGrp="1" noRot="1" noChangeAspect="1"/>
+          </p:cNvSpPr>
+          <p:nvPr>
+            <p:ph type="sldImg" idx="2"/>
+          </p:nvPr>
+        </p:nvSpPr>
+        <p:spPr>
+          <a:xfrm>
+            <a:off x="381300" y="685800"/>
+            <a:ext cx="6096000" cy="3429000"/>
+          </a:xfrm>
+          <a:custGeom>
+            <a:avLst/>
+            <a:gdLst/>
+            <a:ahLst/>
+            <a:cxnLst/>
+            <a:rect l="0" t="0" r="0" b="0"/>
+            <a:pathLst>
+              <a:path w="120000" h="120000" extrusionOk="0">
+                <a:moveTo>
+                  <a:pt x="0" y="0"/>
+                </a:moveTo>
+                <a:lnTo>
+                  <a:pt x="120000" y="0"/>
+                </a:lnTo>
+                <a:lnTo>
+                  <a:pt x="120000" y="120000"/>
+                </a:lnTo>
+                <a:lnTo>
+                  <a:pt x="0" y="120000"/>
+                </a:lnTo>
+                <a:close/>
+              </a:path>
+            </a:pathLst>
+          </a:custGeom>
+        </p:spPr>
+      </p:sp>
+      <p:sp>
+        <p:nvSpPr>
+          <p:cNvPr id="110" name="Shape 110"/>
+          <p:cNvSpPr txBox="1">
+            <a:spLocks noGrp="1"/>
+          </p:cNvSpPr>
+          <p:nvPr>
+            <p:ph type="body" idx="1"/>
+          </p:nvPr>
+        </p:nvSpPr>
+        <p:spPr>
+          <a:xfrm>
+            <a:off x="685800" y="4343400"/>
+            <a:ext cx="5486400" cy="4114800"/>
+          </a:xfrm>
+          <a:prstGeom prst="rect">
+            <a:avLst/>
+          </a:prstGeom>
+        </p:spPr>
+        <p:txBody>
+          <a:bodyPr spcFirstLastPara="1" wrap="square" lIns="91425" tIns="91425" rIns="91425" bIns="91425" anchor="t" anchorCtr="0">
+            <a:noAutofit/>
+          </a:bodyPr>
+          <a:lstStyle/>
+          <a:p>
+            <a:pPr marL="0" lvl="0" indent="0">
+              <a:spcBef>
+                <a:spcPts val="0"/>
+              </a:spcBef>
+              <a:spcAft>
+                <a:spcPts val="0"/>
+              </a:spcAft>
+              <a:buNone/>
+            </a:pPr>
+            <a:endParaRPr/>
+          </a:p>
+        </p:txBody>
+      </p:sp>
+    </p:spTree>
+  </p:cSld>
+  <p:clrMapOvr>
+    <a:masterClrMapping/>
+  </p:clrMapOvr>
+</p:notes>
+</file>
+
+<file path=ppt/notesSlides/notesSlide8.xml><?xml version="1.0" encoding="utf-8"?>
+<p:notes xmlns:a="http://schemas.openxmlformats.org/drawingml/2006/main" xmlns:r="http://schemas.openxmlformats.org/officeDocument/2006/relationships" xmlns:p="http://schemas.openxmlformats.org/presentationml/2006/main" showMasterSp="0" showMasterPhAnim="0">
+  <p:cSld>
+    <p:spTree>
+      <p:nvGrpSpPr>
         <p:cNvPr id="1" name="Shape 102"/>
         <p:cNvGrpSpPr/>
         <p:nvPr/>
@@ -1389,110 +1498,6 @@
       <p:sp>
         <p:nvSpPr>
           <p:cNvPr id="104" name="Shape 104"/>
-          <p:cNvSpPr txBox="1">
-            <a:spLocks noGrp="1"/>
-          </p:cNvSpPr>
-          <p:nvPr>
-            <p:ph type="body" idx="1"/>
-          </p:nvPr>
-        </p:nvSpPr>
-        <p:spPr>
-          <a:xfrm>
-            <a:off x="685800" y="4343400"/>
-            <a:ext cx="5486400" cy="4114800"/>
-          </a:xfrm>
-          <a:prstGeom prst="rect">
-            <a:avLst/>
-          </a:prstGeom>
-        </p:spPr>
-        <p:txBody>
-          <a:bodyPr spcFirstLastPara="1" wrap="square" lIns="91425" tIns="91425" rIns="91425" bIns="91425" anchor="t" anchorCtr="0">
-            <a:noAutofit/>
-          </a:bodyPr>
-          <a:lstStyle/>
-          <a:p>
-            <a:pPr marL="0" lvl="0" indent="0">
-              <a:spcBef>
-                <a:spcPts val="0"/>
-              </a:spcBef>
-              <a:spcAft>
-                <a:spcPts val="0"/>
-              </a:spcAft>
-              <a:buNone/>
-            </a:pPr>
-            <a:endParaRPr/>
-          </a:p>
-        </p:txBody>
-      </p:sp>
-    </p:spTree>
-  </p:cSld>
-  <p:clrMapOvr>
-    <a:masterClrMapping/>
-  </p:clrMapOvr>
-</p:notes>
-</file>
-
-<file path=ppt/notesSlides/notesSlide8.xml><?xml version="1.0" encoding="utf-8"?>
-<p:notes xmlns:a="http://schemas.openxmlformats.org/drawingml/2006/main" xmlns:r="http://schemas.openxmlformats.org/officeDocument/2006/relationships" xmlns:p="http://schemas.openxmlformats.org/presentationml/2006/main" showMasterSp="0" showMasterPhAnim="0">
-  <p:cSld>
-    <p:spTree>
-      <p:nvGrpSpPr>
-        <p:cNvPr id="1" name="Shape 108"/>
-        <p:cNvGrpSpPr/>
-        <p:nvPr/>
-      </p:nvGrpSpPr>
-      <p:grpSpPr>
-        <a:xfrm>
-          <a:off x="0" y="0"/>
-          <a:ext cx="0" cy="0"/>
-          <a:chOff x="0" y="0"/>
-          <a:chExt cx="0" cy="0"/>
-        </a:xfrm>
-      </p:grpSpPr>
-      <p:sp>
-        <p:nvSpPr>
-          <p:cNvPr id="109" name="Shape 109"/>
-          <p:cNvSpPr>
-            <a:spLocks noGrp="1" noRot="1" noChangeAspect="1"/>
-          </p:cNvSpPr>
-          <p:nvPr>
-            <p:ph type="sldImg" idx="2"/>
-          </p:nvPr>
-        </p:nvSpPr>
-        <p:spPr>
-          <a:xfrm>
-            <a:off x="381300" y="685800"/>
-            <a:ext cx="6096000" cy="3429000"/>
-          </a:xfrm>
-          <a:custGeom>
-            <a:avLst/>
-            <a:gdLst/>
-            <a:ahLst/>
-            <a:cxnLst/>
-            <a:rect l="0" t="0" r="0" b="0"/>
-            <a:pathLst>
-              <a:path w="120000" h="120000" extrusionOk="0">
-                <a:moveTo>
-                  <a:pt x="0" y="0"/>
-                </a:moveTo>
-                <a:lnTo>
-                  <a:pt x="120000" y="0"/>
-                </a:lnTo>
-                <a:lnTo>
-                  <a:pt x="120000" y="120000"/>
-                </a:lnTo>
-                <a:lnTo>
-                  <a:pt x="0" y="120000"/>
-                </a:lnTo>
-                <a:close/>
-              </a:path>
-            </a:pathLst>
-          </a:custGeom>
-        </p:spPr>
-      </p:sp>
-      <p:sp>
-        <p:nvSpPr>
-          <p:cNvPr id="110" name="Shape 110"/>
           <p:cNvSpPr txBox="1">
             <a:spLocks noGrp="1"/>
           </p:cNvSpPr>
@@ -8488,6 +8493,205 @@
 </file>
 
 <file path=ppt/slides/slide7.xml><?xml version="1.0" encoding="utf-8"?>
+<p:sld xmlns:a="http://schemas.openxmlformats.org/drawingml/2006/main" xmlns:r="http://schemas.openxmlformats.org/officeDocument/2006/relationships" xmlns:p="http://schemas.openxmlformats.org/presentationml/2006/main">
+  <p:cSld>
+    <p:spTree>
+      <p:nvGrpSpPr>
+        <p:cNvPr id="1" name="Shape 111"/>
+        <p:cNvGrpSpPr/>
+        <p:nvPr/>
+      </p:nvGrpSpPr>
+      <p:grpSpPr>
+        <a:xfrm>
+          <a:off x="0" y="0"/>
+          <a:ext cx="0" cy="0"/>
+          <a:chOff x="0" y="0"/>
+          <a:chExt cx="0" cy="0"/>
+        </a:xfrm>
+      </p:grpSpPr>
+      <p:sp>
+        <p:nvSpPr>
+          <p:cNvPr id="112" name="Shape 112"/>
+          <p:cNvSpPr txBox="1">
+            <a:spLocks noGrp="1"/>
+          </p:cNvSpPr>
+          <p:nvPr>
+            <p:ph type="title"/>
+          </p:nvPr>
+        </p:nvSpPr>
+        <p:spPr>
+          <a:xfrm>
+            <a:off x="311700" y="445025"/>
+            <a:ext cx="8520600" cy="707400"/>
+          </a:xfrm>
+          <a:prstGeom prst="rect">
+            <a:avLst/>
+          </a:prstGeom>
+        </p:spPr>
+        <p:txBody>
+          <a:bodyPr spcFirstLastPara="1" wrap="square" lIns="91425" tIns="91425" rIns="91425" bIns="91425" anchor="t" anchorCtr="0">
+            <a:noAutofit/>
+          </a:bodyPr>
+          <a:lstStyle/>
+          <a:p>
+            <a:pPr marL="0" lvl="0" indent="0" algn="ctr">
+              <a:spcBef>
+                <a:spcPts val="0"/>
+              </a:spcBef>
+              <a:spcAft>
+                <a:spcPts val="0"/>
+              </a:spcAft>
+              <a:buNone/>
+            </a:pPr>
+            <a:r>
+              <a:rPr lang="en"/>
+              <a:t>Technologies needed</a:t>
+            </a:r>
+            <a:endParaRPr/>
+          </a:p>
+        </p:txBody>
+      </p:sp>
+      <p:sp>
+        <p:nvSpPr>
+          <p:cNvPr id="113" name="Shape 113"/>
+          <p:cNvSpPr txBox="1">
+            <a:spLocks noGrp="1"/>
+          </p:cNvSpPr>
+          <p:nvPr>
+            <p:ph type="body" idx="1"/>
+          </p:nvPr>
+        </p:nvSpPr>
+        <p:spPr>
+          <a:xfrm>
+            <a:off x="311700" y="1266325"/>
+            <a:ext cx="8520600" cy="3302700"/>
+          </a:xfrm>
+          <a:prstGeom prst="rect">
+            <a:avLst/>
+          </a:prstGeom>
+        </p:spPr>
+        <p:txBody>
+          <a:bodyPr spcFirstLastPara="1" wrap="square" lIns="91425" tIns="91425" rIns="91425" bIns="91425" anchor="t" anchorCtr="0">
+            <a:noAutofit/>
+          </a:bodyPr>
+          <a:lstStyle/>
+          <a:p>
+            <a:pPr marL="457200" lvl="0" indent="-342900" rtl="0">
+              <a:spcBef>
+                <a:spcPts val="0"/>
+              </a:spcBef>
+              <a:spcAft>
+                <a:spcPts val="0"/>
+              </a:spcAft>
+              <a:buSzPts val="1800"/>
+              <a:buChar char="-"/>
+            </a:pPr>
+            <a:r>
+              <a:rPr lang="en" b="1"/>
+              <a:t>Software</a:t>
+            </a:r>
+            <a:r>
+              <a:rPr lang="en"/>
+              <a:t>: </a:t>
+            </a:r>
+            <a:r>
+              <a:rPr lang="en" i="1"/>
+              <a:t>Android Studio</a:t>
+            </a:r>
+            <a:r>
+              <a:rPr lang="en"/>
+              <a:t> to develop the mobile application </a:t>
+            </a:r>
+            <a:endParaRPr/>
+          </a:p>
+          <a:p>
+            <a:pPr marL="0" lvl="0" indent="0" rtl="0">
+              <a:spcBef>
+                <a:spcPts val="1600"/>
+              </a:spcBef>
+              <a:spcAft>
+                <a:spcPts val="0"/>
+              </a:spcAft>
+              <a:buNone/>
+            </a:pPr>
+            <a:r>
+              <a:rPr lang="en"/>
+              <a:t>                        </a:t>
+            </a:r>
+            <a:r>
+              <a:rPr lang="en" i="1"/>
+              <a:t>Firebase </a:t>
+            </a:r>
+            <a:r>
+              <a:rPr lang="en"/>
+              <a:t>to use as our database backend </a:t>
+            </a:r>
+            <a:endParaRPr/>
+          </a:p>
+          <a:p>
+            <a:pPr marL="0" lvl="0" indent="0" rtl="0">
+              <a:spcBef>
+                <a:spcPts val="1600"/>
+              </a:spcBef>
+              <a:spcAft>
+                <a:spcPts val="0"/>
+              </a:spcAft>
+              <a:buNone/>
+            </a:pPr>
+            <a:r>
+              <a:rPr lang="en"/>
+              <a:t>                        Access to list of classes from Term Master Schedule(TMS)</a:t>
+            </a:r>
+            <a:endParaRPr/>
+          </a:p>
+          <a:p>
+            <a:pPr marL="457200" lvl="0" indent="-342900" rtl="0">
+              <a:spcBef>
+                <a:spcPts val="1600"/>
+              </a:spcBef>
+              <a:spcAft>
+                <a:spcPts val="0"/>
+              </a:spcAft>
+              <a:buSzPts val="1800"/>
+              <a:buChar char="-"/>
+            </a:pPr>
+            <a:r>
+              <a:rPr lang="en" b="1"/>
+              <a:t>Hardware: </a:t>
+            </a:r>
+            <a:r>
+              <a:rPr lang="en"/>
+              <a:t>Android phone for testing </a:t>
+            </a:r>
+            <a:endParaRPr/>
+          </a:p>
+          <a:p>
+            <a:pPr marL="0" lvl="0" indent="0" rtl="0">
+              <a:spcBef>
+                <a:spcPts val="1600"/>
+              </a:spcBef>
+              <a:spcAft>
+                <a:spcPts val="1600"/>
+              </a:spcAft>
+              <a:buNone/>
+            </a:pPr>
+            <a:r>
+              <a:rPr lang="en"/>
+              <a:t>                         Micro USB / USB-C cord to connect </a:t>
+            </a:r>
+            <a:endParaRPr/>
+          </a:p>
+        </p:txBody>
+      </p:sp>
+    </p:spTree>
+  </p:cSld>
+  <p:clrMapOvr>
+    <a:masterClrMapping/>
+  </p:clrMapOvr>
+</p:sld>
+</file>
+
+<file path=ppt/slides/slide8.xml><?xml version="1.0" encoding="utf-8"?>
 <p:sld xmlns:a="http://schemas.openxmlformats.org/drawingml/2006/main" xmlns:r="http://schemas.openxmlformats.org/officeDocument/2006/relationships" xmlns:p="http://schemas.openxmlformats.org/presentationml/2006/main">
   <p:cSld>
     <p:spTree>
@@ -9410,205 +9614,6 @@
 </p:sld>
 </file>
 
-<file path=ppt/slides/slide8.xml><?xml version="1.0" encoding="utf-8"?>
-<p:sld xmlns:a="http://schemas.openxmlformats.org/drawingml/2006/main" xmlns:r="http://schemas.openxmlformats.org/officeDocument/2006/relationships" xmlns:p="http://schemas.openxmlformats.org/presentationml/2006/main">
-  <p:cSld>
-    <p:spTree>
-      <p:nvGrpSpPr>
-        <p:cNvPr id="1" name="Shape 111"/>
-        <p:cNvGrpSpPr/>
-        <p:nvPr/>
-      </p:nvGrpSpPr>
-      <p:grpSpPr>
-        <a:xfrm>
-          <a:off x="0" y="0"/>
-          <a:ext cx="0" cy="0"/>
-          <a:chOff x="0" y="0"/>
-          <a:chExt cx="0" cy="0"/>
-        </a:xfrm>
-      </p:grpSpPr>
-      <p:sp>
-        <p:nvSpPr>
-          <p:cNvPr id="112" name="Shape 112"/>
-          <p:cNvSpPr txBox="1">
-            <a:spLocks noGrp="1"/>
-          </p:cNvSpPr>
-          <p:nvPr>
-            <p:ph type="title"/>
-          </p:nvPr>
-        </p:nvSpPr>
-        <p:spPr>
-          <a:xfrm>
-            <a:off x="311700" y="445025"/>
-            <a:ext cx="8520600" cy="707400"/>
-          </a:xfrm>
-          <a:prstGeom prst="rect">
-            <a:avLst/>
-          </a:prstGeom>
-        </p:spPr>
-        <p:txBody>
-          <a:bodyPr spcFirstLastPara="1" wrap="square" lIns="91425" tIns="91425" rIns="91425" bIns="91425" anchor="t" anchorCtr="0">
-            <a:noAutofit/>
-          </a:bodyPr>
-          <a:lstStyle/>
-          <a:p>
-            <a:pPr marL="0" lvl="0" indent="0" algn="ctr">
-              <a:spcBef>
-                <a:spcPts val="0"/>
-              </a:spcBef>
-              <a:spcAft>
-                <a:spcPts val="0"/>
-              </a:spcAft>
-              <a:buNone/>
-            </a:pPr>
-            <a:r>
-              <a:rPr lang="en"/>
-              <a:t>Technologies needed</a:t>
-            </a:r>
-            <a:endParaRPr/>
-          </a:p>
-        </p:txBody>
-      </p:sp>
-      <p:sp>
-        <p:nvSpPr>
-          <p:cNvPr id="113" name="Shape 113"/>
-          <p:cNvSpPr txBox="1">
-            <a:spLocks noGrp="1"/>
-          </p:cNvSpPr>
-          <p:nvPr>
-            <p:ph type="body" idx="1"/>
-          </p:nvPr>
-        </p:nvSpPr>
-        <p:spPr>
-          <a:xfrm>
-            <a:off x="311700" y="1266325"/>
-            <a:ext cx="8520600" cy="3302700"/>
-          </a:xfrm>
-          <a:prstGeom prst="rect">
-            <a:avLst/>
-          </a:prstGeom>
-        </p:spPr>
-        <p:txBody>
-          <a:bodyPr spcFirstLastPara="1" wrap="square" lIns="91425" tIns="91425" rIns="91425" bIns="91425" anchor="t" anchorCtr="0">
-            <a:noAutofit/>
-          </a:bodyPr>
-          <a:lstStyle/>
-          <a:p>
-            <a:pPr marL="457200" lvl="0" indent="-342900" rtl="0">
-              <a:spcBef>
-                <a:spcPts val="0"/>
-              </a:spcBef>
-              <a:spcAft>
-                <a:spcPts val="0"/>
-              </a:spcAft>
-              <a:buSzPts val="1800"/>
-              <a:buChar char="-"/>
-            </a:pPr>
-            <a:r>
-              <a:rPr lang="en" b="1"/>
-              <a:t>Software</a:t>
-            </a:r>
-            <a:r>
-              <a:rPr lang="en"/>
-              <a:t>: </a:t>
-            </a:r>
-            <a:r>
-              <a:rPr lang="en" i="1"/>
-              <a:t>Android Studio</a:t>
-            </a:r>
-            <a:r>
-              <a:rPr lang="en"/>
-              <a:t> to develop the mobile application </a:t>
-            </a:r>
-            <a:endParaRPr/>
-          </a:p>
-          <a:p>
-            <a:pPr marL="0" lvl="0" indent="0" rtl="0">
-              <a:spcBef>
-                <a:spcPts val="1600"/>
-              </a:spcBef>
-              <a:spcAft>
-                <a:spcPts val="0"/>
-              </a:spcAft>
-              <a:buNone/>
-            </a:pPr>
-            <a:r>
-              <a:rPr lang="en"/>
-              <a:t>                        </a:t>
-            </a:r>
-            <a:r>
-              <a:rPr lang="en" i="1"/>
-              <a:t>Firebase </a:t>
-            </a:r>
-            <a:r>
-              <a:rPr lang="en"/>
-              <a:t>to use as our database backend </a:t>
-            </a:r>
-            <a:endParaRPr/>
-          </a:p>
-          <a:p>
-            <a:pPr marL="0" lvl="0" indent="0" rtl="0">
-              <a:spcBef>
-                <a:spcPts val="1600"/>
-              </a:spcBef>
-              <a:spcAft>
-                <a:spcPts val="0"/>
-              </a:spcAft>
-              <a:buNone/>
-            </a:pPr>
-            <a:r>
-              <a:rPr lang="en"/>
-              <a:t>                        Access to list of classes from Term Master Schedule(TMS)</a:t>
-            </a:r>
-            <a:endParaRPr/>
-          </a:p>
-          <a:p>
-            <a:pPr marL="457200" lvl="0" indent="-342900" rtl="0">
-              <a:spcBef>
-                <a:spcPts val="1600"/>
-              </a:spcBef>
-              <a:spcAft>
-                <a:spcPts val="0"/>
-              </a:spcAft>
-              <a:buSzPts val="1800"/>
-              <a:buChar char="-"/>
-            </a:pPr>
-            <a:r>
-              <a:rPr lang="en" b="1"/>
-              <a:t>Hardware: </a:t>
-            </a:r>
-            <a:r>
-              <a:rPr lang="en"/>
-              <a:t>Android phone for testing </a:t>
-            </a:r>
-            <a:endParaRPr/>
-          </a:p>
-          <a:p>
-            <a:pPr marL="0" lvl="0" indent="0" rtl="0">
-              <a:spcBef>
-                <a:spcPts val="1600"/>
-              </a:spcBef>
-              <a:spcAft>
-                <a:spcPts val="1600"/>
-              </a:spcAft>
-              <a:buNone/>
-            </a:pPr>
-            <a:r>
-              <a:rPr lang="en"/>
-              <a:t>                         Micro USB / USB-C cord to connect </a:t>
-            </a:r>
-            <a:endParaRPr/>
-          </a:p>
-        </p:txBody>
-      </p:sp>
-    </p:spTree>
-  </p:cSld>
-  <p:clrMapOvr>
-    <a:masterClrMapping/>
-  </p:clrMapOvr>
-</p:sld>
-</file>
-
 <file path=ppt/theme/theme1.xml><?xml version="1.0" encoding="utf-8"?>
 <a:theme xmlns:a="http://schemas.openxmlformats.org/drawingml/2006/main" name="Tropic">
   <a:themeElements>
